--- a/Проект Pygame.pptx
+++ b/Проект Pygame.pptx
@@ -15,6 +15,11 @@
     <p:sldId id="263" r:id="rId9"/>
     <p:sldId id="264" r:id="rId10"/>
     <p:sldId id="265" r:id="rId11"/>
+    <p:sldId id="266" r:id="rId12"/>
+    <p:sldId id="267" r:id="rId13"/>
+    <p:sldId id="268" r:id="rId14"/>
+    <p:sldId id="269" r:id="rId15"/>
+    <p:sldId id="270" r:id="rId16"/>
   </p:sldIdLst>
   <p:sldSz cx="12192000" cy="6858000"/>
   <p:notesSz cx="6858000" cy="9144000"/>
@@ -279,7 +284,7 @@
           <a:p>
             <a:fld id="{A8263E6A-DECD-4572-80F8-7CADE0A53763}" type="datetimeFigureOut">
               <a:rPr lang="ru-RU" smtClean="0"/>
-              <a:t>26.02.2025</a:t>
+              <a:t>27.02.2025</a:t>
             </a:fld>
             <a:endParaRPr lang="ru-RU"/>
           </a:p>
@@ -477,7 +482,7 @@
           <a:p>
             <a:fld id="{A8263E6A-DECD-4572-80F8-7CADE0A53763}" type="datetimeFigureOut">
               <a:rPr lang="ru-RU" smtClean="0"/>
-              <a:t>26.02.2025</a:t>
+              <a:t>27.02.2025</a:t>
             </a:fld>
             <a:endParaRPr lang="ru-RU"/>
           </a:p>
@@ -685,7 +690,7 @@
           <a:p>
             <a:fld id="{A8263E6A-DECD-4572-80F8-7CADE0A53763}" type="datetimeFigureOut">
               <a:rPr lang="ru-RU" smtClean="0"/>
-              <a:t>26.02.2025</a:t>
+              <a:t>27.02.2025</a:t>
             </a:fld>
             <a:endParaRPr lang="ru-RU"/>
           </a:p>
@@ -883,7 +888,7 @@
           <a:p>
             <a:fld id="{A8263E6A-DECD-4572-80F8-7CADE0A53763}" type="datetimeFigureOut">
               <a:rPr lang="ru-RU" smtClean="0"/>
-              <a:t>26.02.2025</a:t>
+              <a:t>27.02.2025</a:t>
             </a:fld>
             <a:endParaRPr lang="ru-RU"/>
           </a:p>
@@ -1158,7 +1163,7 @@
           <a:p>
             <a:fld id="{A8263E6A-DECD-4572-80F8-7CADE0A53763}" type="datetimeFigureOut">
               <a:rPr lang="ru-RU" smtClean="0"/>
-              <a:t>26.02.2025</a:t>
+              <a:t>27.02.2025</a:t>
             </a:fld>
             <a:endParaRPr lang="ru-RU"/>
           </a:p>
@@ -1423,7 +1428,7 @@
           <a:p>
             <a:fld id="{A8263E6A-DECD-4572-80F8-7CADE0A53763}" type="datetimeFigureOut">
               <a:rPr lang="ru-RU" smtClean="0"/>
-              <a:t>26.02.2025</a:t>
+              <a:t>27.02.2025</a:t>
             </a:fld>
             <a:endParaRPr lang="ru-RU"/>
           </a:p>
@@ -1835,7 +1840,7 @@
           <a:p>
             <a:fld id="{A8263E6A-DECD-4572-80F8-7CADE0A53763}" type="datetimeFigureOut">
               <a:rPr lang="ru-RU" smtClean="0"/>
-              <a:t>26.02.2025</a:t>
+              <a:t>27.02.2025</a:t>
             </a:fld>
             <a:endParaRPr lang="ru-RU"/>
           </a:p>
@@ -1976,7 +1981,7 @@
           <a:p>
             <a:fld id="{A8263E6A-DECD-4572-80F8-7CADE0A53763}" type="datetimeFigureOut">
               <a:rPr lang="ru-RU" smtClean="0"/>
-              <a:t>26.02.2025</a:t>
+              <a:t>27.02.2025</a:t>
             </a:fld>
             <a:endParaRPr lang="ru-RU"/>
           </a:p>
@@ -2089,7 +2094,7 @@
           <a:p>
             <a:fld id="{A8263E6A-DECD-4572-80F8-7CADE0A53763}" type="datetimeFigureOut">
               <a:rPr lang="ru-RU" smtClean="0"/>
-              <a:t>26.02.2025</a:t>
+              <a:t>27.02.2025</a:t>
             </a:fld>
             <a:endParaRPr lang="ru-RU"/>
           </a:p>
@@ -2400,7 +2405,7 @@
           <a:p>
             <a:fld id="{A8263E6A-DECD-4572-80F8-7CADE0A53763}" type="datetimeFigureOut">
               <a:rPr lang="ru-RU" smtClean="0"/>
-              <a:t>26.02.2025</a:t>
+              <a:t>27.02.2025</a:t>
             </a:fld>
             <a:endParaRPr lang="ru-RU"/>
           </a:p>
@@ -2688,7 +2693,7 @@
           <a:p>
             <a:fld id="{A8263E6A-DECD-4572-80F8-7CADE0A53763}" type="datetimeFigureOut">
               <a:rPr lang="ru-RU" smtClean="0"/>
-              <a:t>26.02.2025</a:t>
+              <a:t>27.02.2025</a:t>
             </a:fld>
             <a:endParaRPr lang="ru-RU"/>
           </a:p>
@@ -2929,7 +2934,7 @@
           <a:p>
             <a:fld id="{A8263E6A-DECD-4572-80F8-7CADE0A53763}" type="datetimeFigureOut">
               <a:rPr lang="ru-RU" smtClean="0"/>
-              <a:t>26.02.2025</a:t>
+              <a:t>27.02.2025</a:t>
             </a:fld>
             <a:endParaRPr lang="ru-RU"/>
           </a:p>
@@ -3987,13 +3992,13 @@
   <p:clrMapOvr>
     <a:masterClrMapping/>
   </p:clrMapOvr>
-  <mc:AlternateContent xmlns:mc="http://schemas.openxmlformats.org/markup-compatibility/2006">
-    <mc:Choice xmlns:p159="http://schemas.microsoft.com/office/powerpoint/2015/09/main" Requires="p159">
+  <mc:AlternateContent xmlns:mc="http://schemas.openxmlformats.org/markup-compatibility/2006" xmlns:p159="http://schemas.microsoft.com/office/powerpoint/2015/09/main">
+    <mc:Choice Requires="p159">
       <p:transition xmlns:p14="http://schemas.microsoft.com/office/powerpoint/2010/main" p14:dur="250">
         <p159:morph option="byObject"/>
       </p:transition>
     </mc:Choice>
-    <mc:Fallback>
+    <mc:Fallback xmlns="">
       <p:transition>
         <p:fade/>
       </p:transition>
@@ -4297,13 +4302,13 @@
         </p:nvSpPr>
         <p:spPr>
           <a:xfrm>
-            <a:off x="208573" y="-5760"/>
-            <a:ext cx="11715141" cy="2736260"/>
+            <a:off x="268286" y="235612"/>
+            <a:ext cx="11715141" cy="1404642"/>
           </a:xfrm>
         </p:spPr>
         <p:txBody>
           <a:bodyPr>
-            <a:normAutofit/>
+            <a:normAutofit fontScale="90000"/>
           </a:bodyPr>
           <a:lstStyle/>
           <a:p>
@@ -4314,6 +4319,20 @@
                 <a:ea typeface="Segoe UI Black" panose="020B0A02040204020203" pitchFamily="34" charset="0"/>
               </a:rPr>
               <a:t>Код игры</a:t>
+            </a:r>
+            <a:r>
+              <a:rPr lang="en-US" sz="3200" dirty="0">
+                <a:latin typeface="Segoe UI Black" panose="020B0A02040204020203" pitchFamily="34" charset="0"/>
+                <a:ea typeface="Segoe UI Black" panose="020B0A02040204020203" pitchFamily="34" charset="0"/>
+              </a:rPr>
+              <a:t>: </a:t>
+            </a:r>
+            <a:r>
+              <a:rPr lang="ru-RU" sz="3200" dirty="0">
+                <a:latin typeface="Segoe UI Black" panose="020B0A02040204020203" pitchFamily="34" charset="0"/>
+                <a:ea typeface="Segoe UI Black" panose="020B0A02040204020203" pitchFamily="34" charset="0"/>
+              </a:rPr>
+              <a:t>Марио(а также грибы и доп. жизни) двигается в том случае, если справа или слева(вверху, внизу) нет препятствий, проверяя это с помощью пересечения блоков с спрайтами. </a:t>
             </a:r>
           </a:p>
         </p:txBody>
@@ -5650,6 +5669,304 @@
           </a:p>
         </p:txBody>
       </p:sp>
+      <p:pic>
+        <p:nvPicPr>
+          <p:cNvPr id="5" name="Рисунок 4">
+            <a:extLst>
+              <a:ext uri="{FF2B5EF4-FFF2-40B4-BE49-F238E27FC236}">
+                <a16:creationId xmlns:a16="http://schemas.microsoft.com/office/drawing/2014/main" id="{C21233A3-7308-42A1-91F4-B924B7005DD8}"/>
+              </a:ext>
+            </a:extLst>
+          </p:cNvPr>
+          <p:cNvPicPr>
+            <a:picLocks noChangeAspect="1"/>
+          </p:cNvPicPr>
+          <p:nvPr/>
+        </p:nvPicPr>
+        <p:blipFill>
+          <a:blip r:embed="rId3">
+            <a:extLst>
+              <a:ext uri="{28A0092B-C50C-407E-A947-70E740481C1C}">
+                <a14:useLocalDpi xmlns:a14="http://schemas.microsoft.com/office/drawing/2010/main" val="0"/>
+              </a:ext>
+            </a:extLst>
+          </a:blip>
+          <a:stretch>
+            <a:fillRect/>
+          </a:stretch>
+        </p:blipFill>
+        <p:spPr>
+          <a:xfrm>
+            <a:off x="467530" y="1846786"/>
+            <a:ext cx="6296904" cy="1219370"/>
+          </a:xfrm>
+          <a:prstGeom prst="snip2DiagRect">
+            <a:avLst/>
+          </a:prstGeom>
+          <a:solidFill>
+            <a:srgbClr val="FFFFFF">
+              <a:shade val="85000"/>
+            </a:srgbClr>
+          </a:solidFill>
+          <a:ln w="88900" cap="sq">
+            <a:solidFill>
+              <a:srgbClr val="FFFFFF"/>
+            </a:solidFill>
+            <a:miter lim="800000"/>
+          </a:ln>
+          <a:effectLst>
+            <a:outerShdw blurRad="88900" algn="tl" rotWithShape="0">
+              <a:srgbClr val="000000">
+                <a:alpha val="45000"/>
+              </a:srgbClr>
+            </a:outerShdw>
+          </a:effectLst>
+          <a:scene3d>
+            <a:camera prst="orthographicFront"/>
+            <a:lightRig rig="twoPt" dir="t">
+              <a:rot lat="0" lon="0" rev="7200000"/>
+            </a:lightRig>
+          </a:scene3d>
+          <a:sp3d>
+            <a:bevelT w="25400" h="19050"/>
+            <a:contourClr>
+              <a:srgbClr val="FFFFFF"/>
+            </a:contourClr>
+          </a:sp3d>
+        </p:spPr>
+      </p:pic>
+      <p:pic>
+        <p:nvPicPr>
+          <p:cNvPr id="8" name="Рисунок 7">
+            <a:extLst>
+              <a:ext uri="{FF2B5EF4-FFF2-40B4-BE49-F238E27FC236}">
+                <a16:creationId xmlns:a16="http://schemas.microsoft.com/office/drawing/2014/main" id="{6EDD4273-383B-4F8E-8197-5D2AB36400E1}"/>
+              </a:ext>
+            </a:extLst>
+          </p:cNvPr>
+          <p:cNvPicPr>
+            <a:picLocks noChangeAspect="1"/>
+          </p:cNvPicPr>
+          <p:nvPr/>
+        </p:nvPicPr>
+        <p:blipFill>
+          <a:blip r:embed="rId4">
+            <a:extLst>
+              <a:ext uri="{28A0092B-C50C-407E-A947-70E740481C1C}">
+                <a14:useLocalDpi xmlns:a14="http://schemas.microsoft.com/office/drawing/2010/main" val="0"/>
+              </a:ext>
+            </a:extLst>
+          </a:blip>
+          <a:stretch>
+            <a:fillRect/>
+          </a:stretch>
+        </p:blipFill>
+        <p:spPr>
+          <a:xfrm>
+            <a:off x="7158515" y="3665713"/>
+            <a:ext cx="2581635" cy="952633"/>
+          </a:xfrm>
+          <a:prstGeom prst="rect">
+            <a:avLst/>
+          </a:prstGeom>
+        </p:spPr>
+      </p:pic>
+      <p:sp>
+        <p:nvSpPr>
+          <p:cNvPr id="54" name="Заголовок 1">
+            <a:extLst>
+              <a:ext uri="{FF2B5EF4-FFF2-40B4-BE49-F238E27FC236}">
+                <a16:creationId xmlns:a16="http://schemas.microsoft.com/office/drawing/2014/main" id="{210CEA2B-233F-4574-9809-FD271D740821}"/>
+              </a:ext>
+            </a:extLst>
+          </p:cNvPr>
+          <p:cNvSpPr txBox="1">
+            <a:spLocks/>
+          </p:cNvSpPr>
+          <p:nvPr/>
+        </p:nvSpPr>
+        <p:spPr>
+          <a:xfrm>
+            <a:off x="6779098" y="2550348"/>
+            <a:ext cx="5686353" cy="1084186"/>
+          </a:xfrm>
+          <a:prstGeom prst="rect">
+            <a:avLst/>
+          </a:prstGeom>
+        </p:spPr>
+        <p:txBody>
+          <a:bodyPr vert="horz" lIns="91440" tIns="45720" rIns="91440" bIns="45720" rtlCol="0" anchor="b">
+            <a:normAutofit fontScale="97500"/>
+          </a:bodyPr>
+          <a:lstStyle>
+            <a:lvl1pPr algn="ctr" defTabSz="914400" rtl="0" eaLnBrk="1" latinLnBrk="0" hangingPunct="1">
+              <a:lnSpc>
+                <a:spcPct val="90000"/>
+              </a:lnSpc>
+              <a:spcBef>
+                <a:spcPct val="0"/>
+              </a:spcBef>
+              <a:buNone/>
+              <a:defRPr sz="6000" kern="1200">
+                <a:solidFill>
+                  <a:schemeClr val="tx1"/>
+                </a:solidFill>
+                <a:latin typeface="+mj-lt"/>
+                <a:ea typeface="+mj-ea"/>
+                <a:cs typeface="+mj-cs"/>
+              </a:defRPr>
+            </a:lvl1pPr>
+          </a:lstStyle>
+          <a:p>
+            <a:pPr algn="l"/>
+            <a:r>
+              <a:rPr lang="ru-RU" sz="3200" dirty="0">
+                <a:latin typeface="Segoe UI Black" panose="020B0A02040204020203" pitchFamily="34" charset="0"/>
+                <a:ea typeface="Segoe UI Black" panose="020B0A02040204020203" pitchFamily="34" charset="0"/>
+              </a:rPr>
+              <a:t>С помощью черных линий вокруг персонажей</a:t>
+            </a:r>
+          </a:p>
+        </p:txBody>
+      </p:sp>
+      <p:sp>
+        <p:nvSpPr>
+          <p:cNvPr id="9" name="Стрелка: вправо 8">
+            <a:extLst>
+              <a:ext uri="{FF2B5EF4-FFF2-40B4-BE49-F238E27FC236}">
+                <a16:creationId xmlns:a16="http://schemas.microsoft.com/office/drawing/2014/main" id="{FB6C4125-4804-4AE9-9DCE-BC60068F5DF6}"/>
+              </a:ext>
+            </a:extLst>
+          </p:cNvPr>
+          <p:cNvSpPr/>
+          <p:nvPr/>
+        </p:nvSpPr>
+        <p:spPr>
+          <a:xfrm rot="8982477">
+            <a:off x="9232453" y="3818562"/>
+            <a:ext cx="665102" cy="324760"/>
+          </a:xfrm>
+          <a:prstGeom prst="rightArrow">
+            <a:avLst/>
+          </a:prstGeom>
+        </p:spPr>
+        <p:style>
+          <a:lnRef idx="2">
+            <a:schemeClr val="accent1">
+              <a:shade val="50000"/>
+            </a:schemeClr>
+          </a:lnRef>
+          <a:fillRef idx="1">
+            <a:schemeClr val="accent1"/>
+          </a:fillRef>
+          <a:effectRef idx="0">
+            <a:schemeClr val="accent1"/>
+          </a:effectRef>
+          <a:fontRef idx="minor">
+            <a:schemeClr val="lt1"/>
+          </a:fontRef>
+        </p:style>
+        <p:txBody>
+          <a:bodyPr rtlCol="0" anchor="ctr"/>
+          <a:lstStyle/>
+          <a:p>
+            <a:pPr algn="ctr"/>
+            <a:endParaRPr lang="ru-RU"/>
+          </a:p>
+        </p:txBody>
+      </p:sp>
+      <p:sp>
+        <p:nvSpPr>
+          <p:cNvPr id="55" name="Стрелка: вправо 54">
+            <a:extLst>
+              <a:ext uri="{FF2B5EF4-FFF2-40B4-BE49-F238E27FC236}">
+                <a16:creationId xmlns:a16="http://schemas.microsoft.com/office/drawing/2014/main" id="{283B3B50-B292-4984-9B28-21223F6B4CC6}"/>
+              </a:ext>
+            </a:extLst>
+          </p:cNvPr>
+          <p:cNvSpPr/>
+          <p:nvPr/>
+        </p:nvSpPr>
+        <p:spPr>
+          <a:xfrm rot="2623301">
+            <a:off x="8380289" y="3554019"/>
+            <a:ext cx="665102" cy="324760"/>
+          </a:xfrm>
+          <a:prstGeom prst="rightArrow">
+            <a:avLst/>
+          </a:prstGeom>
+        </p:spPr>
+        <p:style>
+          <a:lnRef idx="2">
+            <a:schemeClr val="accent1">
+              <a:shade val="50000"/>
+            </a:schemeClr>
+          </a:lnRef>
+          <a:fillRef idx="1">
+            <a:schemeClr val="accent1"/>
+          </a:fillRef>
+          <a:effectRef idx="0">
+            <a:schemeClr val="accent1"/>
+          </a:effectRef>
+          <a:fontRef idx="minor">
+            <a:schemeClr val="lt1"/>
+          </a:fontRef>
+        </p:style>
+        <p:txBody>
+          <a:bodyPr rtlCol="0" anchor="ctr"/>
+          <a:lstStyle/>
+          <a:p>
+            <a:pPr algn="ctr"/>
+            <a:endParaRPr lang="ru-RU"/>
+          </a:p>
+        </p:txBody>
+      </p:sp>
+      <p:sp>
+        <p:nvSpPr>
+          <p:cNvPr id="56" name="Стрелка: вправо 55">
+            <a:extLst>
+              <a:ext uri="{FF2B5EF4-FFF2-40B4-BE49-F238E27FC236}">
+                <a16:creationId xmlns:a16="http://schemas.microsoft.com/office/drawing/2014/main" id="{FEA00F83-BF75-4611-AEAF-67C5A33181A7}"/>
+              </a:ext>
+            </a:extLst>
+          </p:cNvPr>
+          <p:cNvSpPr/>
+          <p:nvPr/>
+        </p:nvSpPr>
+        <p:spPr>
+          <a:xfrm rot="18985705">
+            <a:off x="8204701" y="4218789"/>
+            <a:ext cx="665102" cy="324760"/>
+          </a:xfrm>
+          <a:prstGeom prst="rightArrow">
+            <a:avLst/>
+          </a:prstGeom>
+        </p:spPr>
+        <p:style>
+          <a:lnRef idx="2">
+            <a:schemeClr val="accent1">
+              <a:shade val="50000"/>
+            </a:schemeClr>
+          </a:lnRef>
+          <a:fillRef idx="1">
+            <a:schemeClr val="accent1"/>
+          </a:fillRef>
+          <a:effectRef idx="0">
+            <a:schemeClr val="accent1"/>
+          </a:effectRef>
+          <a:fontRef idx="minor">
+            <a:schemeClr val="lt1"/>
+          </a:fontRef>
+        </p:style>
+        <p:txBody>
+          <a:bodyPr rtlCol="0" anchor="ctr"/>
+          <a:lstStyle/>
+          <a:p>
+            <a:pPr algn="ctr"/>
+            <a:endParaRPr lang="ru-RU"/>
+          </a:p>
+        </p:txBody>
+      </p:sp>
     </p:spTree>
     <p:extLst>
       <p:ext uri="{BB962C8B-B14F-4D97-AF65-F5344CB8AC3E}">
@@ -5660,13 +5977,7212 @@
   <p:clrMapOvr>
     <a:masterClrMapping/>
   </p:clrMapOvr>
-  <mc:AlternateContent xmlns:mc="http://schemas.openxmlformats.org/markup-compatibility/2006">
-    <mc:Choice xmlns:p159="http://schemas.microsoft.com/office/powerpoint/2015/09/main" Requires="p159">
+  <mc:AlternateContent xmlns:mc="http://schemas.openxmlformats.org/markup-compatibility/2006" xmlns:p159="http://schemas.microsoft.com/office/powerpoint/2015/09/main">
+    <mc:Choice Requires="p159">
       <p:transition xmlns:p14="http://schemas.microsoft.com/office/powerpoint/2010/main" spd="slow" p14:dur="2000">
         <p159:morph option="byObject"/>
       </p:transition>
     </mc:Choice>
-    <mc:Fallback>
+    <mc:Fallback xmlns="">
+      <p:transition spd="slow">
+        <p:fade/>
+      </p:transition>
+    </mc:Fallback>
+  </mc:AlternateContent>
+</p:sld>
+</file>
+
+<file path=ppt/slides/slide11.xml><?xml version="1.0" encoding="utf-8"?>
+<p:sld xmlns:a="http://schemas.openxmlformats.org/drawingml/2006/main" xmlns:r="http://schemas.openxmlformats.org/officeDocument/2006/relationships" xmlns:p="http://schemas.openxmlformats.org/presentationml/2006/main">
+  <p:cSld>
+    <p:bg>
+      <p:bgPr>
+        <a:solidFill>
+          <a:srgbClr val="65A6D4"/>
+        </a:solidFill>
+        <a:effectLst/>
+      </p:bgPr>
+    </p:bg>
+    <p:spTree>
+      <p:nvGrpSpPr>
+        <p:cNvPr id="1" name=""/>
+        <p:cNvGrpSpPr/>
+        <p:nvPr/>
+      </p:nvGrpSpPr>
+      <p:grpSpPr>
+        <a:xfrm>
+          <a:off x="0" y="0"/>
+          <a:ext cx="0" cy="0"/>
+          <a:chOff x="0" y="0"/>
+          <a:chExt cx="0" cy="0"/>
+        </a:xfrm>
+      </p:grpSpPr>
+      <p:pic>
+        <p:nvPicPr>
+          <p:cNvPr id="14" name="Рисунок 13">
+            <a:extLst>
+              <a:ext uri="{FF2B5EF4-FFF2-40B4-BE49-F238E27FC236}">
+                <a16:creationId xmlns:a16="http://schemas.microsoft.com/office/drawing/2014/main" id="{1DB02CE2-09A8-492D-83BE-AAF2B120E528}"/>
+              </a:ext>
+            </a:extLst>
+          </p:cNvPr>
+          <p:cNvPicPr>
+            <a:picLocks noChangeAspect="1"/>
+          </p:cNvPicPr>
+          <p:nvPr/>
+        </p:nvPicPr>
+        <p:blipFill>
+          <a:blip r:embed="rId2">
+            <a:extLst>
+              <a:ext uri="{28A0092B-C50C-407E-A947-70E740481C1C}">
+                <a14:useLocalDpi xmlns:a14="http://schemas.microsoft.com/office/drawing/2010/main" val="0"/>
+              </a:ext>
+            </a:extLst>
+          </a:blip>
+          <a:stretch>
+            <a:fillRect/>
+          </a:stretch>
+        </p:blipFill>
+        <p:spPr>
+          <a:xfrm>
+            <a:off x="0" y="5103019"/>
+            <a:ext cx="1755710" cy="1755710"/>
+          </a:xfrm>
+          <a:prstGeom prst="rect">
+            <a:avLst/>
+          </a:prstGeom>
+        </p:spPr>
+      </p:pic>
+      <p:pic>
+        <p:nvPicPr>
+          <p:cNvPr id="15" name="Рисунок 14">
+            <a:extLst>
+              <a:ext uri="{FF2B5EF4-FFF2-40B4-BE49-F238E27FC236}">
+                <a16:creationId xmlns:a16="http://schemas.microsoft.com/office/drawing/2014/main" id="{09FEAC30-6A94-4854-B997-B5D9A5170FCD}"/>
+              </a:ext>
+            </a:extLst>
+          </p:cNvPr>
+          <p:cNvPicPr>
+            <a:picLocks noChangeAspect="1"/>
+          </p:cNvPicPr>
+          <p:nvPr/>
+        </p:nvPicPr>
+        <p:blipFill>
+          <a:blip r:embed="rId2">
+            <a:extLst>
+              <a:ext uri="{28A0092B-C50C-407E-A947-70E740481C1C}">
+                <a14:useLocalDpi xmlns:a14="http://schemas.microsoft.com/office/drawing/2010/main" val="0"/>
+              </a:ext>
+            </a:extLst>
+          </a:blip>
+          <a:stretch>
+            <a:fillRect/>
+          </a:stretch>
+        </p:blipFill>
+        <p:spPr>
+          <a:xfrm>
+            <a:off x="1755710" y="5103019"/>
+            <a:ext cx="1755710" cy="1755710"/>
+          </a:xfrm>
+          <a:prstGeom prst="rect">
+            <a:avLst/>
+          </a:prstGeom>
+        </p:spPr>
+      </p:pic>
+      <p:pic>
+        <p:nvPicPr>
+          <p:cNvPr id="16" name="Рисунок 15">
+            <a:extLst>
+              <a:ext uri="{FF2B5EF4-FFF2-40B4-BE49-F238E27FC236}">
+                <a16:creationId xmlns:a16="http://schemas.microsoft.com/office/drawing/2014/main" id="{1B39A361-B585-430A-AFDD-DF4B2CE67593}"/>
+              </a:ext>
+            </a:extLst>
+          </p:cNvPr>
+          <p:cNvPicPr>
+            <a:picLocks noChangeAspect="1"/>
+          </p:cNvPicPr>
+          <p:nvPr/>
+        </p:nvPicPr>
+        <p:blipFill>
+          <a:blip r:embed="rId2">
+            <a:extLst>
+              <a:ext uri="{28A0092B-C50C-407E-A947-70E740481C1C}">
+                <a14:useLocalDpi xmlns:a14="http://schemas.microsoft.com/office/drawing/2010/main" val="0"/>
+              </a:ext>
+            </a:extLst>
+          </a:blip>
+          <a:stretch>
+            <a:fillRect/>
+          </a:stretch>
+        </p:blipFill>
+        <p:spPr>
+          <a:xfrm>
+            <a:off x="3511420" y="5102291"/>
+            <a:ext cx="1755710" cy="1755710"/>
+          </a:xfrm>
+          <a:prstGeom prst="rect">
+            <a:avLst/>
+          </a:prstGeom>
+        </p:spPr>
+      </p:pic>
+      <p:pic>
+        <p:nvPicPr>
+          <p:cNvPr id="17" name="Рисунок 16">
+            <a:extLst>
+              <a:ext uri="{FF2B5EF4-FFF2-40B4-BE49-F238E27FC236}">
+                <a16:creationId xmlns:a16="http://schemas.microsoft.com/office/drawing/2014/main" id="{1C48ECA5-0B8D-4FF9-83BF-9E46C4A08C6A}"/>
+              </a:ext>
+            </a:extLst>
+          </p:cNvPr>
+          <p:cNvPicPr>
+            <a:picLocks noChangeAspect="1"/>
+          </p:cNvPicPr>
+          <p:nvPr/>
+        </p:nvPicPr>
+        <p:blipFill>
+          <a:blip r:embed="rId2">
+            <a:extLst>
+              <a:ext uri="{28A0092B-C50C-407E-A947-70E740481C1C}">
+                <a14:useLocalDpi xmlns:a14="http://schemas.microsoft.com/office/drawing/2010/main" val="0"/>
+              </a:ext>
+            </a:extLst>
+          </a:blip>
+          <a:stretch>
+            <a:fillRect/>
+          </a:stretch>
+        </p:blipFill>
+        <p:spPr>
+          <a:xfrm>
+            <a:off x="5267130" y="5102291"/>
+            <a:ext cx="1755710" cy="1755710"/>
+          </a:xfrm>
+          <a:prstGeom prst="rect">
+            <a:avLst/>
+          </a:prstGeom>
+        </p:spPr>
+      </p:pic>
+      <p:pic>
+        <p:nvPicPr>
+          <p:cNvPr id="18" name="Рисунок 17">
+            <a:extLst>
+              <a:ext uri="{FF2B5EF4-FFF2-40B4-BE49-F238E27FC236}">
+                <a16:creationId xmlns:a16="http://schemas.microsoft.com/office/drawing/2014/main" id="{B997F373-E79F-4E85-B09A-88236D2F3138}"/>
+              </a:ext>
+            </a:extLst>
+          </p:cNvPr>
+          <p:cNvPicPr>
+            <a:picLocks noChangeAspect="1"/>
+          </p:cNvPicPr>
+          <p:nvPr/>
+        </p:nvPicPr>
+        <p:blipFill>
+          <a:blip r:embed="rId2">
+            <a:extLst>
+              <a:ext uri="{28A0092B-C50C-407E-A947-70E740481C1C}">
+                <a14:useLocalDpi xmlns:a14="http://schemas.microsoft.com/office/drawing/2010/main" val="0"/>
+              </a:ext>
+            </a:extLst>
+          </a:blip>
+          <a:stretch>
+            <a:fillRect/>
+          </a:stretch>
+        </p:blipFill>
+        <p:spPr>
+          <a:xfrm>
+            <a:off x="7022840" y="5102291"/>
+            <a:ext cx="1755710" cy="1755710"/>
+          </a:xfrm>
+          <a:prstGeom prst="rect">
+            <a:avLst/>
+          </a:prstGeom>
+        </p:spPr>
+      </p:pic>
+      <p:pic>
+        <p:nvPicPr>
+          <p:cNvPr id="19" name="Рисунок 18">
+            <a:extLst>
+              <a:ext uri="{FF2B5EF4-FFF2-40B4-BE49-F238E27FC236}">
+                <a16:creationId xmlns:a16="http://schemas.microsoft.com/office/drawing/2014/main" id="{CA1B0285-234C-4DC3-A42D-560F71B00060}"/>
+              </a:ext>
+            </a:extLst>
+          </p:cNvPr>
+          <p:cNvPicPr>
+            <a:picLocks noChangeAspect="1"/>
+          </p:cNvPicPr>
+          <p:nvPr/>
+        </p:nvPicPr>
+        <p:blipFill>
+          <a:blip r:embed="rId2">
+            <a:extLst>
+              <a:ext uri="{28A0092B-C50C-407E-A947-70E740481C1C}">
+                <a14:useLocalDpi xmlns:a14="http://schemas.microsoft.com/office/drawing/2010/main" val="0"/>
+              </a:ext>
+            </a:extLst>
+          </a:blip>
+          <a:stretch>
+            <a:fillRect/>
+          </a:stretch>
+        </p:blipFill>
+        <p:spPr>
+          <a:xfrm>
+            <a:off x="8778550" y="5103019"/>
+            <a:ext cx="1755710" cy="1755710"/>
+          </a:xfrm>
+          <a:prstGeom prst="rect">
+            <a:avLst/>
+          </a:prstGeom>
+        </p:spPr>
+      </p:pic>
+      <p:pic>
+        <p:nvPicPr>
+          <p:cNvPr id="20" name="Рисунок 19">
+            <a:extLst>
+              <a:ext uri="{FF2B5EF4-FFF2-40B4-BE49-F238E27FC236}">
+                <a16:creationId xmlns:a16="http://schemas.microsoft.com/office/drawing/2014/main" id="{0A47A0D9-B6B2-4E36-B3C8-B64C0BC26A9F}"/>
+              </a:ext>
+            </a:extLst>
+          </p:cNvPr>
+          <p:cNvPicPr>
+            <a:picLocks noChangeAspect="1"/>
+          </p:cNvPicPr>
+          <p:nvPr/>
+        </p:nvPicPr>
+        <p:blipFill>
+          <a:blip r:embed="rId2">
+            <a:extLst>
+              <a:ext uri="{28A0092B-C50C-407E-A947-70E740481C1C}">
+                <a14:useLocalDpi xmlns:a14="http://schemas.microsoft.com/office/drawing/2010/main" val="0"/>
+              </a:ext>
+            </a:extLst>
+          </a:blip>
+          <a:stretch>
+            <a:fillRect/>
+          </a:stretch>
+        </p:blipFill>
+        <p:spPr>
+          <a:xfrm>
+            <a:off x="10534260" y="5102290"/>
+            <a:ext cx="1755710" cy="1755710"/>
+          </a:xfrm>
+          <a:prstGeom prst="rect">
+            <a:avLst/>
+          </a:prstGeom>
+        </p:spPr>
+      </p:pic>
+      <p:sp>
+        <p:nvSpPr>
+          <p:cNvPr id="32" name="Заголовок 1">
+            <a:extLst>
+              <a:ext uri="{FF2B5EF4-FFF2-40B4-BE49-F238E27FC236}">
+                <a16:creationId xmlns:a16="http://schemas.microsoft.com/office/drawing/2014/main" id="{1B9F5C3E-55BD-44E2-BC50-CCF2F7EBFC3C}"/>
+              </a:ext>
+            </a:extLst>
+          </p:cNvPr>
+          <p:cNvSpPr>
+            <a:spLocks noGrp="1"/>
+          </p:cNvSpPr>
+          <p:nvPr>
+            <p:ph type="ctrTitle"/>
+          </p:nvPr>
+        </p:nvSpPr>
+        <p:spPr>
+          <a:xfrm>
+            <a:off x="268286" y="235612"/>
+            <a:ext cx="11715141" cy="1404642"/>
+          </a:xfrm>
+        </p:spPr>
+        <p:txBody>
+          <a:bodyPr>
+            <a:normAutofit fontScale="90000"/>
+          </a:bodyPr>
+          <a:lstStyle/>
+          <a:p>
+            <a:pPr algn="l"/>
+            <a:r>
+              <a:rPr lang="ru-RU" sz="3200" dirty="0">
+                <a:latin typeface="Segoe UI Black" panose="020B0A02040204020203" pitchFamily="34" charset="0"/>
+                <a:ea typeface="Segoe UI Black" panose="020B0A02040204020203" pitchFamily="34" charset="0"/>
+              </a:rPr>
+              <a:t>Код игры</a:t>
+            </a:r>
+            <a:r>
+              <a:rPr lang="en-US" sz="3200" dirty="0">
+                <a:latin typeface="Segoe UI Black" panose="020B0A02040204020203" pitchFamily="34" charset="0"/>
+                <a:ea typeface="Segoe UI Black" panose="020B0A02040204020203" pitchFamily="34" charset="0"/>
+              </a:rPr>
+              <a:t>:</a:t>
+            </a:r>
+            <a:r>
+              <a:rPr lang="ru-RU" sz="3200" dirty="0">
+                <a:latin typeface="Segoe UI Black" panose="020B0A02040204020203" pitchFamily="34" charset="0"/>
+                <a:ea typeface="Segoe UI Black" panose="020B0A02040204020203" pitchFamily="34" charset="0"/>
+              </a:rPr>
+              <a:t>Кнопки реализованы отдельным классов и они могут</a:t>
+            </a:r>
+            <a:r>
+              <a:rPr lang="en-US" sz="3200" dirty="0">
+                <a:latin typeface="Segoe UI Black" panose="020B0A02040204020203" pitchFamily="34" charset="0"/>
+                <a:ea typeface="Segoe UI Black" panose="020B0A02040204020203" pitchFamily="34" charset="0"/>
+              </a:rPr>
+              <a:t>: </a:t>
+            </a:r>
+            <a:r>
+              <a:rPr lang="ru-RU" sz="3200" dirty="0">
+                <a:latin typeface="Segoe UI Black" panose="020B0A02040204020203" pitchFamily="34" charset="0"/>
+                <a:ea typeface="Segoe UI Black" panose="020B0A02040204020203" pitchFamily="34" charset="0"/>
+              </a:rPr>
+              <a:t>изменять текстуру при наведений на них,</a:t>
+            </a:r>
+            <a:br>
+              <a:rPr lang="ru-RU" sz="3200" dirty="0">
+                <a:latin typeface="Segoe UI Black" panose="020B0A02040204020203" pitchFamily="34" charset="0"/>
+                <a:ea typeface="Segoe UI Black" panose="020B0A02040204020203" pitchFamily="34" charset="0"/>
+              </a:rPr>
+            </a:br>
+            <a:r>
+              <a:rPr lang="ru-RU" sz="3200" dirty="0">
+                <a:latin typeface="Segoe UI Black" panose="020B0A02040204020203" pitchFamily="34" charset="0"/>
+                <a:ea typeface="Segoe UI Black" panose="020B0A02040204020203" pitchFamily="34" charset="0"/>
+              </a:rPr>
+              <a:t>открывать другое окно или запускать уровень</a:t>
+            </a:r>
+          </a:p>
+        </p:txBody>
+      </p:sp>
+      <p:sp>
+        <p:nvSpPr>
+          <p:cNvPr id="28" name="Заголовок 1">
+            <a:extLst>
+              <a:ext uri="{FF2B5EF4-FFF2-40B4-BE49-F238E27FC236}">
+                <a16:creationId xmlns:a16="http://schemas.microsoft.com/office/drawing/2014/main" id="{C85B0532-EA5B-4993-B35F-53390A8DE337}"/>
+              </a:ext>
+            </a:extLst>
+          </p:cNvPr>
+          <p:cNvSpPr txBox="1">
+            <a:spLocks/>
+          </p:cNvSpPr>
+          <p:nvPr/>
+        </p:nvSpPr>
+        <p:spPr>
+          <a:xfrm>
+            <a:off x="208573" y="1491373"/>
+            <a:ext cx="5424814" cy="1493931"/>
+          </a:xfrm>
+          <a:prstGeom prst="rect">
+            <a:avLst/>
+          </a:prstGeom>
+        </p:spPr>
+        <p:txBody>
+          <a:bodyPr vert="horz" lIns="91440" tIns="45720" rIns="91440" bIns="45720" rtlCol="0" anchor="b">
+            <a:normAutofit/>
+          </a:bodyPr>
+          <a:lstStyle>
+            <a:lvl1pPr algn="ctr" defTabSz="914400" rtl="0" eaLnBrk="1" latinLnBrk="0" hangingPunct="1">
+              <a:lnSpc>
+                <a:spcPct val="90000"/>
+              </a:lnSpc>
+              <a:spcBef>
+                <a:spcPct val="0"/>
+              </a:spcBef>
+              <a:buNone/>
+              <a:defRPr sz="6000" kern="1200">
+                <a:solidFill>
+                  <a:schemeClr val="tx1"/>
+                </a:solidFill>
+                <a:latin typeface="+mj-lt"/>
+                <a:ea typeface="+mj-ea"/>
+                <a:cs typeface="+mj-cs"/>
+              </a:defRPr>
+            </a:lvl1pPr>
+          </a:lstStyle>
+          <a:p>
+            <a:pPr algn="l"/>
+            <a:endParaRPr lang="ru-RU" sz="3200" dirty="0">
+              <a:latin typeface="Segoe UI Black" panose="020B0A02040204020203" pitchFamily="34" charset="0"/>
+              <a:ea typeface="Segoe UI Black" panose="020B0A02040204020203" pitchFamily="34" charset="0"/>
+            </a:endParaRPr>
+          </a:p>
+        </p:txBody>
+      </p:sp>
+      <p:sp>
+        <p:nvSpPr>
+          <p:cNvPr id="29" name="Заголовок 1">
+            <a:extLst>
+              <a:ext uri="{FF2B5EF4-FFF2-40B4-BE49-F238E27FC236}">
+                <a16:creationId xmlns:a16="http://schemas.microsoft.com/office/drawing/2014/main" id="{BEC9D8A7-A262-411D-B47D-667323F94AA7}"/>
+              </a:ext>
+            </a:extLst>
+          </p:cNvPr>
+          <p:cNvSpPr txBox="1">
+            <a:spLocks/>
+          </p:cNvSpPr>
+          <p:nvPr/>
+        </p:nvSpPr>
+        <p:spPr>
+          <a:xfrm>
+            <a:off x="167103" y="1380274"/>
+            <a:ext cx="5560598" cy="3530800"/>
+          </a:xfrm>
+          <a:prstGeom prst="rect">
+            <a:avLst/>
+          </a:prstGeom>
+        </p:spPr>
+        <p:txBody>
+          <a:bodyPr vert="horz" lIns="91440" tIns="45720" rIns="91440" bIns="45720" rtlCol="0" anchor="b">
+            <a:normAutofit/>
+          </a:bodyPr>
+          <a:lstStyle>
+            <a:lvl1pPr algn="ctr" defTabSz="914400" rtl="0" eaLnBrk="1" latinLnBrk="0" hangingPunct="1">
+              <a:lnSpc>
+                <a:spcPct val="90000"/>
+              </a:lnSpc>
+              <a:spcBef>
+                <a:spcPct val="0"/>
+              </a:spcBef>
+              <a:buNone/>
+              <a:defRPr sz="6000" kern="1200">
+                <a:solidFill>
+                  <a:schemeClr val="tx1"/>
+                </a:solidFill>
+                <a:latin typeface="+mj-lt"/>
+                <a:ea typeface="+mj-ea"/>
+                <a:cs typeface="+mj-cs"/>
+              </a:defRPr>
+            </a:lvl1pPr>
+          </a:lstStyle>
+          <a:p>
+            <a:pPr algn="l"/>
+            <a:endParaRPr lang="ru-RU" sz="3200" dirty="0">
+              <a:latin typeface="Segoe UI Black" panose="020B0A02040204020203" pitchFamily="34" charset="0"/>
+              <a:ea typeface="Segoe UI Black" panose="020B0A02040204020203" pitchFamily="34" charset="0"/>
+            </a:endParaRPr>
+          </a:p>
+        </p:txBody>
+      </p:sp>
+      <p:sp>
+        <p:nvSpPr>
+          <p:cNvPr id="30" name="Заголовок 1">
+            <a:extLst>
+              <a:ext uri="{FF2B5EF4-FFF2-40B4-BE49-F238E27FC236}">
+                <a16:creationId xmlns:a16="http://schemas.microsoft.com/office/drawing/2014/main" id="{4A409146-D44D-460E-A38C-EDCF48D0B643}"/>
+              </a:ext>
+            </a:extLst>
+          </p:cNvPr>
+          <p:cNvSpPr txBox="1">
+            <a:spLocks/>
+          </p:cNvSpPr>
+          <p:nvPr/>
+        </p:nvSpPr>
+        <p:spPr>
+          <a:xfrm>
+            <a:off x="5206960" y="1757762"/>
+            <a:ext cx="5138127" cy="1493931"/>
+          </a:xfrm>
+          <a:prstGeom prst="rect">
+            <a:avLst/>
+          </a:prstGeom>
+        </p:spPr>
+        <p:txBody>
+          <a:bodyPr vert="horz" lIns="91440" tIns="45720" rIns="91440" bIns="45720" rtlCol="0" anchor="b">
+            <a:normAutofit/>
+          </a:bodyPr>
+          <a:lstStyle>
+            <a:lvl1pPr algn="ctr" defTabSz="914400" rtl="0" eaLnBrk="1" latinLnBrk="0" hangingPunct="1">
+              <a:lnSpc>
+                <a:spcPct val="90000"/>
+              </a:lnSpc>
+              <a:spcBef>
+                <a:spcPct val="0"/>
+              </a:spcBef>
+              <a:buNone/>
+              <a:defRPr sz="6000" kern="1200">
+                <a:solidFill>
+                  <a:schemeClr val="tx1"/>
+                </a:solidFill>
+                <a:latin typeface="+mj-lt"/>
+                <a:ea typeface="+mj-ea"/>
+                <a:cs typeface="+mj-cs"/>
+              </a:defRPr>
+            </a:lvl1pPr>
+          </a:lstStyle>
+          <a:p>
+            <a:pPr algn="l"/>
+            <a:endParaRPr lang="ru-RU" sz="3200" dirty="0">
+              <a:latin typeface="Segoe UI Black" panose="020B0A02040204020203" pitchFamily="34" charset="0"/>
+              <a:ea typeface="Segoe UI Black" panose="020B0A02040204020203" pitchFamily="34" charset="0"/>
+            </a:endParaRPr>
+          </a:p>
+        </p:txBody>
+      </p:sp>
+      <p:sp>
+        <p:nvSpPr>
+          <p:cNvPr id="31" name="Заголовок 1">
+            <a:extLst>
+              <a:ext uri="{FF2B5EF4-FFF2-40B4-BE49-F238E27FC236}">
+                <a16:creationId xmlns:a16="http://schemas.microsoft.com/office/drawing/2014/main" id="{65B9A986-AC00-47A3-A10F-C3A35AD345DA}"/>
+              </a:ext>
+            </a:extLst>
+          </p:cNvPr>
+          <p:cNvSpPr txBox="1">
+            <a:spLocks/>
+          </p:cNvSpPr>
+          <p:nvPr/>
+        </p:nvSpPr>
+        <p:spPr>
+          <a:xfrm>
+            <a:off x="211423" y="2632417"/>
+            <a:ext cx="5138127" cy="2371148"/>
+          </a:xfrm>
+          <a:prstGeom prst="rect">
+            <a:avLst/>
+          </a:prstGeom>
+        </p:spPr>
+        <p:txBody>
+          <a:bodyPr vert="horz" lIns="91440" tIns="45720" rIns="91440" bIns="45720" rtlCol="0" anchor="b">
+            <a:normAutofit/>
+          </a:bodyPr>
+          <a:lstStyle>
+            <a:lvl1pPr algn="ctr" defTabSz="914400" rtl="0" eaLnBrk="1" latinLnBrk="0" hangingPunct="1">
+              <a:lnSpc>
+                <a:spcPct val="90000"/>
+              </a:lnSpc>
+              <a:spcBef>
+                <a:spcPct val="0"/>
+              </a:spcBef>
+              <a:buNone/>
+              <a:defRPr sz="6000" kern="1200">
+                <a:solidFill>
+                  <a:schemeClr val="tx1"/>
+                </a:solidFill>
+                <a:latin typeface="+mj-lt"/>
+                <a:ea typeface="+mj-ea"/>
+                <a:cs typeface="+mj-cs"/>
+              </a:defRPr>
+            </a:lvl1pPr>
+          </a:lstStyle>
+          <a:p>
+            <a:pPr algn="l"/>
+            <a:endParaRPr lang="ru-RU" sz="3200" dirty="0">
+              <a:latin typeface="Segoe UI Black" panose="020B0A02040204020203" pitchFamily="34" charset="0"/>
+              <a:ea typeface="Segoe UI Black" panose="020B0A02040204020203" pitchFamily="34" charset="0"/>
+            </a:endParaRPr>
+          </a:p>
+        </p:txBody>
+      </p:sp>
+      <p:sp>
+        <p:nvSpPr>
+          <p:cNvPr id="34" name="Заголовок 1">
+            <a:extLst>
+              <a:ext uri="{FF2B5EF4-FFF2-40B4-BE49-F238E27FC236}">
+                <a16:creationId xmlns:a16="http://schemas.microsoft.com/office/drawing/2014/main" id="{3DA5EE60-64B1-4C14-8090-819413EFA9C3}"/>
+              </a:ext>
+            </a:extLst>
+          </p:cNvPr>
+          <p:cNvSpPr txBox="1">
+            <a:spLocks/>
+          </p:cNvSpPr>
+          <p:nvPr/>
+        </p:nvSpPr>
+        <p:spPr>
+          <a:xfrm>
+            <a:off x="7673292" y="7844130"/>
+            <a:ext cx="2210516" cy="1386390"/>
+          </a:xfrm>
+          <a:prstGeom prst="rect">
+            <a:avLst/>
+          </a:prstGeom>
+        </p:spPr>
+        <p:txBody>
+          <a:bodyPr vert="horz" lIns="91440" tIns="45720" rIns="91440" bIns="45720" rtlCol="0" anchor="b">
+            <a:normAutofit lnSpcReduction="10000"/>
+          </a:bodyPr>
+          <a:lstStyle>
+            <a:lvl1pPr algn="ctr" defTabSz="914400" rtl="0" eaLnBrk="1" latinLnBrk="0" hangingPunct="1">
+              <a:lnSpc>
+                <a:spcPct val="90000"/>
+              </a:lnSpc>
+              <a:spcBef>
+                <a:spcPct val="0"/>
+              </a:spcBef>
+              <a:buNone/>
+              <a:defRPr sz="6000" kern="1200">
+                <a:solidFill>
+                  <a:schemeClr val="tx1"/>
+                </a:solidFill>
+                <a:latin typeface="+mj-lt"/>
+                <a:ea typeface="+mj-ea"/>
+                <a:cs typeface="+mj-cs"/>
+              </a:defRPr>
+            </a:lvl1pPr>
+          </a:lstStyle>
+          <a:p>
+            <a:pPr algn="l"/>
+            <a:r>
+              <a:rPr lang="en-US" sz="3200" dirty="0">
+                <a:latin typeface="Segoe UI Black" panose="020B0A02040204020203" pitchFamily="34" charset="0"/>
+                <a:ea typeface="Segoe UI Black" panose="020B0A02040204020203" pitchFamily="34" charset="0"/>
+              </a:rPr>
+              <a:t>     ⬆️</a:t>
+            </a:r>
+          </a:p>
+          <a:p>
+            <a:pPr algn="l"/>
+            <a:r>
+              <a:rPr lang="en-US" sz="3200" dirty="0">
+                <a:latin typeface="Segoe UI Black" panose="020B0A02040204020203" pitchFamily="34" charset="0"/>
+                <a:ea typeface="Segoe UI Black" panose="020B0A02040204020203" pitchFamily="34" charset="0"/>
+              </a:rPr>
+              <a:t>⬅️⬇️➡️</a:t>
+            </a:r>
+            <a:br>
+              <a:rPr lang="ru-RU" sz="3200" dirty="0">
+                <a:latin typeface="Segoe UI Black" panose="020B0A02040204020203" pitchFamily="34" charset="0"/>
+                <a:ea typeface="Segoe UI Black" panose="020B0A02040204020203" pitchFamily="34" charset="0"/>
+              </a:rPr>
+            </a:br>
+            <a:endParaRPr lang="ru-RU" sz="3200" dirty="0">
+              <a:latin typeface="Segoe UI Black" panose="020B0A02040204020203" pitchFamily="34" charset="0"/>
+              <a:ea typeface="Segoe UI Black" panose="020B0A02040204020203" pitchFamily="34" charset="0"/>
+            </a:endParaRPr>
+          </a:p>
+        </p:txBody>
+      </p:sp>
+      <p:sp>
+        <p:nvSpPr>
+          <p:cNvPr id="2" name="Прямоугольник 1">
+            <a:extLst>
+              <a:ext uri="{FF2B5EF4-FFF2-40B4-BE49-F238E27FC236}">
+                <a16:creationId xmlns:a16="http://schemas.microsoft.com/office/drawing/2014/main" id="{C4E92AED-3452-4B69-9748-05D99092A5DB}"/>
+              </a:ext>
+            </a:extLst>
+          </p:cNvPr>
+          <p:cNvSpPr/>
+          <p:nvPr/>
+        </p:nvSpPr>
+        <p:spPr>
+          <a:xfrm>
+            <a:off x="3142990" y="8466560"/>
+            <a:ext cx="4248280" cy="484078"/>
+          </a:xfrm>
+          <a:prstGeom prst="rect">
+            <a:avLst/>
+          </a:prstGeom>
+        </p:spPr>
+        <p:style>
+          <a:lnRef idx="2">
+            <a:schemeClr val="dk1">
+              <a:shade val="50000"/>
+            </a:schemeClr>
+          </a:lnRef>
+          <a:fillRef idx="1">
+            <a:schemeClr val="dk1"/>
+          </a:fillRef>
+          <a:effectRef idx="0">
+            <a:schemeClr val="dk1"/>
+          </a:effectRef>
+          <a:fontRef idx="minor">
+            <a:schemeClr val="lt1"/>
+          </a:fontRef>
+        </p:style>
+        <p:txBody>
+          <a:bodyPr rtlCol="0" anchor="ctr"/>
+          <a:lstStyle/>
+          <a:p>
+            <a:pPr algn="ctr"/>
+            <a:endParaRPr lang="ru-RU">
+              <a:ln w="0"/>
+              <a:solidFill>
+                <a:schemeClr val="tx1"/>
+              </a:solidFill>
+              <a:effectLst>
+                <a:outerShdw blurRad="38100" dist="19050" dir="2700000" algn="tl" rotWithShape="0">
+                  <a:schemeClr val="dk1">
+                    <a:alpha val="40000"/>
+                  </a:schemeClr>
+                </a:outerShdw>
+              </a:effectLst>
+            </a:endParaRPr>
+          </a:p>
+        </p:txBody>
+      </p:sp>
+      <p:pic>
+        <p:nvPicPr>
+          <p:cNvPr id="5" name="Рисунок 4">
+            <a:extLst>
+              <a:ext uri="{FF2B5EF4-FFF2-40B4-BE49-F238E27FC236}">
+                <a16:creationId xmlns:a16="http://schemas.microsoft.com/office/drawing/2014/main" id="{C21233A3-7308-42A1-91F4-B924B7005DD8}"/>
+              </a:ext>
+            </a:extLst>
+          </p:cNvPr>
+          <p:cNvPicPr>
+            <a:picLocks noChangeAspect="1"/>
+          </p:cNvPicPr>
+          <p:nvPr/>
+        </p:nvPicPr>
+        <p:blipFill>
+          <a:blip r:embed="rId3">
+            <a:extLst>
+              <a:ext uri="{28A0092B-C50C-407E-A947-70E740481C1C}">
+                <a14:useLocalDpi xmlns:a14="http://schemas.microsoft.com/office/drawing/2010/main" val="0"/>
+              </a:ext>
+            </a:extLst>
+          </a:blip>
+          <a:stretch>
+            <a:fillRect/>
+          </a:stretch>
+        </p:blipFill>
+        <p:spPr>
+          <a:xfrm>
+            <a:off x="-7800170" y="1640254"/>
+            <a:ext cx="6296904" cy="1219370"/>
+          </a:xfrm>
+          <a:prstGeom prst="snip2DiagRect">
+            <a:avLst/>
+          </a:prstGeom>
+          <a:solidFill>
+            <a:srgbClr val="FFFFFF">
+              <a:shade val="85000"/>
+            </a:srgbClr>
+          </a:solidFill>
+          <a:ln w="88900" cap="sq">
+            <a:solidFill>
+              <a:srgbClr val="FFFFFF"/>
+            </a:solidFill>
+            <a:miter lim="800000"/>
+          </a:ln>
+          <a:effectLst>
+            <a:outerShdw blurRad="88900" algn="tl" rotWithShape="0">
+              <a:srgbClr val="000000">
+                <a:alpha val="45000"/>
+              </a:srgbClr>
+            </a:outerShdw>
+          </a:effectLst>
+          <a:scene3d>
+            <a:camera prst="orthographicFront"/>
+            <a:lightRig rig="twoPt" dir="t">
+              <a:rot lat="0" lon="0" rev="7200000"/>
+            </a:lightRig>
+          </a:scene3d>
+          <a:sp3d>
+            <a:bevelT w="25400" h="19050"/>
+            <a:contourClr>
+              <a:srgbClr val="FFFFFF"/>
+            </a:contourClr>
+          </a:sp3d>
+        </p:spPr>
+      </p:pic>
+      <p:pic>
+        <p:nvPicPr>
+          <p:cNvPr id="8" name="Рисунок 7">
+            <a:extLst>
+              <a:ext uri="{FF2B5EF4-FFF2-40B4-BE49-F238E27FC236}">
+                <a16:creationId xmlns:a16="http://schemas.microsoft.com/office/drawing/2014/main" id="{6EDD4273-383B-4F8E-8197-5D2AB36400E1}"/>
+              </a:ext>
+            </a:extLst>
+          </p:cNvPr>
+          <p:cNvPicPr>
+            <a:picLocks noChangeAspect="1"/>
+          </p:cNvPicPr>
+          <p:nvPr/>
+        </p:nvPicPr>
+        <p:blipFill>
+          <a:blip r:embed="rId4">
+            <a:extLst>
+              <a:ext uri="{28A0092B-C50C-407E-A947-70E740481C1C}">
+                <a14:useLocalDpi xmlns:a14="http://schemas.microsoft.com/office/drawing/2010/main" val="0"/>
+              </a:ext>
+            </a:extLst>
+          </a:blip>
+          <a:stretch>
+            <a:fillRect/>
+          </a:stretch>
+        </p:blipFill>
+        <p:spPr>
+          <a:xfrm>
+            <a:off x="13167429" y="3557991"/>
+            <a:ext cx="2581635" cy="952633"/>
+          </a:xfrm>
+          <a:prstGeom prst="rect">
+            <a:avLst/>
+          </a:prstGeom>
+        </p:spPr>
+      </p:pic>
+      <p:sp>
+        <p:nvSpPr>
+          <p:cNvPr id="54" name="Заголовок 1">
+            <a:extLst>
+              <a:ext uri="{FF2B5EF4-FFF2-40B4-BE49-F238E27FC236}">
+                <a16:creationId xmlns:a16="http://schemas.microsoft.com/office/drawing/2014/main" id="{210CEA2B-233F-4574-9809-FD271D740821}"/>
+              </a:ext>
+            </a:extLst>
+          </p:cNvPr>
+          <p:cNvSpPr txBox="1">
+            <a:spLocks/>
+          </p:cNvSpPr>
+          <p:nvPr/>
+        </p:nvSpPr>
+        <p:spPr>
+          <a:xfrm>
+            <a:off x="6746789" y="2061488"/>
+            <a:ext cx="3884985" cy="1084186"/>
+          </a:xfrm>
+          <a:prstGeom prst="rect">
+            <a:avLst/>
+          </a:prstGeom>
+        </p:spPr>
+        <p:txBody>
+          <a:bodyPr vert="horz" lIns="91440" tIns="45720" rIns="91440" bIns="45720" rtlCol="0" anchor="b">
+            <a:normAutofit fontScale="90000" lnSpcReduction="20000"/>
+          </a:bodyPr>
+          <a:lstStyle>
+            <a:lvl1pPr algn="ctr" defTabSz="914400" rtl="0" eaLnBrk="1" latinLnBrk="0" hangingPunct="1">
+              <a:lnSpc>
+                <a:spcPct val="90000"/>
+              </a:lnSpc>
+              <a:spcBef>
+                <a:spcPct val="0"/>
+              </a:spcBef>
+              <a:buNone/>
+              <a:defRPr sz="6000" kern="1200">
+                <a:solidFill>
+                  <a:schemeClr val="tx1"/>
+                </a:solidFill>
+                <a:latin typeface="+mj-lt"/>
+                <a:ea typeface="+mj-ea"/>
+                <a:cs typeface="+mj-cs"/>
+              </a:defRPr>
+            </a:lvl1pPr>
+          </a:lstStyle>
+          <a:p>
+            <a:pPr algn="l"/>
+            <a:r>
+              <a:rPr lang="ru-RU" sz="3200" dirty="0">
+                <a:latin typeface="Segoe UI Black" panose="020B0A02040204020203" pitchFamily="34" charset="0"/>
+                <a:ea typeface="Segoe UI Black" panose="020B0A02040204020203" pitchFamily="34" charset="0"/>
+              </a:rPr>
+              <a:t>Также при нажатий они издают звук</a:t>
+            </a:r>
+          </a:p>
+        </p:txBody>
+      </p:sp>
+      <p:sp>
+        <p:nvSpPr>
+          <p:cNvPr id="9" name="Стрелка: вправо 8">
+            <a:extLst>
+              <a:ext uri="{FF2B5EF4-FFF2-40B4-BE49-F238E27FC236}">
+                <a16:creationId xmlns:a16="http://schemas.microsoft.com/office/drawing/2014/main" id="{FB6C4125-4804-4AE9-9DCE-BC60068F5DF6}"/>
+              </a:ext>
+            </a:extLst>
+          </p:cNvPr>
+          <p:cNvSpPr/>
+          <p:nvPr/>
+        </p:nvSpPr>
+        <p:spPr>
+          <a:xfrm rot="8982477">
+            <a:off x="3817106" y="7499900"/>
+            <a:ext cx="665102" cy="324760"/>
+          </a:xfrm>
+          <a:prstGeom prst="rightArrow">
+            <a:avLst/>
+          </a:prstGeom>
+        </p:spPr>
+        <p:style>
+          <a:lnRef idx="2">
+            <a:schemeClr val="accent1">
+              <a:shade val="50000"/>
+            </a:schemeClr>
+          </a:lnRef>
+          <a:fillRef idx="1">
+            <a:schemeClr val="accent1"/>
+          </a:fillRef>
+          <a:effectRef idx="0">
+            <a:schemeClr val="accent1"/>
+          </a:effectRef>
+          <a:fontRef idx="minor">
+            <a:schemeClr val="lt1"/>
+          </a:fontRef>
+        </p:style>
+        <p:txBody>
+          <a:bodyPr rtlCol="0" anchor="ctr"/>
+          <a:lstStyle/>
+          <a:p>
+            <a:pPr algn="ctr"/>
+            <a:endParaRPr lang="ru-RU"/>
+          </a:p>
+        </p:txBody>
+      </p:sp>
+      <p:sp>
+        <p:nvSpPr>
+          <p:cNvPr id="55" name="Стрелка: вправо 54">
+            <a:extLst>
+              <a:ext uri="{FF2B5EF4-FFF2-40B4-BE49-F238E27FC236}">
+                <a16:creationId xmlns:a16="http://schemas.microsoft.com/office/drawing/2014/main" id="{283B3B50-B292-4984-9B28-21223F6B4CC6}"/>
+              </a:ext>
+            </a:extLst>
+          </p:cNvPr>
+          <p:cNvSpPr/>
+          <p:nvPr/>
+        </p:nvSpPr>
+        <p:spPr>
+          <a:xfrm rot="2623301">
+            <a:off x="12171325" y="7863602"/>
+            <a:ext cx="665102" cy="324760"/>
+          </a:xfrm>
+          <a:prstGeom prst="rightArrow">
+            <a:avLst/>
+          </a:prstGeom>
+        </p:spPr>
+        <p:style>
+          <a:lnRef idx="2">
+            <a:schemeClr val="accent1">
+              <a:shade val="50000"/>
+            </a:schemeClr>
+          </a:lnRef>
+          <a:fillRef idx="1">
+            <a:schemeClr val="accent1"/>
+          </a:fillRef>
+          <a:effectRef idx="0">
+            <a:schemeClr val="accent1"/>
+          </a:effectRef>
+          <a:fontRef idx="minor">
+            <a:schemeClr val="lt1"/>
+          </a:fontRef>
+        </p:style>
+        <p:txBody>
+          <a:bodyPr rtlCol="0" anchor="ctr"/>
+          <a:lstStyle/>
+          <a:p>
+            <a:pPr algn="ctr"/>
+            <a:endParaRPr lang="ru-RU"/>
+          </a:p>
+        </p:txBody>
+      </p:sp>
+      <p:sp>
+        <p:nvSpPr>
+          <p:cNvPr id="56" name="Стрелка: вправо 55">
+            <a:extLst>
+              <a:ext uri="{FF2B5EF4-FFF2-40B4-BE49-F238E27FC236}">
+                <a16:creationId xmlns:a16="http://schemas.microsoft.com/office/drawing/2014/main" id="{FEA00F83-BF75-4611-AEAF-67C5A33181A7}"/>
+              </a:ext>
+            </a:extLst>
+          </p:cNvPr>
+          <p:cNvSpPr/>
+          <p:nvPr/>
+        </p:nvSpPr>
+        <p:spPr>
+          <a:xfrm rot="18985705">
+            <a:off x="13187737" y="73232"/>
+            <a:ext cx="665102" cy="324760"/>
+          </a:xfrm>
+          <a:prstGeom prst="rightArrow">
+            <a:avLst/>
+          </a:prstGeom>
+        </p:spPr>
+        <p:style>
+          <a:lnRef idx="2">
+            <a:schemeClr val="accent1">
+              <a:shade val="50000"/>
+            </a:schemeClr>
+          </a:lnRef>
+          <a:fillRef idx="1">
+            <a:schemeClr val="accent1"/>
+          </a:fillRef>
+          <a:effectRef idx="0">
+            <a:schemeClr val="accent1"/>
+          </a:effectRef>
+          <a:fontRef idx="minor">
+            <a:schemeClr val="lt1"/>
+          </a:fontRef>
+        </p:style>
+        <p:txBody>
+          <a:bodyPr rtlCol="0" anchor="ctr"/>
+          <a:lstStyle/>
+          <a:p>
+            <a:pPr algn="ctr"/>
+            <a:endParaRPr lang="ru-RU"/>
+          </a:p>
+        </p:txBody>
+      </p:sp>
+      <p:pic>
+        <p:nvPicPr>
+          <p:cNvPr id="6" name="Рисунок 5">
+            <a:extLst>
+              <a:ext uri="{FF2B5EF4-FFF2-40B4-BE49-F238E27FC236}">
+                <a16:creationId xmlns:a16="http://schemas.microsoft.com/office/drawing/2014/main" id="{AC6F28AF-67BF-4A42-8C80-B8788B4589F4}"/>
+              </a:ext>
+            </a:extLst>
+          </p:cNvPr>
+          <p:cNvPicPr>
+            <a:picLocks noChangeAspect="1"/>
+          </p:cNvPicPr>
+          <p:nvPr/>
+        </p:nvPicPr>
+        <p:blipFill>
+          <a:blip r:embed="rId5">
+            <a:extLst>
+              <a:ext uri="{28A0092B-C50C-407E-A947-70E740481C1C}">
+                <a14:useLocalDpi xmlns:a14="http://schemas.microsoft.com/office/drawing/2010/main" val="0"/>
+              </a:ext>
+            </a:extLst>
+          </a:blip>
+          <a:stretch>
+            <a:fillRect/>
+          </a:stretch>
+        </p:blipFill>
+        <p:spPr>
+          <a:xfrm>
+            <a:off x="399597" y="2136088"/>
+            <a:ext cx="6159018" cy="2680086"/>
+          </a:xfrm>
+          <a:prstGeom prst="rect">
+            <a:avLst/>
+          </a:prstGeom>
+          <a:ln w="88900" cap="sq" cmpd="thickThin">
+            <a:solidFill>
+              <a:srgbClr val="000000"/>
+            </a:solidFill>
+            <a:prstDash val="solid"/>
+            <a:miter lim="800000"/>
+          </a:ln>
+          <a:effectLst>
+            <a:innerShdw blurRad="76200">
+              <a:srgbClr val="000000"/>
+            </a:innerShdw>
+          </a:effectLst>
+        </p:spPr>
+      </p:pic>
+      <p:pic>
+        <p:nvPicPr>
+          <p:cNvPr id="13" name="Рисунок 12">
+            <a:extLst>
+              <a:ext uri="{FF2B5EF4-FFF2-40B4-BE49-F238E27FC236}">
+                <a16:creationId xmlns:a16="http://schemas.microsoft.com/office/drawing/2014/main" id="{80AE5AFB-6BDA-4CF1-8092-2D7884DD8711}"/>
+              </a:ext>
+            </a:extLst>
+          </p:cNvPr>
+          <p:cNvPicPr>
+            <a:picLocks noChangeAspect="1"/>
+          </p:cNvPicPr>
+          <p:nvPr/>
+        </p:nvPicPr>
+        <p:blipFill>
+          <a:blip r:embed="rId6">
+            <a:extLst>
+              <a:ext uri="{28A0092B-C50C-407E-A947-70E740481C1C}">
+                <a14:useLocalDpi xmlns:a14="http://schemas.microsoft.com/office/drawing/2010/main" val="0"/>
+              </a:ext>
+            </a:extLst>
+          </a:blip>
+          <a:stretch>
+            <a:fillRect/>
+          </a:stretch>
+        </p:blipFill>
+        <p:spPr>
+          <a:xfrm>
+            <a:off x="10816666" y="3139808"/>
+            <a:ext cx="1141698" cy="1141698"/>
+          </a:xfrm>
+          <a:prstGeom prst="rect">
+            <a:avLst/>
+          </a:prstGeom>
+        </p:spPr>
+      </p:pic>
+      <p:pic>
+        <p:nvPicPr>
+          <p:cNvPr id="22" name="Рисунок 21">
+            <a:extLst>
+              <a:ext uri="{FF2B5EF4-FFF2-40B4-BE49-F238E27FC236}">
+                <a16:creationId xmlns:a16="http://schemas.microsoft.com/office/drawing/2014/main" id="{8F78360D-2CC0-4916-8EB9-342FD8A65D07}"/>
+              </a:ext>
+            </a:extLst>
+          </p:cNvPr>
+          <p:cNvPicPr>
+            <a:picLocks noChangeAspect="1"/>
+          </p:cNvPicPr>
+          <p:nvPr/>
+        </p:nvPicPr>
+        <p:blipFill>
+          <a:blip r:embed="rId7">
+            <a:extLst>
+              <a:ext uri="{28A0092B-C50C-407E-A947-70E740481C1C}">
+                <a14:useLocalDpi xmlns:a14="http://schemas.microsoft.com/office/drawing/2010/main" val="0"/>
+              </a:ext>
+            </a:extLst>
+          </a:blip>
+          <a:stretch>
+            <a:fillRect/>
+          </a:stretch>
+        </p:blipFill>
+        <p:spPr>
+          <a:xfrm>
+            <a:off x="9523759" y="3146402"/>
+            <a:ext cx="1141698" cy="1141698"/>
+          </a:xfrm>
+          <a:prstGeom prst="rect">
+            <a:avLst/>
+          </a:prstGeom>
+        </p:spPr>
+      </p:pic>
+      <p:pic>
+        <p:nvPicPr>
+          <p:cNvPr id="23" name="Рисунок 22">
+            <a:extLst>
+              <a:ext uri="{FF2B5EF4-FFF2-40B4-BE49-F238E27FC236}">
+                <a16:creationId xmlns:a16="http://schemas.microsoft.com/office/drawing/2014/main" id="{7CBCC461-51D7-489E-BBC3-5FC65BAE7BB5}"/>
+              </a:ext>
+            </a:extLst>
+          </p:cNvPr>
+          <p:cNvPicPr>
+            <a:picLocks noChangeAspect="1"/>
+          </p:cNvPicPr>
+          <p:nvPr/>
+        </p:nvPicPr>
+        <p:blipFill>
+          <a:blip r:embed="rId8"/>
+          <a:stretch>
+            <a:fillRect/>
+          </a:stretch>
+        </p:blipFill>
+        <p:spPr>
+          <a:xfrm>
+            <a:off x="8146272" y="3126019"/>
+            <a:ext cx="1182464" cy="1182464"/>
+          </a:xfrm>
+          <a:prstGeom prst="rect">
+            <a:avLst/>
+          </a:prstGeom>
+        </p:spPr>
+      </p:pic>
+      <p:pic>
+        <p:nvPicPr>
+          <p:cNvPr id="24" name="Рисунок 23">
+            <a:extLst>
+              <a:ext uri="{FF2B5EF4-FFF2-40B4-BE49-F238E27FC236}">
+                <a16:creationId xmlns:a16="http://schemas.microsoft.com/office/drawing/2014/main" id="{50D627AB-B388-4DBC-91FF-2476BCE326F8}"/>
+              </a:ext>
+            </a:extLst>
+          </p:cNvPr>
+          <p:cNvPicPr>
+            <a:picLocks noChangeAspect="1"/>
+          </p:cNvPicPr>
+          <p:nvPr/>
+        </p:nvPicPr>
+        <p:blipFill>
+          <a:blip r:embed="rId9"/>
+          <a:stretch>
+            <a:fillRect/>
+          </a:stretch>
+        </p:blipFill>
+        <p:spPr>
+          <a:xfrm>
+            <a:off x="6829042" y="3100722"/>
+            <a:ext cx="1182464" cy="1182464"/>
+          </a:xfrm>
+          <a:prstGeom prst="rect">
+            <a:avLst/>
+          </a:prstGeom>
+        </p:spPr>
+      </p:pic>
+    </p:spTree>
+    <p:extLst>
+      <p:ext uri="{BB962C8B-B14F-4D97-AF65-F5344CB8AC3E}">
+        <p14:creationId xmlns:p14="http://schemas.microsoft.com/office/powerpoint/2010/main" val="430757526"/>
+      </p:ext>
+    </p:extLst>
+  </p:cSld>
+  <p:clrMapOvr>
+    <a:masterClrMapping/>
+  </p:clrMapOvr>
+  <mc:AlternateContent xmlns:mc="http://schemas.openxmlformats.org/markup-compatibility/2006" xmlns:p159="http://schemas.microsoft.com/office/powerpoint/2015/09/main">
+    <mc:Choice Requires="p159">
+      <p:transition xmlns:p14="http://schemas.microsoft.com/office/powerpoint/2010/main" spd="slow" p14:dur="2000">
+        <p159:morph option="byObject"/>
+      </p:transition>
+    </mc:Choice>
+    <mc:Fallback xmlns="">
+      <p:transition spd="slow">
+        <p:fade/>
+      </p:transition>
+    </mc:Fallback>
+  </mc:AlternateContent>
+</p:sld>
+</file>
+
+<file path=ppt/slides/slide12.xml><?xml version="1.0" encoding="utf-8"?>
+<p:sld xmlns:a="http://schemas.openxmlformats.org/drawingml/2006/main" xmlns:r="http://schemas.openxmlformats.org/officeDocument/2006/relationships" xmlns:p="http://schemas.openxmlformats.org/presentationml/2006/main">
+  <p:cSld>
+    <p:bg>
+      <p:bgPr>
+        <a:solidFill>
+          <a:srgbClr val="65A6D4"/>
+        </a:solidFill>
+        <a:effectLst/>
+      </p:bgPr>
+    </p:bg>
+    <p:spTree>
+      <p:nvGrpSpPr>
+        <p:cNvPr id="1" name=""/>
+        <p:cNvGrpSpPr/>
+        <p:nvPr/>
+      </p:nvGrpSpPr>
+      <p:grpSpPr>
+        <a:xfrm>
+          <a:off x="0" y="0"/>
+          <a:ext cx="0" cy="0"/>
+          <a:chOff x="0" y="0"/>
+          <a:chExt cx="0" cy="0"/>
+        </a:xfrm>
+      </p:grpSpPr>
+      <p:pic>
+        <p:nvPicPr>
+          <p:cNvPr id="14" name="Рисунок 13">
+            <a:extLst>
+              <a:ext uri="{FF2B5EF4-FFF2-40B4-BE49-F238E27FC236}">
+                <a16:creationId xmlns:a16="http://schemas.microsoft.com/office/drawing/2014/main" id="{1DB02CE2-09A8-492D-83BE-AAF2B120E528}"/>
+              </a:ext>
+            </a:extLst>
+          </p:cNvPr>
+          <p:cNvPicPr>
+            <a:picLocks noChangeAspect="1"/>
+          </p:cNvPicPr>
+          <p:nvPr/>
+        </p:nvPicPr>
+        <p:blipFill>
+          <a:blip r:embed="rId2">
+            <a:extLst>
+              <a:ext uri="{28A0092B-C50C-407E-A947-70E740481C1C}">
+                <a14:useLocalDpi xmlns:a14="http://schemas.microsoft.com/office/drawing/2010/main" val="0"/>
+              </a:ext>
+            </a:extLst>
+          </a:blip>
+          <a:stretch>
+            <a:fillRect/>
+          </a:stretch>
+        </p:blipFill>
+        <p:spPr>
+          <a:xfrm>
+            <a:off x="0" y="5103019"/>
+            <a:ext cx="1755710" cy="1755710"/>
+          </a:xfrm>
+          <a:prstGeom prst="rect">
+            <a:avLst/>
+          </a:prstGeom>
+        </p:spPr>
+      </p:pic>
+      <p:pic>
+        <p:nvPicPr>
+          <p:cNvPr id="15" name="Рисунок 14">
+            <a:extLst>
+              <a:ext uri="{FF2B5EF4-FFF2-40B4-BE49-F238E27FC236}">
+                <a16:creationId xmlns:a16="http://schemas.microsoft.com/office/drawing/2014/main" id="{09FEAC30-6A94-4854-B997-B5D9A5170FCD}"/>
+              </a:ext>
+            </a:extLst>
+          </p:cNvPr>
+          <p:cNvPicPr>
+            <a:picLocks noChangeAspect="1"/>
+          </p:cNvPicPr>
+          <p:nvPr/>
+        </p:nvPicPr>
+        <p:blipFill>
+          <a:blip r:embed="rId2">
+            <a:extLst>
+              <a:ext uri="{28A0092B-C50C-407E-A947-70E740481C1C}">
+                <a14:useLocalDpi xmlns:a14="http://schemas.microsoft.com/office/drawing/2010/main" val="0"/>
+              </a:ext>
+            </a:extLst>
+          </a:blip>
+          <a:stretch>
+            <a:fillRect/>
+          </a:stretch>
+        </p:blipFill>
+        <p:spPr>
+          <a:xfrm>
+            <a:off x="1755710" y="5103019"/>
+            <a:ext cx="1755710" cy="1755710"/>
+          </a:xfrm>
+          <a:prstGeom prst="rect">
+            <a:avLst/>
+          </a:prstGeom>
+        </p:spPr>
+      </p:pic>
+      <p:pic>
+        <p:nvPicPr>
+          <p:cNvPr id="16" name="Рисунок 15">
+            <a:extLst>
+              <a:ext uri="{FF2B5EF4-FFF2-40B4-BE49-F238E27FC236}">
+                <a16:creationId xmlns:a16="http://schemas.microsoft.com/office/drawing/2014/main" id="{1B39A361-B585-430A-AFDD-DF4B2CE67593}"/>
+              </a:ext>
+            </a:extLst>
+          </p:cNvPr>
+          <p:cNvPicPr>
+            <a:picLocks noChangeAspect="1"/>
+          </p:cNvPicPr>
+          <p:nvPr/>
+        </p:nvPicPr>
+        <p:blipFill>
+          <a:blip r:embed="rId2">
+            <a:extLst>
+              <a:ext uri="{28A0092B-C50C-407E-A947-70E740481C1C}">
+                <a14:useLocalDpi xmlns:a14="http://schemas.microsoft.com/office/drawing/2010/main" val="0"/>
+              </a:ext>
+            </a:extLst>
+          </a:blip>
+          <a:stretch>
+            <a:fillRect/>
+          </a:stretch>
+        </p:blipFill>
+        <p:spPr>
+          <a:xfrm>
+            <a:off x="3511420" y="5102291"/>
+            <a:ext cx="1755710" cy="1755710"/>
+          </a:xfrm>
+          <a:prstGeom prst="rect">
+            <a:avLst/>
+          </a:prstGeom>
+        </p:spPr>
+      </p:pic>
+      <p:pic>
+        <p:nvPicPr>
+          <p:cNvPr id="17" name="Рисунок 16">
+            <a:extLst>
+              <a:ext uri="{FF2B5EF4-FFF2-40B4-BE49-F238E27FC236}">
+                <a16:creationId xmlns:a16="http://schemas.microsoft.com/office/drawing/2014/main" id="{1C48ECA5-0B8D-4FF9-83BF-9E46C4A08C6A}"/>
+              </a:ext>
+            </a:extLst>
+          </p:cNvPr>
+          <p:cNvPicPr>
+            <a:picLocks noChangeAspect="1"/>
+          </p:cNvPicPr>
+          <p:nvPr/>
+        </p:nvPicPr>
+        <p:blipFill>
+          <a:blip r:embed="rId2">
+            <a:extLst>
+              <a:ext uri="{28A0092B-C50C-407E-A947-70E740481C1C}">
+                <a14:useLocalDpi xmlns:a14="http://schemas.microsoft.com/office/drawing/2010/main" val="0"/>
+              </a:ext>
+            </a:extLst>
+          </a:blip>
+          <a:stretch>
+            <a:fillRect/>
+          </a:stretch>
+        </p:blipFill>
+        <p:spPr>
+          <a:xfrm>
+            <a:off x="5267130" y="5102291"/>
+            <a:ext cx="1755710" cy="1755710"/>
+          </a:xfrm>
+          <a:prstGeom prst="rect">
+            <a:avLst/>
+          </a:prstGeom>
+        </p:spPr>
+      </p:pic>
+      <p:pic>
+        <p:nvPicPr>
+          <p:cNvPr id="18" name="Рисунок 17">
+            <a:extLst>
+              <a:ext uri="{FF2B5EF4-FFF2-40B4-BE49-F238E27FC236}">
+                <a16:creationId xmlns:a16="http://schemas.microsoft.com/office/drawing/2014/main" id="{B997F373-E79F-4E85-B09A-88236D2F3138}"/>
+              </a:ext>
+            </a:extLst>
+          </p:cNvPr>
+          <p:cNvPicPr>
+            <a:picLocks noChangeAspect="1"/>
+          </p:cNvPicPr>
+          <p:nvPr/>
+        </p:nvPicPr>
+        <p:blipFill>
+          <a:blip r:embed="rId2">
+            <a:extLst>
+              <a:ext uri="{28A0092B-C50C-407E-A947-70E740481C1C}">
+                <a14:useLocalDpi xmlns:a14="http://schemas.microsoft.com/office/drawing/2010/main" val="0"/>
+              </a:ext>
+            </a:extLst>
+          </a:blip>
+          <a:stretch>
+            <a:fillRect/>
+          </a:stretch>
+        </p:blipFill>
+        <p:spPr>
+          <a:xfrm>
+            <a:off x="7022840" y="5102291"/>
+            <a:ext cx="1755710" cy="1755710"/>
+          </a:xfrm>
+          <a:prstGeom prst="rect">
+            <a:avLst/>
+          </a:prstGeom>
+        </p:spPr>
+      </p:pic>
+      <p:pic>
+        <p:nvPicPr>
+          <p:cNvPr id="19" name="Рисунок 18">
+            <a:extLst>
+              <a:ext uri="{FF2B5EF4-FFF2-40B4-BE49-F238E27FC236}">
+                <a16:creationId xmlns:a16="http://schemas.microsoft.com/office/drawing/2014/main" id="{CA1B0285-234C-4DC3-A42D-560F71B00060}"/>
+              </a:ext>
+            </a:extLst>
+          </p:cNvPr>
+          <p:cNvPicPr>
+            <a:picLocks noChangeAspect="1"/>
+          </p:cNvPicPr>
+          <p:nvPr/>
+        </p:nvPicPr>
+        <p:blipFill>
+          <a:blip r:embed="rId2">
+            <a:extLst>
+              <a:ext uri="{28A0092B-C50C-407E-A947-70E740481C1C}">
+                <a14:useLocalDpi xmlns:a14="http://schemas.microsoft.com/office/drawing/2010/main" val="0"/>
+              </a:ext>
+            </a:extLst>
+          </a:blip>
+          <a:stretch>
+            <a:fillRect/>
+          </a:stretch>
+        </p:blipFill>
+        <p:spPr>
+          <a:xfrm>
+            <a:off x="8778550" y="5103019"/>
+            <a:ext cx="1755710" cy="1755710"/>
+          </a:xfrm>
+          <a:prstGeom prst="rect">
+            <a:avLst/>
+          </a:prstGeom>
+        </p:spPr>
+      </p:pic>
+      <p:pic>
+        <p:nvPicPr>
+          <p:cNvPr id="20" name="Рисунок 19">
+            <a:extLst>
+              <a:ext uri="{FF2B5EF4-FFF2-40B4-BE49-F238E27FC236}">
+                <a16:creationId xmlns:a16="http://schemas.microsoft.com/office/drawing/2014/main" id="{0A47A0D9-B6B2-4E36-B3C8-B64C0BC26A9F}"/>
+              </a:ext>
+            </a:extLst>
+          </p:cNvPr>
+          <p:cNvPicPr>
+            <a:picLocks noChangeAspect="1"/>
+          </p:cNvPicPr>
+          <p:nvPr/>
+        </p:nvPicPr>
+        <p:blipFill>
+          <a:blip r:embed="rId2">
+            <a:extLst>
+              <a:ext uri="{28A0092B-C50C-407E-A947-70E740481C1C}">
+                <a14:useLocalDpi xmlns:a14="http://schemas.microsoft.com/office/drawing/2010/main" val="0"/>
+              </a:ext>
+            </a:extLst>
+          </a:blip>
+          <a:stretch>
+            <a:fillRect/>
+          </a:stretch>
+        </p:blipFill>
+        <p:spPr>
+          <a:xfrm>
+            <a:off x="10534260" y="5102290"/>
+            <a:ext cx="1755710" cy="1755710"/>
+          </a:xfrm>
+          <a:prstGeom prst="rect">
+            <a:avLst/>
+          </a:prstGeom>
+        </p:spPr>
+      </p:pic>
+      <p:sp>
+        <p:nvSpPr>
+          <p:cNvPr id="32" name="Заголовок 1">
+            <a:extLst>
+              <a:ext uri="{FF2B5EF4-FFF2-40B4-BE49-F238E27FC236}">
+                <a16:creationId xmlns:a16="http://schemas.microsoft.com/office/drawing/2014/main" id="{1B9F5C3E-55BD-44E2-BC50-CCF2F7EBFC3C}"/>
+              </a:ext>
+            </a:extLst>
+          </p:cNvPr>
+          <p:cNvSpPr>
+            <a:spLocks noGrp="1"/>
+          </p:cNvSpPr>
+          <p:nvPr>
+            <p:ph type="ctrTitle"/>
+          </p:nvPr>
+        </p:nvSpPr>
+        <p:spPr>
+          <a:xfrm>
+            <a:off x="268286" y="235612"/>
+            <a:ext cx="11715141" cy="1404642"/>
+          </a:xfrm>
+        </p:spPr>
+        <p:txBody>
+          <a:bodyPr>
+            <a:normAutofit fontScale="90000"/>
+          </a:bodyPr>
+          <a:lstStyle/>
+          <a:p>
+            <a:pPr algn="l"/>
+            <a:r>
+              <a:rPr lang="ru-RU" sz="3200" dirty="0">
+                <a:latin typeface="Segoe UI Black" panose="020B0A02040204020203" pitchFamily="34" charset="0"/>
+                <a:ea typeface="Segoe UI Black" panose="020B0A02040204020203" pitchFamily="34" charset="0"/>
+              </a:rPr>
+              <a:t>Код игры</a:t>
+            </a:r>
+            <a:r>
+              <a:rPr lang="en-US" sz="3200" dirty="0">
+                <a:latin typeface="Segoe UI Black" panose="020B0A02040204020203" pitchFamily="34" charset="0"/>
+                <a:ea typeface="Segoe UI Black" panose="020B0A02040204020203" pitchFamily="34" charset="0"/>
+              </a:rPr>
+              <a:t>:</a:t>
+            </a:r>
+            <a:r>
+              <a:rPr lang="ru-RU" sz="3200" dirty="0">
+                <a:latin typeface="Segoe UI Black" panose="020B0A02040204020203" pitchFamily="34" charset="0"/>
+                <a:ea typeface="Segoe UI Black" panose="020B0A02040204020203" pitchFamily="34" charset="0"/>
+              </a:rPr>
+              <a:t>Спрайты для каждого окна находятся в  отдельных группах и в одной общей, для перемещений их классом камеры</a:t>
+            </a:r>
+          </a:p>
+        </p:txBody>
+      </p:sp>
+      <p:sp>
+        <p:nvSpPr>
+          <p:cNvPr id="28" name="Заголовок 1">
+            <a:extLst>
+              <a:ext uri="{FF2B5EF4-FFF2-40B4-BE49-F238E27FC236}">
+                <a16:creationId xmlns:a16="http://schemas.microsoft.com/office/drawing/2014/main" id="{C85B0532-EA5B-4993-B35F-53390A8DE337}"/>
+              </a:ext>
+            </a:extLst>
+          </p:cNvPr>
+          <p:cNvSpPr txBox="1">
+            <a:spLocks/>
+          </p:cNvSpPr>
+          <p:nvPr/>
+        </p:nvSpPr>
+        <p:spPr>
+          <a:xfrm>
+            <a:off x="208573" y="1491373"/>
+            <a:ext cx="5424814" cy="1493931"/>
+          </a:xfrm>
+          <a:prstGeom prst="rect">
+            <a:avLst/>
+          </a:prstGeom>
+        </p:spPr>
+        <p:txBody>
+          <a:bodyPr vert="horz" lIns="91440" tIns="45720" rIns="91440" bIns="45720" rtlCol="0" anchor="b">
+            <a:normAutofit/>
+          </a:bodyPr>
+          <a:lstStyle>
+            <a:lvl1pPr algn="ctr" defTabSz="914400" rtl="0" eaLnBrk="1" latinLnBrk="0" hangingPunct="1">
+              <a:lnSpc>
+                <a:spcPct val="90000"/>
+              </a:lnSpc>
+              <a:spcBef>
+                <a:spcPct val="0"/>
+              </a:spcBef>
+              <a:buNone/>
+              <a:defRPr sz="6000" kern="1200">
+                <a:solidFill>
+                  <a:schemeClr val="tx1"/>
+                </a:solidFill>
+                <a:latin typeface="+mj-lt"/>
+                <a:ea typeface="+mj-ea"/>
+                <a:cs typeface="+mj-cs"/>
+              </a:defRPr>
+            </a:lvl1pPr>
+          </a:lstStyle>
+          <a:p>
+            <a:pPr algn="l"/>
+            <a:endParaRPr lang="ru-RU" sz="3200" dirty="0">
+              <a:latin typeface="Segoe UI Black" panose="020B0A02040204020203" pitchFamily="34" charset="0"/>
+              <a:ea typeface="Segoe UI Black" panose="020B0A02040204020203" pitchFamily="34" charset="0"/>
+            </a:endParaRPr>
+          </a:p>
+        </p:txBody>
+      </p:sp>
+      <p:sp>
+        <p:nvSpPr>
+          <p:cNvPr id="29" name="Заголовок 1">
+            <a:extLst>
+              <a:ext uri="{FF2B5EF4-FFF2-40B4-BE49-F238E27FC236}">
+                <a16:creationId xmlns:a16="http://schemas.microsoft.com/office/drawing/2014/main" id="{BEC9D8A7-A262-411D-B47D-667323F94AA7}"/>
+              </a:ext>
+            </a:extLst>
+          </p:cNvPr>
+          <p:cNvSpPr txBox="1">
+            <a:spLocks/>
+          </p:cNvSpPr>
+          <p:nvPr/>
+        </p:nvSpPr>
+        <p:spPr>
+          <a:xfrm>
+            <a:off x="167103" y="1380274"/>
+            <a:ext cx="5560598" cy="3530800"/>
+          </a:xfrm>
+          <a:prstGeom prst="rect">
+            <a:avLst/>
+          </a:prstGeom>
+        </p:spPr>
+        <p:txBody>
+          <a:bodyPr vert="horz" lIns="91440" tIns="45720" rIns="91440" bIns="45720" rtlCol="0" anchor="b">
+            <a:normAutofit/>
+          </a:bodyPr>
+          <a:lstStyle>
+            <a:lvl1pPr algn="ctr" defTabSz="914400" rtl="0" eaLnBrk="1" latinLnBrk="0" hangingPunct="1">
+              <a:lnSpc>
+                <a:spcPct val="90000"/>
+              </a:lnSpc>
+              <a:spcBef>
+                <a:spcPct val="0"/>
+              </a:spcBef>
+              <a:buNone/>
+              <a:defRPr sz="6000" kern="1200">
+                <a:solidFill>
+                  <a:schemeClr val="tx1"/>
+                </a:solidFill>
+                <a:latin typeface="+mj-lt"/>
+                <a:ea typeface="+mj-ea"/>
+                <a:cs typeface="+mj-cs"/>
+              </a:defRPr>
+            </a:lvl1pPr>
+          </a:lstStyle>
+          <a:p>
+            <a:pPr algn="l"/>
+            <a:endParaRPr lang="ru-RU" sz="3200" dirty="0">
+              <a:latin typeface="Segoe UI Black" panose="020B0A02040204020203" pitchFamily="34" charset="0"/>
+              <a:ea typeface="Segoe UI Black" panose="020B0A02040204020203" pitchFamily="34" charset="0"/>
+            </a:endParaRPr>
+          </a:p>
+        </p:txBody>
+      </p:sp>
+      <p:sp>
+        <p:nvSpPr>
+          <p:cNvPr id="30" name="Заголовок 1">
+            <a:extLst>
+              <a:ext uri="{FF2B5EF4-FFF2-40B4-BE49-F238E27FC236}">
+                <a16:creationId xmlns:a16="http://schemas.microsoft.com/office/drawing/2014/main" id="{4A409146-D44D-460E-A38C-EDCF48D0B643}"/>
+              </a:ext>
+            </a:extLst>
+          </p:cNvPr>
+          <p:cNvSpPr txBox="1">
+            <a:spLocks/>
+          </p:cNvSpPr>
+          <p:nvPr/>
+        </p:nvSpPr>
+        <p:spPr>
+          <a:xfrm>
+            <a:off x="5206960" y="1757762"/>
+            <a:ext cx="5138127" cy="1493931"/>
+          </a:xfrm>
+          <a:prstGeom prst="rect">
+            <a:avLst/>
+          </a:prstGeom>
+        </p:spPr>
+        <p:txBody>
+          <a:bodyPr vert="horz" lIns="91440" tIns="45720" rIns="91440" bIns="45720" rtlCol="0" anchor="b">
+            <a:normAutofit/>
+          </a:bodyPr>
+          <a:lstStyle>
+            <a:lvl1pPr algn="ctr" defTabSz="914400" rtl="0" eaLnBrk="1" latinLnBrk="0" hangingPunct="1">
+              <a:lnSpc>
+                <a:spcPct val="90000"/>
+              </a:lnSpc>
+              <a:spcBef>
+                <a:spcPct val="0"/>
+              </a:spcBef>
+              <a:buNone/>
+              <a:defRPr sz="6000" kern="1200">
+                <a:solidFill>
+                  <a:schemeClr val="tx1"/>
+                </a:solidFill>
+                <a:latin typeface="+mj-lt"/>
+                <a:ea typeface="+mj-ea"/>
+                <a:cs typeface="+mj-cs"/>
+              </a:defRPr>
+            </a:lvl1pPr>
+          </a:lstStyle>
+          <a:p>
+            <a:pPr algn="l"/>
+            <a:endParaRPr lang="ru-RU" sz="3200" dirty="0">
+              <a:latin typeface="Segoe UI Black" panose="020B0A02040204020203" pitchFamily="34" charset="0"/>
+              <a:ea typeface="Segoe UI Black" panose="020B0A02040204020203" pitchFamily="34" charset="0"/>
+            </a:endParaRPr>
+          </a:p>
+        </p:txBody>
+      </p:sp>
+      <p:sp>
+        <p:nvSpPr>
+          <p:cNvPr id="31" name="Заголовок 1">
+            <a:extLst>
+              <a:ext uri="{FF2B5EF4-FFF2-40B4-BE49-F238E27FC236}">
+                <a16:creationId xmlns:a16="http://schemas.microsoft.com/office/drawing/2014/main" id="{65B9A986-AC00-47A3-A10F-C3A35AD345DA}"/>
+              </a:ext>
+            </a:extLst>
+          </p:cNvPr>
+          <p:cNvSpPr txBox="1">
+            <a:spLocks/>
+          </p:cNvSpPr>
+          <p:nvPr/>
+        </p:nvSpPr>
+        <p:spPr>
+          <a:xfrm>
+            <a:off x="211423" y="2632417"/>
+            <a:ext cx="5138127" cy="2371148"/>
+          </a:xfrm>
+          <a:prstGeom prst="rect">
+            <a:avLst/>
+          </a:prstGeom>
+        </p:spPr>
+        <p:txBody>
+          <a:bodyPr vert="horz" lIns="91440" tIns="45720" rIns="91440" bIns="45720" rtlCol="0" anchor="b">
+            <a:normAutofit/>
+          </a:bodyPr>
+          <a:lstStyle>
+            <a:lvl1pPr algn="ctr" defTabSz="914400" rtl="0" eaLnBrk="1" latinLnBrk="0" hangingPunct="1">
+              <a:lnSpc>
+                <a:spcPct val="90000"/>
+              </a:lnSpc>
+              <a:spcBef>
+                <a:spcPct val="0"/>
+              </a:spcBef>
+              <a:buNone/>
+              <a:defRPr sz="6000" kern="1200">
+                <a:solidFill>
+                  <a:schemeClr val="tx1"/>
+                </a:solidFill>
+                <a:latin typeface="+mj-lt"/>
+                <a:ea typeface="+mj-ea"/>
+                <a:cs typeface="+mj-cs"/>
+              </a:defRPr>
+            </a:lvl1pPr>
+          </a:lstStyle>
+          <a:p>
+            <a:pPr algn="l"/>
+            <a:endParaRPr lang="ru-RU" sz="3200" dirty="0">
+              <a:latin typeface="Segoe UI Black" panose="020B0A02040204020203" pitchFamily="34" charset="0"/>
+              <a:ea typeface="Segoe UI Black" panose="020B0A02040204020203" pitchFamily="34" charset="0"/>
+            </a:endParaRPr>
+          </a:p>
+        </p:txBody>
+      </p:sp>
+      <p:pic>
+        <p:nvPicPr>
+          <p:cNvPr id="6" name="Рисунок 5">
+            <a:extLst>
+              <a:ext uri="{FF2B5EF4-FFF2-40B4-BE49-F238E27FC236}">
+                <a16:creationId xmlns:a16="http://schemas.microsoft.com/office/drawing/2014/main" id="{AC6F28AF-67BF-4A42-8C80-B8788B4589F4}"/>
+              </a:ext>
+            </a:extLst>
+          </p:cNvPr>
+          <p:cNvPicPr>
+            <a:picLocks noChangeAspect="1"/>
+          </p:cNvPicPr>
+          <p:nvPr/>
+        </p:nvPicPr>
+        <p:blipFill>
+          <a:blip r:embed="rId3">
+            <a:extLst>
+              <a:ext uri="{28A0092B-C50C-407E-A947-70E740481C1C}">
+                <a14:useLocalDpi xmlns:a14="http://schemas.microsoft.com/office/drawing/2010/main" val="0"/>
+              </a:ext>
+            </a:extLst>
+          </a:blip>
+          <a:stretch>
+            <a:fillRect/>
+          </a:stretch>
+        </p:blipFill>
+        <p:spPr>
+          <a:xfrm>
+            <a:off x="-8271749" y="2455918"/>
+            <a:ext cx="6159018" cy="2680086"/>
+          </a:xfrm>
+          <a:prstGeom prst="rect">
+            <a:avLst/>
+          </a:prstGeom>
+          <a:ln w="88900" cap="sq" cmpd="thickThin">
+            <a:solidFill>
+              <a:srgbClr val="000000"/>
+            </a:solidFill>
+            <a:prstDash val="solid"/>
+            <a:miter lim="800000"/>
+          </a:ln>
+          <a:effectLst>
+            <a:innerShdw blurRad="76200">
+              <a:srgbClr val="000000"/>
+            </a:innerShdw>
+          </a:effectLst>
+        </p:spPr>
+      </p:pic>
+      <p:pic>
+        <p:nvPicPr>
+          <p:cNvPr id="13" name="Рисунок 12">
+            <a:extLst>
+              <a:ext uri="{FF2B5EF4-FFF2-40B4-BE49-F238E27FC236}">
+                <a16:creationId xmlns:a16="http://schemas.microsoft.com/office/drawing/2014/main" id="{80AE5AFB-6BDA-4CF1-8092-2D7884DD8711}"/>
+              </a:ext>
+            </a:extLst>
+          </p:cNvPr>
+          <p:cNvPicPr>
+            <a:picLocks noChangeAspect="1"/>
+          </p:cNvPicPr>
+          <p:nvPr/>
+        </p:nvPicPr>
+        <p:blipFill>
+          <a:blip r:embed="rId4">
+            <a:extLst>
+              <a:ext uri="{28A0092B-C50C-407E-A947-70E740481C1C}">
+                <a14:useLocalDpi xmlns:a14="http://schemas.microsoft.com/office/drawing/2010/main" val="0"/>
+              </a:ext>
+            </a:extLst>
+          </a:blip>
+          <a:stretch>
+            <a:fillRect/>
+          </a:stretch>
+        </p:blipFill>
+        <p:spPr>
+          <a:xfrm>
+            <a:off x="14191188" y="2985304"/>
+            <a:ext cx="1141698" cy="1141698"/>
+          </a:xfrm>
+          <a:prstGeom prst="rect">
+            <a:avLst/>
+          </a:prstGeom>
+        </p:spPr>
+      </p:pic>
+      <p:pic>
+        <p:nvPicPr>
+          <p:cNvPr id="22" name="Рисунок 21">
+            <a:extLst>
+              <a:ext uri="{FF2B5EF4-FFF2-40B4-BE49-F238E27FC236}">
+                <a16:creationId xmlns:a16="http://schemas.microsoft.com/office/drawing/2014/main" id="{8F78360D-2CC0-4916-8EB9-342FD8A65D07}"/>
+              </a:ext>
+            </a:extLst>
+          </p:cNvPr>
+          <p:cNvPicPr>
+            <a:picLocks noChangeAspect="1"/>
+          </p:cNvPicPr>
+          <p:nvPr/>
+        </p:nvPicPr>
+        <p:blipFill>
+          <a:blip r:embed="rId5">
+            <a:extLst>
+              <a:ext uri="{28A0092B-C50C-407E-A947-70E740481C1C}">
+                <a14:useLocalDpi xmlns:a14="http://schemas.microsoft.com/office/drawing/2010/main" val="0"/>
+              </a:ext>
+            </a:extLst>
+          </a:blip>
+          <a:stretch>
+            <a:fillRect/>
+          </a:stretch>
+        </p:blipFill>
+        <p:spPr>
+          <a:xfrm rot="7501070">
+            <a:off x="9124768" y="-1313909"/>
+            <a:ext cx="1141698" cy="1141698"/>
+          </a:xfrm>
+          <a:prstGeom prst="rect">
+            <a:avLst/>
+          </a:prstGeom>
+        </p:spPr>
+      </p:pic>
+      <p:pic>
+        <p:nvPicPr>
+          <p:cNvPr id="23" name="Рисунок 22">
+            <a:extLst>
+              <a:ext uri="{FF2B5EF4-FFF2-40B4-BE49-F238E27FC236}">
+                <a16:creationId xmlns:a16="http://schemas.microsoft.com/office/drawing/2014/main" id="{7CBCC461-51D7-489E-BBC3-5FC65BAE7BB5}"/>
+              </a:ext>
+            </a:extLst>
+          </p:cNvPr>
+          <p:cNvPicPr>
+            <a:picLocks noChangeAspect="1"/>
+          </p:cNvPicPr>
+          <p:nvPr/>
+        </p:nvPicPr>
+        <p:blipFill>
+          <a:blip r:embed="rId6"/>
+          <a:stretch>
+            <a:fillRect/>
+          </a:stretch>
+        </p:blipFill>
+        <p:spPr>
+          <a:xfrm>
+            <a:off x="7592082" y="-1416895"/>
+            <a:ext cx="1182464" cy="1182464"/>
+          </a:xfrm>
+          <a:prstGeom prst="rect">
+            <a:avLst/>
+          </a:prstGeom>
+        </p:spPr>
+      </p:pic>
+      <p:pic>
+        <p:nvPicPr>
+          <p:cNvPr id="24" name="Рисунок 23">
+            <a:extLst>
+              <a:ext uri="{FF2B5EF4-FFF2-40B4-BE49-F238E27FC236}">
+                <a16:creationId xmlns:a16="http://schemas.microsoft.com/office/drawing/2014/main" id="{50D627AB-B388-4DBC-91FF-2476BCE326F8}"/>
+              </a:ext>
+            </a:extLst>
+          </p:cNvPr>
+          <p:cNvPicPr>
+            <a:picLocks noChangeAspect="1"/>
+          </p:cNvPicPr>
+          <p:nvPr/>
+        </p:nvPicPr>
+        <p:blipFill>
+          <a:blip r:embed="rId7"/>
+          <a:stretch>
+            <a:fillRect/>
+          </a:stretch>
+        </p:blipFill>
+        <p:spPr>
+          <a:xfrm rot="16959366">
+            <a:off x="-1735066" y="3126019"/>
+            <a:ext cx="1182464" cy="1182464"/>
+          </a:xfrm>
+          <a:prstGeom prst="rect">
+            <a:avLst/>
+          </a:prstGeom>
+        </p:spPr>
+      </p:pic>
+      <p:pic>
+        <p:nvPicPr>
+          <p:cNvPr id="4" name="Рисунок 3">
+            <a:extLst>
+              <a:ext uri="{FF2B5EF4-FFF2-40B4-BE49-F238E27FC236}">
+                <a16:creationId xmlns:a16="http://schemas.microsoft.com/office/drawing/2014/main" id="{251229DC-81EF-495B-B07D-29D664EF51CD}"/>
+              </a:ext>
+            </a:extLst>
+          </p:cNvPr>
+          <p:cNvPicPr>
+            <a:picLocks noChangeAspect="1"/>
+          </p:cNvPicPr>
+          <p:nvPr/>
+        </p:nvPicPr>
+        <p:blipFill>
+          <a:blip r:embed="rId8">
+            <a:extLst>
+              <a:ext uri="{28A0092B-C50C-407E-A947-70E740481C1C}">
+                <a14:useLocalDpi xmlns:a14="http://schemas.microsoft.com/office/drawing/2010/main" val="0"/>
+              </a:ext>
+            </a:extLst>
+          </a:blip>
+          <a:stretch>
+            <a:fillRect/>
+          </a:stretch>
+        </p:blipFill>
+        <p:spPr>
+          <a:xfrm>
+            <a:off x="385911" y="1798928"/>
+            <a:ext cx="4258269" cy="2905530"/>
+          </a:xfrm>
+          <a:prstGeom prst="rect">
+            <a:avLst/>
+          </a:prstGeom>
+          <a:solidFill>
+            <a:srgbClr val="FFFFFF">
+              <a:shade val="85000"/>
+            </a:srgbClr>
+          </a:solidFill>
+          <a:ln w="88900" cap="sq">
+            <a:solidFill>
+              <a:srgbClr val="FFFFFF"/>
+            </a:solidFill>
+            <a:miter lim="800000"/>
+          </a:ln>
+          <a:effectLst>
+            <a:outerShdw blurRad="55000" dist="18000" dir="5400000" algn="tl" rotWithShape="0">
+              <a:srgbClr val="000000">
+                <a:alpha val="40000"/>
+              </a:srgbClr>
+            </a:outerShdw>
+          </a:effectLst>
+          <a:scene3d>
+            <a:camera prst="orthographicFront"/>
+            <a:lightRig rig="twoPt" dir="t">
+              <a:rot lat="0" lon="0" rev="7200000"/>
+            </a:lightRig>
+          </a:scene3d>
+          <a:sp3d>
+            <a:bevelT w="25400" h="19050"/>
+            <a:contourClr>
+              <a:srgbClr val="FFFFFF"/>
+            </a:contourClr>
+          </a:sp3d>
+        </p:spPr>
+      </p:pic>
+      <p:pic>
+        <p:nvPicPr>
+          <p:cNvPr id="10" name="Рисунок 9">
+            <a:extLst>
+              <a:ext uri="{FF2B5EF4-FFF2-40B4-BE49-F238E27FC236}">
+                <a16:creationId xmlns:a16="http://schemas.microsoft.com/office/drawing/2014/main" id="{A1AB91AE-85F7-4427-B460-844149367D1D}"/>
+              </a:ext>
+            </a:extLst>
+          </p:cNvPr>
+          <p:cNvPicPr>
+            <a:picLocks noChangeAspect="1"/>
+          </p:cNvPicPr>
+          <p:nvPr/>
+        </p:nvPicPr>
+        <p:blipFill>
+          <a:blip r:embed="rId9">
+            <a:extLst>
+              <a:ext uri="{28A0092B-C50C-407E-A947-70E740481C1C}">
+                <a14:useLocalDpi xmlns:a14="http://schemas.microsoft.com/office/drawing/2010/main" val="0"/>
+              </a:ext>
+            </a:extLst>
+          </a:blip>
+          <a:stretch>
+            <a:fillRect/>
+          </a:stretch>
+        </p:blipFill>
+        <p:spPr>
+          <a:xfrm>
+            <a:off x="4817460" y="1978803"/>
+            <a:ext cx="4467849" cy="1648055"/>
+          </a:xfrm>
+          <a:prstGeom prst="roundRect">
+            <a:avLst>
+              <a:gd name="adj" fmla="val 9732"/>
+            </a:avLst>
+          </a:prstGeom>
+          <a:ln>
+            <a:noFill/>
+          </a:ln>
+          <a:effectLst>
+            <a:outerShdw blurRad="76200" dist="38100" dir="7800000" algn="tl" rotWithShape="0">
+              <a:srgbClr val="000000">
+                <a:alpha val="40000"/>
+              </a:srgbClr>
+            </a:outerShdw>
+          </a:effectLst>
+          <a:scene3d>
+            <a:camera prst="orthographicFront"/>
+            <a:lightRig rig="contrasting" dir="t">
+              <a:rot lat="0" lon="0" rev="4200000"/>
+            </a:lightRig>
+          </a:scene3d>
+          <a:sp3d prstMaterial="plastic">
+            <a:bevelT w="381000" h="114300" prst="relaxedInset"/>
+            <a:contourClr>
+              <a:srgbClr val="969696"/>
+            </a:contourClr>
+          </a:sp3d>
+        </p:spPr>
+      </p:pic>
+      <p:sp>
+        <p:nvSpPr>
+          <p:cNvPr id="33" name="Заголовок 1">
+            <a:extLst>
+              <a:ext uri="{FF2B5EF4-FFF2-40B4-BE49-F238E27FC236}">
+                <a16:creationId xmlns:a16="http://schemas.microsoft.com/office/drawing/2014/main" id="{FBD068CA-69C5-4065-B19D-2F51F78B44CF}"/>
+              </a:ext>
+            </a:extLst>
+          </p:cNvPr>
+          <p:cNvSpPr txBox="1">
+            <a:spLocks/>
+          </p:cNvSpPr>
+          <p:nvPr/>
+        </p:nvSpPr>
+        <p:spPr>
+          <a:xfrm>
+            <a:off x="4817460" y="1365450"/>
+            <a:ext cx="3884985" cy="592153"/>
+          </a:xfrm>
+          <a:prstGeom prst="rect">
+            <a:avLst/>
+          </a:prstGeom>
+        </p:spPr>
+        <p:txBody>
+          <a:bodyPr vert="horz" lIns="91440" tIns="45720" rIns="91440" bIns="45720" rtlCol="0" anchor="b">
+            <a:normAutofit fontScale="97500"/>
+          </a:bodyPr>
+          <a:lstStyle>
+            <a:lvl1pPr algn="ctr" defTabSz="914400" rtl="0" eaLnBrk="1" latinLnBrk="0" hangingPunct="1">
+              <a:lnSpc>
+                <a:spcPct val="90000"/>
+              </a:lnSpc>
+              <a:spcBef>
+                <a:spcPct val="0"/>
+              </a:spcBef>
+              <a:buNone/>
+              <a:defRPr sz="6000" kern="1200">
+                <a:solidFill>
+                  <a:schemeClr val="tx1"/>
+                </a:solidFill>
+                <a:latin typeface="+mj-lt"/>
+                <a:ea typeface="+mj-ea"/>
+                <a:cs typeface="+mj-cs"/>
+              </a:defRPr>
+            </a:lvl1pPr>
+          </a:lstStyle>
+          <a:p>
+            <a:pPr algn="l"/>
+            <a:r>
+              <a:rPr lang="ru-RU" sz="3200" dirty="0">
+                <a:latin typeface="Segoe UI Black" panose="020B0A02040204020203" pitchFamily="34" charset="0"/>
+                <a:ea typeface="Segoe UI Black" panose="020B0A02040204020203" pitchFamily="34" charset="0"/>
+              </a:rPr>
+              <a:t>Импорты</a:t>
+            </a:r>
+            <a:r>
+              <a:rPr lang="en-US" sz="3200" dirty="0">
+                <a:latin typeface="Segoe UI Black" panose="020B0A02040204020203" pitchFamily="34" charset="0"/>
+                <a:ea typeface="Segoe UI Black" panose="020B0A02040204020203" pitchFamily="34" charset="0"/>
+              </a:rPr>
+              <a:t>:</a:t>
+            </a:r>
+            <a:endParaRPr lang="ru-RU" sz="3200" dirty="0">
+              <a:latin typeface="Segoe UI Black" panose="020B0A02040204020203" pitchFamily="34" charset="0"/>
+              <a:ea typeface="Segoe UI Black" panose="020B0A02040204020203" pitchFamily="34" charset="0"/>
+            </a:endParaRPr>
+          </a:p>
+        </p:txBody>
+      </p:sp>
+      <p:pic>
+        <p:nvPicPr>
+          <p:cNvPr id="12" name="Рисунок 11">
+            <a:extLst>
+              <a:ext uri="{FF2B5EF4-FFF2-40B4-BE49-F238E27FC236}">
+                <a16:creationId xmlns:a16="http://schemas.microsoft.com/office/drawing/2014/main" id="{30EC43B8-DE24-4C05-83ED-522E2C17BB56}"/>
+              </a:ext>
+            </a:extLst>
+          </p:cNvPr>
+          <p:cNvPicPr>
+            <a:picLocks noChangeAspect="1"/>
+          </p:cNvPicPr>
+          <p:nvPr/>
+        </p:nvPicPr>
+        <p:blipFill>
+          <a:blip r:embed="rId10">
+            <a:extLst>
+              <a:ext uri="{28A0092B-C50C-407E-A947-70E740481C1C}">
+                <a14:useLocalDpi xmlns:a14="http://schemas.microsoft.com/office/drawing/2010/main" val="0"/>
+              </a:ext>
+            </a:extLst>
+          </a:blip>
+          <a:stretch>
+            <a:fillRect/>
+          </a:stretch>
+        </p:blipFill>
+        <p:spPr>
+          <a:xfrm>
+            <a:off x="7792204" y="3964265"/>
+            <a:ext cx="4334480" cy="1171739"/>
+          </a:xfrm>
+          <a:prstGeom prst="rect">
+            <a:avLst/>
+          </a:prstGeom>
+        </p:spPr>
+      </p:pic>
+      <p:sp>
+        <p:nvSpPr>
+          <p:cNvPr id="36" name="Заголовок 1">
+            <a:extLst>
+              <a:ext uri="{FF2B5EF4-FFF2-40B4-BE49-F238E27FC236}">
+                <a16:creationId xmlns:a16="http://schemas.microsoft.com/office/drawing/2014/main" id="{FDCC15B0-667C-46BB-842D-41A493703025}"/>
+              </a:ext>
+            </a:extLst>
+          </p:cNvPr>
+          <p:cNvSpPr txBox="1">
+            <a:spLocks/>
+          </p:cNvSpPr>
+          <p:nvPr/>
+        </p:nvSpPr>
+        <p:spPr>
+          <a:xfrm>
+            <a:off x="6002626" y="3985537"/>
+            <a:ext cx="1898069" cy="592153"/>
+          </a:xfrm>
+          <a:prstGeom prst="rect">
+            <a:avLst/>
+          </a:prstGeom>
+        </p:spPr>
+        <p:txBody>
+          <a:bodyPr vert="horz" lIns="91440" tIns="45720" rIns="91440" bIns="45720" rtlCol="0" anchor="b">
+            <a:normAutofit fontScale="67500" lnSpcReduction="20000"/>
+          </a:bodyPr>
+          <a:lstStyle>
+            <a:lvl1pPr algn="ctr" defTabSz="914400" rtl="0" eaLnBrk="1" latinLnBrk="0" hangingPunct="1">
+              <a:lnSpc>
+                <a:spcPct val="90000"/>
+              </a:lnSpc>
+              <a:spcBef>
+                <a:spcPct val="0"/>
+              </a:spcBef>
+              <a:buNone/>
+              <a:defRPr sz="6000" kern="1200">
+                <a:solidFill>
+                  <a:schemeClr val="tx1"/>
+                </a:solidFill>
+                <a:latin typeface="+mj-lt"/>
+                <a:ea typeface="+mj-ea"/>
+                <a:cs typeface="+mj-cs"/>
+              </a:defRPr>
+            </a:lvl1pPr>
+          </a:lstStyle>
+          <a:p>
+            <a:pPr algn="l"/>
+            <a:r>
+              <a:rPr lang="ru-RU" sz="3200" dirty="0">
+                <a:latin typeface="Segoe UI Black" panose="020B0A02040204020203" pitchFamily="34" charset="0"/>
+                <a:ea typeface="Segoe UI Black" panose="020B0A02040204020203" pitchFamily="34" charset="0"/>
+              </a:rPr>
+              <a:t>Базовые параметры</a:t>
+            </a:r>
+            <a:r>
+              <a:rPr lang="en-US" sz="3200" dirty="0">
+                <a:latin typeface="Segoe UI Black" panose="020B0A02040204020203" pitchFamily="34" charset="0"/>
+                <a:ea typeface="Segoe UI Black" panose="020B0A02040204020203" pitchFamily="34" charset="0"/>
+              </a:rPr>
+              <a:t>:</a:t>
+            </a:r>
+            <a:endParaRPr lang="ru-RU" sz="3200" dirty="0">
+              <a:latin typeface="Segoe UI Black" panose="020B0A02040204020203" pitchFamily="34" charset="0"/>
+              <a:ea typeface="Segoe UI Black" panose="020B0A02040204020203" pitchFamily="34" charset="0"/>
+            </a:endParaRPr>
+          </a:p>
+        </p:txBody>
+      </p:sp>
+    </p:spTree>
+    <p:extLst>
+      <p:ext uri="{BB962C8B-B14F-4D97-AF65-F5344CB8AC3E}">
+        <p14:creationId xmlns:p14="http://schemas.microsoft.com/office/powerpoint/2010/main" val="2480796716"/>
+      </p:ext>
+    </p:extLst>
+  </p:cSld>
+  <p:clrMapOvr>
+    <a:masterClrMapping/>
+  </p:clrMapOvr>
+  <mc:AlternateContent xmlns:mc="http://schemas.openxmlformats.org/markup-compatibility/2006" xmlns:p159="http://schemas.microsoft.com/office/powerpoint/2015/09/main">
+    <mc:Choice Requires="p159">
+      <p:transition xmlns:p14="http://schemas.microsoft.com/office/powerpoint/2010/main" spd="slow" p14:dur="2000">
+        <p159:morph option="byObject"/>
+      </p:transition>
+    </mc:Choice>
+    <mc:Fallback xmlns="">
+      <p:transition spd="slow">
+        <p:fade/>
+      </p:transition>
+    </mc:Fallback>
+  </mc:AlternateContent>
+</p:sld>
+</file>
+
+<file path=ppt/slides/slide13.xml><?xml version="1.0" encoding="utf-8"?>
+<p:sld xmlns:a="http://schemas.openxmlformats.org/drawingml/2006/main" xmlns:r="http://schemas.openxmlformats.org/officeDocument/2006/relationships" xmlns:p="http://schemas.openxmlformats.org/presentationml/2006/main">
+  <p:cSld>
+    <p:bg>
+      <p:bgPr>
+        <a:solidFill>
+          <a:srgbClr val="65A6D4"/>
+        </a:solidFill>
+        <a:effectLst/>
+      </p:bgPr>
+    </p:bg>
+    <p:spTree>
+      <p:nvGrpSpPr>
+        <p:cNvPr id="1" name=""/>
+        <p:cNvGrpSpPr/>
+        <p:nvPr/>
+      </p:nvGrpSpPr>
+      <p:grpSpPr>
+        <a:xfrm>
+          <a:off x="0" y="0"/>
+          <a:ext cx="0" cy="0"/>
+          <a:chOff x="0" y="0"/>
+          <a:chExt cx="0" cy="0"/>
+        </a:xfrm>
+      </p:grpSpPr>
+      <p:pic>
+        <p:nvPicPr>
+          <p:cNvPr id="14" name="Рисунок 13">
+            <a:extLst>
+              <a:ext uri="{FF2B5EF4-FFF2-40B4-BE49-F238E27FC236}">
+                <a16:creationId xmlns:a16="http://schemas.microsoft.com/office/drawing/2014/main" id="{1DB02CE2-09A8-492D-83BE-AAF2B120E528}"/>
+              </a:ext>
+            </a:extLst>
+          </p:cNvPr>
+          <p:cNvPicPr>
+            <a:picLocks noChangeAspect="1"/>
+          </p:cNvPicPr>
+          <p:nvPr/>
+        </p:nvPicPr>
+        <p:blipFill>
+          <a:blip r:embed="rId2">
+            <a:extLst>
+              <a:ext uri="{28A0092B-C50C-407E-A947-70E740481C1C}">
+                <a14:useLocalDpi xmlns:a14="http://schemas.microsoft.com/office/drawing/2010/main" val="0"/>
+              </a:ext>
+            </a:extLst>
+          </a:blip>
+          <a:stretch>
+            <a:fillRect/>
+          </a:stretch>
+        </p:blipFill>
+        <p:spPr>
+          <a:xfrm>
+            <a:off x="0" y="5103019"/>
+            <a:ext cx="1755710" cy="1755710"/>
+          </a:xfrm>
+          <a:prstGeom prst="rect">
+            <a:avLst/>
+          </a:prstGeom>
+        </p:spPr>
+      </p:pic>
+      <p:pic>
+        <p:nvPicPr>
+          <p:cNvPr id="15" name="Рисунок 14">
+            <a:extLst>
+              <a:ext uri="{FF2B5EF4-FFF2-40B4-BE49-F238E27FC236}">
+                <a16:creationId xmlns:a16="http://schemas.microsoft.com/office/drawing/2014/main" id="{09FEAC30-6A94-4854-B997-B5D9A5170FCD}"/>
+              </a:ext>
+            </a:extLst>
+          </p:cNvPr>
+          <p:cNvPicPr>
+            <a:picLocks noChangeAspect="1"/>
+          </p:cNvPicPr>
+          <p:nvPr/>
+        </p:nvPicPr>
+        <p:blipFill>
+          <a:blip r:embed="rId2">
+            <a:extLst>
+              <a:ext uri="{28A0092B-C50C-407E-A947-70E740481C1C}">
+                <a14:useLocalDpi xmlns:a14="http://schemas.microsoft.com/office/drawing/2010/main" val="0"/>
+              </a:ext>
+            </a:extLst>
+          </a:blip>
+          <a:stretch>
+            <a:fillRect/>
+          </a:stretch>
+        </p:blipFill>
+        <p:spPr>
+          <a:xfrm>
+            <a:off x="1755710" y="5103019"/>
+            <a:ext cx="1755710" cy="1755710"/>
+          </a:xfrm>
+          <a:prstGeom prst="rect">
+            <a:avLst/>
+          </a:prstGeom>
+        </p:spPr>
+      </p:pic>
+      <p:pic>
+        <p:nvPicPr>
+          <p:cNvPr id="16" name="Рисунок 15">
+            <a:extLst>
+              <a:ext uri="{FF2B5EF4-FFF2-40B4-BE49-F238E27FC236}">
+                <a16:creationId xmlns:a16="http://schemas.microsoft.com/office/drawing/2014/main" id="{1B39A361-B585-430A-AFDD-DF4B2CE67593}"/>
+              </a:ext>
+            </a:extLst>
+          </p:cNvPr>
+          <p:cNvPicPr>
+            <a:picLocks noChangeAspect="1"/>
+          </p:cNvPicPr>
+          <p:nvPr/>
+        </p:nvPicPr>
+        <p:blipFill>
+          <a:blip r:embed="rId2">
+            <a:extLst>
+              <a:ext uri="{28A0092B-C50C-407E-A947-70E740481C1C}">
+                <a14:useLocalDpi xmlns:a14="http://schemas.microsoft.com/office/drawing/2010/main" val="0"/>
+              </a:ext>
+            </a:extLst>
+          </a:blip>
+          <a:stretch>
+            <a:fillRect/>
+          </a:stretch>
+        </p:blipFill>
+        <p:spPr>
+          <a:xfrm>
+            <a:off x="3511420" y="5102291"/>
+            <a:ext cx="1755710" cy="1755710"/>
+          </a:xfrm>
+          <a:prstGeom prst="rect">
+            <a:avLst/>
+          </a:prstGeom>
+        </p:spPr>
+      </p:pic>
+      <p:pic>
+        <p:nvPicPr>
+          <p:cNvPr id="17" name="Рисунок 16">
+            <a:extLst>
+              <a:ext uri="{FF2B5EF4-FFF2-40B4-BE49-F238E27FC236}">
+                <a16:creationId xmlns:a16="http://schemas.microsoft.com/office/drawing/2014/main" id="{1C48ECA5-0B8D-4FF9-83BF-9E46C4A08C6A}"/>
+              </a:ext>
+            </a:extLst>
+          </p:cNvPr>
+          <p:cNvPicPr>
+            <a:picLocks noChangeAspect="1"/>
+          </p:cNvPicPr>
+          <p:nvPr/>
+        </p:nvPicPr>
+        <p:blipFill>
+          <a:blip r:embed="rId2">
+            <a:extLst>
+              <a:ext uri="{28A0092B-C50C-407E-A947-70E740481C1C}">
+                <a14:useLocalDpi xmlns:a14="http://schemas.microsoft.com/office/drawing/2010/main" val="0"/>
+              </a:ext>
+            </a:extLst>
+          </a:blip>
+          <a:stretch>
+            <a:fillRect/>
+          </a:stretch>
+        </p:blipFill>
+        <p:spPr>
+          <a:xfrm>
+            <a:off x="5267130" y="5102291"/>
+            <a:ext cx="1755710" cy="1755710"/>
+          </a:xfrm>
+          <a:prstGeom prst="rect">
+            <a:avLst/>
+          </a:prstGeom>
+        </p:spPr>
+      </p:pic>
+      <p:pic>
+        <p:nvPicPr>
+          <p:cNvPr id="18" name="Рисунок 17">
+            <a:extLst>
+              <a:ext uri="{FF2B5EF4-FFF2-40B4-BE49-F238E27FC236}">
+                <a16:creationId xmlns:a16="http://schemas.microsoft.com/office/drawing/2014/main" id="{B997F373-E79F-4E85-B09A-88236D2F3138}"/>
+              </a:ext>
+            </a:extLst>
+          </p:cNvPr>
+          <p:cNvPicPr>
+            <a:picLocks noChangeAspect="1"/>
+          </p:cNvPicPr>
+          <p:nvPr/>
+        </p:nvPicPr>
+        <p:blipFill>
+          <a:blip r:embed="rId2">
+            <a:extLst>
+              <a:ext uri="{28A0092B-C50C-407E-A947-70E740481C1C}">
+                <a14:useLocalDpi xmlns:a14="http://schemas.microsoft.com/office/drawing/2010/main" val="0"/>
+              </a:ext>
+            </a:extLst>
+          </a:blip>
+          <a:stretch>
+            <a:fillRect/>
+          </a:stretch>
+        </p:blipFill>
+        <p:spPr>
+          <a:xfrm>
+            <a:off x="7022840" y="5102291"/>
+            <a:ext cx="1755710" cy="1755710"/>
+          </a:xfrm>
+          <a:prstGeom prst="rect">
+            <a:avLst/>
+          </a:prstGeom>
+        </p:spPr>
+      </p:pic>
+      <p:pic>
+        <p:nvPicPr>
+          <p:cNvPr id="19" name="Рисунок 18">
+            <a:extLst>
+              <a:ext uri="{FF2B5EF4-FFF2-40B4-BE49-F238E27FC236}">
+                <a16:creationId xmlns:a16="http://schemas.microsoft.com/office/drawing/2014/main" id="{CA1B0285-234C-4DC3-A42D-560F71B00060}"/>
+              </a:ext>
+            </a:extLst>
+          </p:cNvPr>
+          <p:cNvPicPr>
+            <a:picLocks noChangeAspect="1"/>
+          </p:cNvPicPr>
+          <p:nvPr/>
+        </p:nvPicPr>
+        <p:blipFill>
+          <a:blip r:embed="rId2">
+            <a:extLst>
+              <a:ext uri="{28A0092B-C50C-407E-A947-70E740481C1C}">
+                <a14:useLocalDpi xmlns:a14="http://schemas.microsoft.com/office/drawing/2010/main" val="0"/>
+              </a:ext>
+            </a:extLst>
+          </a:blip>
+          <a:stretch>
+            <a:fillRect/>
+          </a:stretch>
+        </p:blipFill>
+        <p:spPr>
+          <a:xfrm>
+            <a:off x="8778550" y="5103019"/>
+            <a:ext cx="1755710" cy="1755710"/>
+          </a:xfrm>
+          <a:prstGeom prst="rect">
+            <a:avLst/>
+          </a:prstGeom>
+        </p:spPr>
+      </p:pic>
+      <p:pic>
+        <p:nvPicPr>
+          <p:cNvPr id="20" name="Рисунок 19">
+            <a:extLst>
+              <a:ext uri="{FF2B5EF4-FFF2-40B4-BE49-F238E27FC236}">
+                <a16:creationId xmlns:a16="http://schemas.microsoft.com/office/drawing/2014/main" id="{0A47A0D9-B6B2-4E36-B3C8-B64C0BC26A9F}"/>
+              </a:ext>
+            </a:extLst>
+          </p:cNvPr>
+          <p:cNvPicPr>
+            <a:picLocks noChangeAspect="1"/>
+          </p:cNvPicPr>
+          <p:nvPr/>
+        </p:nvPicPr>
+        <p:blipFill>
+          <a:blip r:embed="rId2">
+            <a:extLst>
+              <a:ext uri="{28A0092B-C50C-407E-A947-70E740481C1C}">
+                <a14:useLocalDpi xmlns:a14="http://schemas.microsoft.com/office/drawing/2010/main" val="0"/>
+              </a:ext>
+            </a:extLst>
+          </a:blip>
+          <a:stretch>
+            <a:fillRect/>
+          </a:stretch>
+        </p:blipFill>
+        <p:spPr>
+          <a:xfrm>
+            <a:off x="10534260" y="5102290"/>
+            <a:ext cx="1755710" cy="1755710"/>
+          </a:xfrm>
+          <a:prstGeom prst="rect">
+            <a:avLst/>
+          </a:prstGeom>
+        </p:spPr>
+      </p:pic>
+      <p:sp>
+        <p:nvSpPr>
+          <p:cNvPr id="32" name="Заголовок 1">
+            <a:extLst>
+              <a:ext uri="{FF2B5EF4-FFF2-40B4-BE49-F238E27FC236}">
+                <a16:creationId xmlns:a16="http://schemas.microsoft.com/office/drawing/2014/main" id="{1B9F5C3E-55BD-44E2-BC50-CCF2F7EBFC3C}"/>
+              </a:ext>
+            </a:extLst>
+          </p:cNvPr>
+          <p:cNvSpPr>
+            <a:spLocks noGrp="1"/>
+          </p:cNvSpPr>
+          <p:nvPr>
+            <p:ph type="ctrTitle"/>
+          </p:nvPr>
+        </p:nvSpPr>
+        <p:spPr>
+          <a:xfrm>
+            <a:off x="1181022" y="257275"/>
+            <a:ext cx="5560599" cy="2600225"/>
+          </a:xfrm>
+        </p:spPr>
+        <p:txBody>
+          <a:bodyPr>
+            <a:normAutofit/>
+          </a:bodyPr>
+          <a:lstStyle/>
+          <a:p>
+            <a:pPr algn="l"/>
+            <a:r>
+              <a:rPr lang="ru-RU" sz="3200" dirty="0">
+                <a:latin typeface="Segoe UI Black" panose="020B0A02040204020203" pitchFamily="34" charset="0"/>
+                <a:ea typeface="Segoe UI Black" panose="020B0A02040204020203" pitchFamily="34" charset="0"/>
+              </a:rPr>
+              <a:t>Код игры</a:t>
+            </a:r>
+            <a:r>
+              <a:rPr lang="en-US" sz="3200" dirty="0">
+                <a:latin typeface="Segoe UI Black" panose="020B0A02040204020203" pitchFamily="34" charset="0"/>
+                <a:ea typeface="Segoe UI Black" panose="020B0A02040204020203" pitchFamily="34" charset="0"/>
+              </a:rPr>
+              <a:t>:</a:t>
+            </a:r>
+            <a:r>
+              <a:rPr lang="ru-RU" sz="3200" dirty="0">
+                <a:latin typeface="Segoe UI Black" panose="020B0A02040204020203" pitchFamily="34" charset="0"/>
+                <a:ea typeface="Segoe UI Black" panose="020B0A02040204020203" pitchFamily="34" charset="0"/>
+              </a:rPr>
+              <a:t>Информация о прохождений уровней и настройки музыки и звуков сохраняются в </a:t>
+            </a:r>
+            <a:r>
+              <a:rPr lang="en-US" sz="3200" dirty="0">
+                <a:latin typeface="Segoe UI Black" panose="020B0A02040204020203" pitchFamily="34" charset="0"/>
+                <a:ea typeface="Segoe UI Black" panose="020B0A02040204020203" pitchFamily="34" charset="0"/>
+              </a:rPr>
+              <a:t>json </a:t>
+            </a:r>
+            <a:r>
+              <a:rPr lang="ru-RU" sz="3200" dirty="0">
+                <a:latin typeface="Segoe UI Black" panose="020B0A02040204020203" pitchFamily="34" charset="0"/>
+                <a:ea typeface="Segoe UI Black" panose="020B0A02040204020203" pitchFamily="34" charset="0"/>
+              </a:rPr>
+              <a:t>файлах.</a:t>
+            </a:r>
+          </a:p>
+        </p:txBody>
+      </p:sp>
+      <p:sp>
+        <p:nvSpPr>
+          <p:cNvPr id="28" name="Заголовок 1">
+            <a:extLst>
+              <a:ext uri="{FF2B5EF4-FFF2-40B4-BE49-F238E27FC236}">
+                <a16:creationId xmlns:a16="http://schemas.microsoft.com/office/drawing/2014/main" id="{C85B0532-EA5B-4993-B35F-53390A8DE337}"/>
+              </a:ext>
+            </a:extLst>
+          </p:cNvPr>
+          <p:cNvSpPr txBox="1">
+            <a:spLocks/>
+          </p:cNvSpPr>
+          <p:nvPr/>
+        </p:nvSpPr>
+        <p:spPr>
+          <a:xfrm>
+            <a:off x="208573" y="1491373"/>
+            <a:ext cx="5424814" cy="1493931"/>
+          </a:xfrm>
+          <a:prstGeom prst="rect">
+            <a:avLst/>
+          </a:prstGeom>
+        </p:spPr>
+        <p:txBody>
+          <a:bodyPr vert="horz" lIns="91440" tIns="45720" rIns="91440" bIns="45720" rtlCol="0" anchor="b">
+            <a:normAutofit/>
+          </a:bodyPr>
+          <a:lstStyle>
+            <a:lvl1pPr algn="ctr" defTabSz="914400" rtl="0" eaLnBrk="1" latinLnBrk="0" hangingPunct="1">
+              <a:lnSpc>
+                <a:spcPct val="90000"/>
+              </a:lnSpc>
+              <a:spcBef>
+                <a:spcPct val="0"/>
+              </a:spcBef>
+              <a:buNone/>
+              <a:defRPr sz="6000" kern="1200">
+                <a:solidFill>
+                  <a:schemeClr val="tx1"/>
+                </a:solidFill>
+                <a:latin typeface="+mj-lt"/>
+                <a:ea typeface="+mj-ea"/>
+                <a:cs typeface="+mj-cs"/>
+              </a:defRPr>
+            </a:lvl1pPr>
+          </a:lstStyle>
+          <a:p>
+            <a:pPr algn="l"/>
+            <a:endParaRPr lang="ru-RU" sz="3200" dirty="0">
+              <a:latin typeface="Segoe UI Black" panose="020B0A02040204020203" pitchFamily="34" charset="0"/>
+              <a:ea typeface="Segoe UI Black" panose="020B0A02040204020203" pitchFamily="34" charset="0"/>
+            </a:endParaRPr>
+          </a:p>
+        </p:txBody>
+      </p:sp>
+      <p:sp>
+        <p:nvSpPr>
+          <p:cNvPr id="29" name="Заголовок 1">
+            <a:extLst>
+              <a:ext uri="{FF2B5EF4-FFF2-40B4-BE49-F238E27FC236}">
+                <a16:creationId xmlns:a16="http://schemas.microsoft.com/office/drawing/2014/main" id="{BEC9D8A7-A262-411D-B47D-667323F94AA7}"/>
+              </a:ext>
+            </a:extLst>
+          </p:cNvPr>
+          <p:cNvSpPr txBox="1">
+            <a:spLocks/>
+          </p:cNvSpPr>
+          <p:nvPr/>
+        </p:nvSpPr>
+        <p:spPr>
+          <a:xfrm>
+            <a:off x="167103" y="1380274"/>
+            <a:ext cx="5560598" cy="3530800"/>
+          </a:xfrm>
+          <a:prstGeom prst="rect">
+            <a:avLst/>
+          </a:prstGeom>
+        </p:spPr>
+        <p:txBody>
+          <a:bodyPr vert="horz" lIns="91440" tIns="45720" rIns="91440" bIns="45720" rtlCol="0" anchor="b">
+            <a:normAutofit/>
+          </a:bodyPr>
+          <a:lstStyle>
+            <a:lvl1pPr algn="ctr" defTabSz="914400" rtl="0" eaLnBrk="1" latinLnBrk="0" hangingPunct="1">
+              <a:lnSpc>
+                <a:spcPct val="90000"/>
+              </a:lnSpc>
+              <a:spcBef>
+                <a:spcPct val="0"/>
+              </a:spcBef>
+              <a:buNone/>
+              <a:defRPr sz="6000" kern="1200">
+                <a:solidFill>
+                  <a:schemeClr val="tx1"/>
+                </a:solidFill>
+                <a:latin typeface="+mj-lt"/>
+                <a:ea typeface="+mj-ea"/>
+                <a:cs typeface="+mj-cs"/>
+              </a:defRPr>
+            </a:lvl1pPr>
+          </a:lstStyle>
+          <a:p>
+            <a:pPr algn="l"/>
+            <a:endParaRPr lang="ru-RU" sz="3200" dirty="0">
+              <a:latin typeface="Segoe UI Black" panose="020B0A02040204020203" pitchFamily="34" charset="0"/>
+              <a:ea typeface="Segoe UI Black" panose="020B0A02040204020203" pitchFamily="34" charset="0"/>
+            </a:endParaRPr>
+          </a:p>
+        </p:txBody>
+      </p:sp>
+      <p:sp>
+        <p:nvSpPr>
+          <p:cNvPr id="30" name="Заголовок 1">
+            <a:extLst>
+              <a:ext uri="{FF2B5EF4-FFF2-40B4-BE49-F238E27FC236}">
+                <a16:creationId xmlns:a16="http://schemas.microsoft.com/office/drawing/2014/main" id="{4A409146-D44D-460E-A38C-EDCF48D0B643}"/>
+              </a:ext>
+            </a:extLst>
+          </p:cNvPr>
+          <p:cNvSpPr txBox="1">
+            <a:spLocks/>
+          </p:cNvSpPr>
+          <p:nvPr/>
+        </p:nvSpPr>
+        <p:spPr>
+          <a:xfrm>
+            <a:off x="5206960" y="1757762"/>
+            <a:ext cx="5138127" cy="1493931"/>
+          </a:xfrm>
+          <a:prstGeom prst="rect">
+            <a:avLst/>
+          </a:prstGeom>
+        </p:spPr>
+        <p:txBody>
+          <a:bodyPr vert="horz" lIns="91440" tIns="45720" rIns="91440" bIns="45720" rtlCol="0" anchor="b">
+            <a:normAutofit/>
+          </a:bodyPr>
+          <a:lstStyle>
+            <a:lvl1pPr algn="ctr" defTabSz="914400" rtl="0" eaLnBrk="1" latinLnBrk="0" hangingPunct="1">
+              <a:lnSpc>
+                <a:spcPct val="90000"/>
+              </a:lnSpc>
+              <a:spcBef>
+                <a:spcPct val="0"/>
+              </a:spcBef>
+              <a:buNone/>
+              <a:defRPr sz="6000" kern="1200">
+                <a:solidFill>
+                  <a:schemeClr val="tx1"/>
+                </a:solidFill>
+                <a:latin typeface="+mj-lt"/>
+                <a:ea typeface="+mj-ea"/>
+                <a:cs typeface="+mj-cs"/>
+              </a:defRPr>
+            </a:lvl1pPr>
+          </a:lstStyle>
+          <a:p>
+            <a:pPr algn="l"/>
+            <a:endParaRPr lang="ru-RU" sz="3200" dirty="0">
+              <a:latin typeface="Segoe UI Black" panose="020B0A02040204020203" pitchFamily="34" charset="0"/>
+              <a:ea typeface="Segoe UI Black" panose="020B0A02040204020203" pitchFamily="34" charset="0"/>
+            </a:endParaRPr>
+          </a:p>
+        </p:txBody>
+      </p:sp>
+      <p:sp>
+        <p:nvSpPr>
+          <p:cNvPr id="31" name="Заголовок 1">
+            <a:extLst>
+              <a:ext uri="{FF2B5EF4-FFF2-40B4-BE49-F238E27FC236}">
+                <a16:creationId xmlns:a16="http://schemas.microsoft.com/office/drawing/2014/main" id="{65B9A986-AC00-47A3-A10F-C3A35AD345DA}"/>
+              </a:ext>
+            </a:extLst>
+          </p:cNvPr>
+          <p:cNvSpPr txBox="1">
+            <a:spLocks/>
+          </p:cNvSpPr>
+          <p:nvPr/>
+        </p:nvSpPr>
+        <p:spPr>
+          <a:xfrm>
+            <a:off x="211423" y="2632417"/>
+            <a:ext cx="5138127" cy="2371148"/>
+          </a:xfrm>
+          <a:prstGeom prst="rect">
+            <a:avLst/>
+          </a:prstGeom>
+        </p:spPr>
+        <p:txBody>
+          <a:bodyPr vert="horz" lIns="91440" tIns="45720" rIns="91440" bIns="45720" rtlCol="0" anchor="b">
+            <a:normAutofit/>
+          </a:bodyPr>
+          <a:lstStyle>
+            <a:lvl1pPr algn="ctr" defTabSz="914400" rtl="0" eaLnBrk="1" latinLnBrk="0" hangingPunct="1">
+              <a:lnSpc>
+                <a:spcPct val="90000"/>
+              </a:lnSpc>
+              <a:spcBef>
+                <a:spcPct val="0"/>
+              </a:spcBef>
+              <a:buNone/>
+              <a:defRPr sz="6000" kern="1200">
+                <a:solidFill>
+                  <a:schemeClr val="tx1"/>
+                </a:solidFill>
+                <a:latin typeface="+mj-lt"/>
+                <a:ea typeface="+mj-ea"/>
+                <a:cs typeface="+mj-cs"/>
+              </a:defRPr>
+            </a:lvl1pPr>
+          </a:lstStyle>
+          <a:p>
+            <a:pPr algn="l"/>
+            <a:endParaRPr lang="ru-RU" sz="3200" dirty="0">
+              <a:latin typeface="Segoe UI Black" panose="020B0A02040204020203" pitchFamily="34" charset="0"/>
+              <a:ea typeface="Segoe UI Black" panose="020B0A02040204020203" pitchFamily="34" charset="0"/>
+            </a:endParaRPr>
+          </a:p>
+        </p:txBody>
+      </p:sp>
+      <p:pic>
+        <p:nvPicPr>
+          <p:cNvPr id="6" name="Рисунок 5">
+            <a:extLst>
+              <a:ext uri="{FF2B5EF4-FFF2-40B4-BE49-F238E27FC236}">
+                <a16:creationId xmlns:a16="http://schemas.microsoft.com/office/drawing/2014/main" id="{AC6F28AF-67BF-4A42-8C80-B8788B4589F4}"/>
+              </a:ext>
+            </a:extLst>
+          </p:cNvPr>
+          <p:cNvPicPr>
+            <a:picLocks noChangeAspect="1"/>
+          </p:cNvPicPr>
+          <p:nvPr/>
+        </p:nvPicPr>
+        <p:blipFill>
+          <a:blip r:embed="rId3">
+            <a:extLst>
+              <a:ext uri="{28A0092B-C50C-407E-A947-70E740481C1C}">
+                <a14:useLocalDpi xmlns:a14="http://schemas.microsoft.com/office/drawing/2010/main" val="0"/>
+              </a:ext>
+            </a:extLst>
+          </a:blip>
+          <a:stretch>
+            <a:fillRect/>
+          </a:stretch>
+        </p:blipFill>
+        <p:spPr>
+          <a:xfrm>
+            <a:off x="-8271749" y="2455918"/>
+            <a:ext cx="6159018" cy="2680086"/>
+          </a:xfrm>
+          <a:prstGeom prst="rect">
+            <a:avLst/>
+          </a:prstGeom>
+          <a:ln w="88900" cap="sq" cmpd="thickThin">
+            <a:solidFill>
+              <a:srgbClr val="000000"/>
+            </a:solidFill>
+            <a:prstDash val="solid"/>
+            <a:miter lim="800000"/>
+          </a:ln>
+          <a:effectLst>
+            <a:innerShdw blurRad="76200">
+              <a:srgbClr val="000000"/>
+            </a:innerShdw>
+          </a:effectLst>
+        </p:spPr>
+      </p:pic>
+      <p:pic>
+        <p:nvPicPr>
+          <p:cNvPr id="13" name="Рисунок 12">
+            <a:extLst>
+              <a:ext uri="{FF2B5EF4-FFF2-40B4-BE49-F238E27FC236}">
+                <a16:creationId xmlns:a16="http://schemas.microsoft.com/office/drawing/2014/main" id="{80AE5AFB-6BDA-4CF1-8092-2D7884DD8711}"/>
+              </a:ext>
+            </a:extLst>
+          </p:cNvPr>
+          <p:cNvPicPr>
+            <a:picLocks noChangeAspect="1"/>
+          </p:cNvPicPr>
+          <p:nvPr/>
+        </p:nvPicPr>
+        <p:blipFill>
+          <a:blip r:embed="rId4">
+            <a:extLst>
+              <a:ext uri="{28A0092B-C50C-407E-A947-70E740481C1C}">
+                <a14:useLocalDpi xmlns:a14="http://schemas.microsoft.com/office/drawing/2010/main" val="0"/>
+              </a:ext>
+            </a:extLst>
+          </a:blip>
+          <a:stretch>
+            <a:fillRect/>
+          </a:stretch>
+        </p:blipFill>
+        <p:spPr>
+          <a:xfrm>
+            <a:off x="14191188" y="2985304"/>
+            <a:ext cx="1141698" cy="1141698"/>
+          </a:xfrm>
+          <a:prstGeom prst="rect">
+            <a:avLst/>
+          </a:prstGeom>
+        </p:spPr>
+      </p:pic>
+      <p:pic>
+        <p:nvPicPr>
+          <p:cNvPr id="22" name="Рисунок 21">
+            <a:extLst>
+              <a:ext uri="{FF2B5EF4-FFF2-40B4-BE49-F238E27FC236}">
+                <a16:creationId xmlns:a16="http://schemas.microsoft.com/office/drawing/2014/main" id="{8F78360D-2CC0-4916-8EB9-342FD8A65D07}"/>
+              </a:ext>
+            </a:extLst>
+          </p:cNvPr>
+          <p:cNvPicPr>
+            <a:picLocks noChangeAspect="1"/>
+          </p:cNvPicPr>
+          <p:nvPr/>
+        </p:nvPicPr>
+        <p:blipFill>
+          <a:blip r:embed="rId5">
+            <a:extLst>
+              <a:ext uri="{28A0092B-C50C-407E-A947-70E740481C1C}">
+                <a14:useLocalDpi xmlns:a14="http://schemas.microsoft.com/office/drawing/2010/main" val="0"/>
+              </a:ext>
+            </a:extLst>
+          </a:blip>
+          <a:stretch>
+            <a:fillRect/>
+          </a:stretch>
+        </p:blipFill>
+        <p:spPr>
+          <a:xfrm rot="7501070">
+            <a:off x="9124768" y="-1313909"/>
+            <a:ext cx="1141698" cy="1141698"/>
+          </a:xfrm>
+          <a:prstGeom prst="rect">
+            <a:avLst/>
+          </a:prstGeom>
+        </p:spPr>
+      </p:pic>
+      <p:pic>
+        <p:nvPicPr>
+          <p:cNvPr id="23" name="Рисунок 22">
+            <a:extLst>
+              <a:ext uri="{FF2B5EF4-FFF2-40B4-BE49-F238E27FC236}">
+                <a16:creationId xmlns:a16="http://schemas.microsoft.com/office/drawing/2014/main" id="{7CBCC461-51D7-489E-BBC3-5FC65BAE7BB5}"/>
+              </a:ext>
+            </a:extLst>
+          </p:cNvPr>
+          <p:cNvPicPr>
+            <a:picLocks noChangeAspect="1"/>
+          </p:cNvPicPr>
+          <p:nvPr/>
+        </p:nvPicPr>
+        <p:blipFill>
+          <a:blip r:embed="rId6"/>
+          <a:stretch>
+            <a:fillRect/>
+          </a:stretch>
+        </p:blipFill>
+        <p:spPr>
+          <a:xfrm>
+            <a:off x="7592082" y="-1416895"/>
+            <a:ext cx="1182464" cy="1182464"/>
+          </a:xfrm>
+          <a:prstGeom prst="rect">
+            <a:avLst/>
+          </a:prstGeom>
+        </p:spPr>
+      </p:pic>
+      <p:pic>
+        <p:nvPicPr>
+          <p:cNvPr id="24" name="Рисунок 23">
+            <a:extLst>
+              <a:ext uri="{FF2B5EF4-FFF2-40B4-BE49-F238E27FC236}">
+                <a16:creationId xmlns:a16="http://schemas.microsoft.com/office/drawing/2014/main" id="{50D627AB-B388-4DBC-91FF-2476BCE326F8}"/>
+              </a:ext>
+            </a:extLst>
+          </p:cNvPr>
+          <p:cNvPicPr>
+            <a:picLocks noChangeAspect="1"/>
+          </p:cNvPicPr>
+          <p:nvPr/>
+        </p:nvPicPr>
+        <p:blipFill>
+          <a:blip r:embed="rId7"/>
+          <a:stretch>
+            <a:fillRect/>
+          </a:stretch>
+        </p:blipFill>
+        <p:spPr>
+          <a:xfrm rot="16959366">
+            <a:off x="-1735066" y="3126019"/>
+            <a:ext cx="1182464" cy="1182464"/>
+          </a:xfrm>
+          <a:prstGeom prst="rect">
+            <a:avLst/>
+          </a:prstGeom>
+        </p:spPr>
+      </p:pic>
+      <p:pic>
+        <p:nvPicPr>
+          <p:cNvPr id="4" name="Рисунок 3">
+            <a:extLst>
+              <a:ext uri="{FF2B5EF4-FFF2-40B4-BE49-F238E27FC236}">
+                <a16:creationId xmlns:a16="http://schemas.microsoft.com/office/drawing/2014/main" id="{251229DC-81EF-495B-B07D-29D664EF51CD}"/>
+              </a:ext>
+            </a:extLst>
+          </p:cNvPr>
+          <p:cNvPicPr>
+            <a:picLocks noChangeAspect="1"/>
+          </p:cNvPicPr>
+          <p:nvPr/>
+        </p:nvPicPr>
+        <p:blipFill>
+          <a:blip r:embed="rId8">
+            <a:extLst>
+              <a:ext uri="{28A0092B-C50C-407E-A947-70E740481C1C}">
+                <a14:useLocalDpi xmlns:a14="http://schemas.microsoft.com/office/drawing/2010/main" val="0"/>
+              </a:ext>
+            </a:extLst>
+          </a:blip>
+          <a:stretch>
+            <a:fillRect/>
+          </a:stretch>
+        </p:blipFill>
+        <p:spPr>
+          <a:xfrm>
+            <a:off x="-4616521" y="1894596"/>
+            <a:ext cx="4258269" cy="2905530"/>
+          </a:xfrm>
+          <a:prstGeom prst="rect">
+            <a:avLst/>
+          </a:prstGeom>
+          <a:solidFill>
+            <a:srgbClr val="FFFFFF">
+              <a:shade val="85000"/>
+            </a:srgbClr>
+          </a:solidFill>
+          <a:ln w="88900" cap="sq">
+            <a:solidFill>
+              <a:srgbClr val="FFFFFF"/>
+            </a:solidFill>
+            <a:miter lim="800000"/>
+          </a:ln>
+          <a:effectLst>
+            <a:outerShdw blurRad="55000" dist="18000" dir="5400000" algn="tl" rotWithShape="0">
+              <a:srgbClr val="000000">
+                <a:alpha val="40000"/>
+              </a:srgbClr>
+            </a:outerShdw>
+          </a:effectLst>
+          <a:scene3d>
+            <a:camera prst="orthographicFront"/>
+            <a:lightRig rig="twoPt" dir="t">
+              <a:rot lat="0" lon="0" rev="7200000"/>
+            </a:lightRig>
+          </a:scene3d>
+          <a:sp3d>
+            <a:bevelT w="25400" h="19050"/>
+            <a:contourClr>
+              <a:srgbClr val="FFFFFF"/>
+            </a:contourClr>
+          </a:sp3d>
+        </p:spPr>
+      </p:pic>
+      <p:pic>
+        <p:nvPicPr>
+          <p:cNvPr id="10" name="Рисунок 9">
+            <a:extLst>
+              <a:ext uri="{FF2B5EF4-FFF2-40B4-BE49-F238E27FC236}">
+                <a16:creationId xmlns:a16="http://schemas.microsoft.com/office/drawing/2014/main" id="{A1AB91AE-85F7-4427-B460-844149367D1D}"/>
+              </a:ext>
+            </a:extLst>
+          </p:cNvPr>
+          <p:cNvPicPr>
+            <a:picLocks noChangeAspect="1"/>
+          </p:cNvPicPr>
+          <p:nvPr/>
+        </p:nvPicPr>
+        <p:blipFill>
+          <a:blip r:embed="rId9">
+            <a:extLst>
+              <a:ext uri="{28A0092B-C50C-407E-A947-70E740481C1C}">
+                <a14:useLocalDpi xmlns:a14="http://schemas.microsoft.com/office/drawing/2010/main" val="0"/>
+              </a:ext>
+            </a:extLst>
+          </a:blip>
+          <a:stretch>
+            <a:fillRect/>
+          </a:stretch>
+        </p:blipFill>
+        <p:spPr>
+          <a:xfrm>
+            <a:off x="13507689" y="1557387"/>
+            <a:ext cx="4467849" cy="1648055"/>
+          </a:xfrm>
+          <a:prstGeom prst="roundRect">
+            <a:avLst>
+              <a:gd name="adj" fmla="val 9732"/>
+            </a:avLst>
+          </a:prstGeom>
+          <a:ln>
+            <a:noFill/>
+          </a:ln>
+          <a:effectLst>
+            <a:outerShdw blurRad="76200" dist="38100" dir="7800000" algn="tl" rotWithShape="0">
+              <a:srgbClr val="000000">
+                <a:alpha val="40000"/>
+              </a:srgbClr>
+            </a:outerShdw>
+          </a:effectLst>
+          <a:scene3d>
+            <a:camera prst="orthographicFront"/>
+            <a:lightRig rig="contrasting" dir="t">
+              <a:rot lat="0" lon="0" rev="4200000"/>
+            </a:lightRig>
+          </a:scene3d>
+          <a:sp3d prstMaterial="plastic">
+            <a:bevelT w="381000" h="114300" prst="relaxedInset"/>
+            <a:contourClr>
+              <a:srgbClr val="969696"/>
+            </a:contourClr>
+          </a:sp3d>
+        </p:spPr>
+      </p:pic>
+      <p:sp>
+        <p:nvSpPr>
+          <p:cNvPr id="33" name="Заголовок 1">
+            <a:extLst>
+              <a:ext uri="{FF2B5EF4-FFF2-40B4-BE49-F238E27FC236}">
+                <a16:creationId xmlns:a16="http://schemas.microsoft.com/office/drawing/2014/main" id="{FBD068CA-69C5-4065-B19D-2F51F78B44CF}"/>
+              </a:ext>
+            </a:extLst>
+          </p:cNvPr>
+          <p:cNvSpPr txBox="1">
+            <a:spLocks/>
+          </p:cNvSpPr>
+          <p:nvPr/>
+        </p:nvSpPr>
+        <p:spPr>
+          <a:xfrm>
+            <a:off x="4817460" y="1365450"/>
+            <a:ext cx="3884985" cy="592153"/>
+          </a:xfrm>
+          <a:prstGeom prst="rect">
+            <a:avLst/>
+          </a:prstGeom>
+        </p:spPr>
+        <p:txBody>
+          <a:bodyPr vert="horz" lIns="91440" tIns="45720" rIns="91440" bIns="45720" rtlCol="0" anchor="b">
+            <a:normAutofit fontScale="97500"/>
+          </a:bodyPr>
+          <a:lstStyle>
+            <a:lvl1pPr algn="ctr" defTabSz="914400" rtl="0" eaLnBrk="1" latinLnBrk="0" hangingPunct="1">
+              <a:lnSpc>
+                <a:spcPct val="90000"/>
+              </a:lnSpc>
+              <a:spcBef>
+                <a:spcPct val="0"/>
+              </a:spcBef>
+              <a:buNone/>
+              <a:defRPr sz="6000" kern="1200">
+                <a:solidFill>
+                  <a:schemeClr val="tx1"/>
+                </a:solidFill>
+                <a:latin typeface="+mj-lt"/>
+                <a:ea typeface="+mj-ea"/>
+                <a:cs typeface="+mj-cs"/>
+              </a:defRPr>
+            </a:lvl1pPr>
+          </a:lstStyle>
+          <a:p>
+            <a:pPr algn="l"/>
+            <a:endParaRPr lang="ru-RU" sz="3200" dirty="0">
+              <a:latin typeface="Segoe UI Black" panose="020B0A02040204020203" pitchFamily="34" charset="0"/>
+              <a:ea typeface="Segoe UI Black" panose="020B0A02040204020203" pitchFamily="34" charset="0"/>
+            </a:endParaRPr>
+          </a:p>
+        </p:txBody>
+      </p:sp>
+      <p:pic>
+        <p:nvPicPr>
+          <p:cNvPr id="12" name="Рисунок 11">
+            <a:extLst>
+              <a:ext uri="{FF2B5EF4-FFF2-40B4-BE49-F238E27FC236}">
+                <a16:creationId xmlns:a16="http://schemas.microsoft.com/office/drawing/2014/main" id="{30EC43B8-DE24-4C05-83ED-522E2C17BB56}"/>
+              </a:ext>
+            </a:extLst>
+          </p:cNvPr>
+          <p:cNvPicPr>
+            <a:picLocks noChangeAspect="1"/>
+          </p:cNvPicPr>
+          <p:nvPr/>
+        </p:nvPicPr>
+        <p:blipFill>
+          <a:blip r:embed="rId10">
+            <a:extLst>
+              <a:ext uri="{28A0092B-C50C-407E-A947-70E740481C1C}">
+                <a14:useLocalDpi xmlns:a14="http://schemas.microsoft.com/office/drawing/2010/main" val="0"/>
+              </a:ext>
+            </a:extLst>
+          </a:blip>
+          <a:stretch>
+            <a:fillRect/>
+          </a:stretch>
+        </p:blipFill>
+        <p:spPr>
+          <a:xfrm>
+            <a:off x="13329015" y="3717251"/>
+            <a:ext cx="4334480" cy="1171739"/>
+          </a:xfrm>
+          <a:prstGeom prst="rect">
+            <a:avLst/>
+          </a:prstGeom>
+        </p:spPr>
+      </p:pic>
+      <p:sp>
+        <p:nvSpPr>
+          <p:cNvPr id="36" name="Заголовок 1">
+            <a:extLst>
+              <a:ext uri="{FF2B5EF4-FFF2-40B4-BE49-F238E27FC236}">
+                <a16:creationId xmlns:a16="http://schemas.microsoft.com/office/drawing/2014/main" id="{FDCC15B0-667C-46BB-842D-41A493703025}"/>
+              </a:ext>
+            </a:extLst>
+          </p:cNvPr>
+          <p:cNvSpPr txBox="1">
+            <a:spLocks/>
+          </p:cNvSpPr>
+          <p:nvPr/>
+        </p:nvSpPr>
+        <p:spPr>
+          <a:xfrm>
+            <a:off x="-2799274" y="5243829"/>
+            <a:ext cx="1898069" cy="592153"/>
+          </a:xfrm>
+          <a:prstGeom prst="rect">
+            <a:avLst/>
+          </a:prstGeom>
+        </p:spPr>
+        <p:txBody>
+          <a:bodyPr vert="horz" lIns="91440" tIns="45720" rIns="91440" bIns="45720" rtlCol="0" anchor="b">
+            <a:normAutofit fontScale="67500" lnSpcReduction="20000"/>
+          </a:bodyPr>
+          <a:lstStyle>
+            <a:lvl1pPr algn="ctr" defTabSz="914400" rtl="0" eaLnBrk="1" latinLnBrk="0" hangingPunct="1">
+              <a:lnSpc>
+                <a:spcPct val="90000"/>
+              </a:lnSpc>
+              <a:spcBef>
+                <a:spcPct val="0"/>
+              </a:spcBef>
+              <a:buNone/>
+              <a:defRPr sz="6000" kern="1200">
+                <a:solidFill>
+                  <a:schemeClr val="tx1"/>
+                </a:solidFill>
+                <a:latin typeface="+mj-lt"/>
+                <a:ea typeface="+mj-ea"/>
+                <a:cs typeface="+mj-cs"/>
+              </a:defRPr>
+            </a:lvl1pPr>
+          </a:lstStyle>
+          <a:p>
+            <a:pPr algn="l"/>
+            <a:r>
+              <a:rPr lang="ru-RU" sz="3200" dirty="0">
+                <a:latin typeface="Segoe UI Black" panose="020B0A02040204020203" pitchFamily="34" charset="0"/>
+                <a:ea typeface="Segoe UI Black" panose="020B0A02040204020203" pitchFamily="34" charset="0"/>
+              </a:rPr>
+              <a:t>Базовые параметры</a:t>
+            </a:r>
+            <a:r>
+              <a:rPr lang="en-US" sz="3200" dirty="0">
+                <a:latin typeface="Segoe UI Black" panose="020B0A02040204020203" pitchFamily="34" charset="0"/>
+                <a:ea typeface="Segoe UI Black" panose="020B0A02040204020203" pitchFamily="34" charset="0"/>
+              </a:rPr>
+              <a:t>:</a:t>
+            </a:r>
+            <a:endParaRPr lang="ru-RU" sz="3200" dirty="0">
+              <a:latin typeface="Segoe UI Black" panose="020B0A02040204020203" pitchFamily="34" charset="0"/>
+              <a:ea typeface="Segoe UI Black" panose="020B0A02040204020203" pitchFamily="34" charset="0"/>
+            </a:endParaRPr>
+          </a:p>
+        </p:txBody>
+      </p:sp>
+      <p:sp>
+        <p:nvSpPr>
+          <p:cNvPr id="2" name="Левая фигурная скобка 1">
+            <a:extLst>
+              <a:ext uri="{FF2B5EF4-FFF2-40B4-BE49-F238E27FC236}">
+                <a16:creationId xmlns:a16="http://schemas.microsoft.com/office/drawing/2014/main" id="{96A26750-B233-4F98-AFEB-DF2FFA0FDB00}"/>
+              </a:ext>
+            </a:extLst>
+          </p:cNvPr>
+          <p:cNvSpPr/>
+          <p:nvPr/>
+        </p:nvSpPr>
+        <p:spPr>
+          <a:xfrm>
+            <a:off x="611347" y="320399"/>
+            <a:ext cx="762786" cy="2756704"/>
+          </a:xfrm>
+          <a:prstGeom prst="leftBrace">
+            <a:avLst>
+              <a:gd name="adj1" fmla="val 53287"/>
+              <a:gd name="adj2" fmla="val 50000"/>
+            </a:avLst>
+          </a:prstGeom>
+          <a:ln w="76200">
+            <a:solidFill>
+              <a:srgbClr val="7030A0"/>
+            </a:solidFill>
+          </a:ln>
+        </p:spPr>
+        <p:style>
+          <a:lnRef idx="1">
+            <a:schemeClr val="accent1"/>
+          </a:lnRef>
+          <a:fillRef idx="0">
+            <a:schemeClr val="accent1"/>
+          </a:fillRef>
+          <a:effectRef idx="0">
+            <a:schemeClr val="accent1"/>
+          </a:effectRef>
+          <a:fontRef idx="minor">
+            <a:schemeClr val="tx1"/>
+          </a:fontRef>
+        </p:style>
+        <p:txBody>
+          <a:bodyPr rtlCol="0" anchor="ctr"/>
+          <a:lstStyle/>
+          <a:p>
+            <a:pPr algn="ctr"/>
+            <a:endParaRPr lang="ru-RU"/>
+          </a:p>
+        </p:txBody>
+      </p:sp>
+      <p:sp>
+        <p:nvSpPr>
+          <p:cNvPr id="25" name="Левая фигурная скобка 24">
+            <a:extLst>
+              <a:ext uri="{FF2B5EF4-FFF2-40B4-BE49-F238E27FC236}">
+                <a16:creationId xmlns:a16="http://schemas.microsoft.com/office/drawing/2014/main" id="{715177C0-3304-4512-904C-9CE0BFD4265E}"/>
+              </a:ext>
+            </a:extLst>
+          </p:cNvPr>
+          <p:cNvSpPr/>
+          <p:nvPr/>
+        </p:nvSpPr>
+        <p:spPr>
+          <a:xfrm flipH="1">
+            <a:off x="6426136" y="310513"/>
+            <a:ext cx="509562" cy="2756704"/>
+          </a:xfrm>
+          <a:prstGeom prst="leftBrace">
+            <a:avLst>
+              <a:gd name="adj1" fmla="val 53287"/>
+              <a:gd name="adj2" fmla="val 50000"/>
+            </a:avLst>
+          </a:prstGeom>
+          <a:ln w="76200">
+            <a:solidFill>
+              <a:srgbClr val="7030A0"/>
+            </a:solidFill>
+          </a:ln>
+        </p:spPr>
+        <p:style>
+          <a:lnRef idx="1">
+            <a:schemeClr val="accent1"/>
+          </a:lnRef>
+          <a:fillRef idx="0">
+            <a:schemeClr val="accent1"/>
+          </a:fillRef>
+          <a:effectRef idx="0">
+            <a:schemeClr val="accent1"/>
+          </a:effectRef>
+          <a:fontRef idx="minor">
+            <a:schemeClr val="tx1"/>
+          </a:fontRef>
+        </p:style>
+        <p:txBody>
+          <a:bodyPr rtlCol="0" anchor="ctr"/>
+          <a:lstStyle/>
+          <a:p>
+            <a:pPr algn="ctr"/>
+            <a:endParaRPr lang="ru-RU"/>
+          </a:p>
+        </p:txBody>
+      </p:sp>
+      <p:pic>
+        <p:nvPicPr>
+          <p:cNvPr id="5" name="Рисунок 4">
+            <a:extLst>
+              <a:ext uri="{FF2B5EF4-FFF2-40B4-BE49-F238E27FC236}">
+                <a16:creationId xmlns:a16="http://schemas.microsoft.com/office/drawing/2014/main" id="{75E4A81A-2D19-4975-BF90-34413CD630B6}"/>
+              </a:ext>
+            </a:extLst>
+          </p:cNvPr>
+          <p:cNvPicPr>
+            <a:picLocks noChangeAspect="1"/>
+          </p:cNvPicPr>
+          <p:nvPr/>
+        </p:nvPicPr>
+        <p:blipFill>
+          <a:blip r:embed="rId11">
+            <a:extLst>
+              <a:ext uri="{28A0092B-C50C-407E-A947-70E740481C1C}">
+                <a14:useLocalDpi xmlns:a14="http://schemas.microsoft.com/office/drawing/2010/main" val="0"/>
+              </a:ext>
+            </a:extLst>
+          </a:blip>
+          <a:stretch>
+            <a:fillRect/>
+          </a:stretch>
+        </p:blipFill>
+        <p:spPr>
+          <a:xfrm>
+            <a:off x="8794879" y="171562"/>
+            <a:ext cx="1842972" cy="4930975"/>
+          </a:xfrm>
+          <a:prstGeom prst="roundRect">
+            <a:avLst>
+              <a:gd name="adj" fmla="val 16667"/>
+            </a:avLst>
+          </a:prstGeom>
+          <a:ln>
+            <a:noFill/>
+          </a:ln>
+          <a:effectLst>
+            <a:outerShdw blurRad="76200" dist="38100" dir="7800000" algn="tl" rotWithShape="0">
+              <a:srgbClr val="000000">
+                <a:alpha val="40000"/>
+              </a:srgbClr>
+            </a:outerShdw>
+          </a:effectLst>
+          <a:scene3d>
+            <a:camera prst="orthographicFront"/>
+            <a:lightRig rig="contrasting" dir="t">
+              <a:rot lat="0" lon="0" rev="4200000"/>
+            </a:lightRig>
+          </a:scene3d>
+          <a:sp3d prstMaterial="plastic">
+            <a:bevelT w="381000" h="114300" prst="relaxedInset"/>
+            <a:contourClr>
+              <a:srgbClr val="969696"/>
+            </a:contourClr>
+          </a:sp3d>
+        </p:spPr>
+      </p:pic>
+      <p:sp>
+        <p:nvSpPr>
+          <p:cNvPr id="34" name="Левая фигурная скобка 33">
+            <a:extLst>
+              <a:ext uri="{FF2B5EF4-FFF2-40B4-BE49-F238E27FC236}">
+                <a16:creationId xmlns:a16="http://schemas.microsoft.com/office/drawing/2014/main" id="{5EE2DC62-E699-4FB9-B539-43B68C4C0EC5}"/>
+              </a:ext>
+            </a:extLst>
+          </p:cNvPr>
+          <p:cNvSpPr/>
+          <p:nvPr/>
+        </p:nvSpPr>
+        <p:spPr>
+          <a:xfrm flipH="1">
+            <a:off x="10770781" y="228599"/>
+            <a:ext cx="509562" cy="4872961"/>
+          </a:xfrm>
+          <a:prstGeom prst="leftBrace">
+            <a:avLst>
+              <a:gd name="adj1" fmla="val 53287"/>
+              <a:gd name="adj2" fmla="val 50000"/>
+            </a:avLst>
+          </a:prstGeom>
+          <a:ln w="76200">
+            <a:solidFill>
+              <a:srgbClr val="7030A0"/>
+            </a:solidFill>
+          </a:ln>
+        </p:spPr>
+        <p:style>
+          <a:lnRef idx="1">
+            <a:schemeClr val="accent1"/>
+          </a:lnRef>
+          <a:fillRef idx="0">
+            <a:schemeClr val="accent1"/>
+          </a:fillRef>
+          <a:effectRef idx="0">
+            <a:schemeClr val="accent1"/>
+          </a:effectRef>
+          <a:fontRef idx="minor">
+            <a:schemeClr val="tx1"/>
+          </a:fontRef>
+        </p:style>
+        <p:txBody>
+          <a:bodyPr rtlCol="0" anchor="ctr"/>
+          <a:lstStyle/>
+          <a:p>
+            <a:pPr algn="ctr"/>
+            <a:endParaRPr lang="ru-RU"/>
+          </a:p>
+        </p:txBody>
+      </p:sp>
+      <p:sp>
+        <p:nvSpPr>
+          <p:cNvPr id="35" name="Левая фигурная скобка 34">
+            <a:extLst>
+              <a:ext uri="{FF2B5EF4-FFF2-40B4-BE49-F238E27FC236}">
+                <a16:creationId xmlns:a16="http://schemas.microsoft.com/office/drawing/2014/main" id="{736D4CF2-8BCE-40A3-B5A1-CC4007A2F520}"/>
+              </a:ext>
+            </a:extLst>
+          </p:cNvPr>
+          <p:cNvSpPr/>
+          <p:nvPr/>
+        </p:nvSpPr>
+        <p:spPr>
+          <a:xfrm>
+            <a:off x="7877675" y="228599"/>
+            <a:ext cx="664354" cy="4872961"/>
+          </a:xfrm>
+          <a:prstGeom prst="leftBrace">
+            <a:avLst>
+              <a:gd name="adj1" fmla="val 53287"/>
+              <a:gd name="adj2" fmla="val 50000"/>
+            </a:avLst>
+          </a:prstGeom>
+          <a:ln w="76200">
+            <a:solidFill>
+              <a:srgbClr val="7030A0"/>
+            </a:solidFill>
+          </a:ln>
+        </p:spPr>
+        <p:style>
+          <a:lnRef idx="1">
+            <a:schemeClr val="accent1"/>
+          </a:lnRef>
+          <a:fillRef idx="0">
+            <a:schemeClr val="accent1"/>
+          </a:fillRef>
+          <a:effectRef idx="0">
+            <a:schemeClr val="accent1"/>
+          </a:effectRef>
+          <a:fontRef idx="minor">
+            <a:schemeClr val="tx1"/>
+          </a:fontRef>
+        </p:style>
+        <p:txBody>
+          <a:bodyPr rtlCol="0" anchor="ctr"/>
+          <a:lstStyle/>
+          <a:p>
+            <a:pPr algn="ctr"/>
+            <a:endParaRPr lang="ru-RU"/>
+          </a:p>
+        </p:txBody>
+      </p:sp>
+      <p:pic>
+        <p:nvPicPr>
+          <p:cNvPr id="8" name="Рисунок 7">
+            <a:extLst>
+              <a:ext uri="{FF2B5EF4-FFF2-40B4-BE49-F238E27FC236}">
+                <a16:creationId xmlns:a16="http://schemas.microsoft.com/office/drawing/2014/main" id="{B7641633-E4B6-4C03-A78E-4E4CF530E56F}"/>
+              </a:ext>
+            </a:extLst>
+          </p:cNvPr>
+          <p:cNvPicPr>
+            <a:picLocks noChangeAspect="1"/>
+          </p:cNvPicPr>
+          <p:nvPr/>
+        </p:nvPicPr>
+        <p:blipFill>
+          <a:blip r:embed="rId12">
+            <a:extLst>
+              <a:ext uri="{28A0092B-C50C-407E-A947-70E740481C1C}">
+                <a14:useLocalDpi xmlns:a14="http://schemas.microsoft.com/office/drawing/2010/main" val="0"/>
+              </a:ext>
+            </a:extLst>
+          </a:blip>
+          <a:stretch>
+            <a:fillRect/>
+          </a:stretch>
+        </p:blipFill>
+        <p:spPr>
+          <a:xfrm>
+            <a:off x="2887407" y="3821361"/>
+            <a:ext cx="1958623" cy="905001"/>
+          </a:xfrm>
+          <a:prstGeom prst="rect">
+            <a:avLst/>
+          </a:prstGeom>
+        </p:spPr>
+      </p:pic>
+      <p:sp>
+        <p:nvSpPr>
+          <p:cNvPr id="37" name="Левая фигурная скобка 36">
+            <a:extLst>
+              <a:ext uri="{FF2B5EF4-FFF2-40B4-BE49-F238E27FC236}">
+                <a16:creationId xmlns:a16="http://schemas.microsoft.com/office/drawing/2014/main" id="{25A951DC-D28D-4862-B2DA-A3745553DB5E}"/>
+              </a:ext>
+            </a:extLst>
+          </p:cNvPr>
+          <p:cNvSpPr/>
+          <p:nvPr/>
+        </p:nvSpPr>
+        <p:spPr>
+          <a:xfrm flipH="1">
+            <a:off x="4981907" y="3776376"/>
+            <a:ext cx="509562" cy="994969"/>
+          </a:xfrm>
+          <a:prstGeom prst="leftBrace">
+            <a:avLst>
+              <a:gd name="adj1" fmla="val 53287"/>
+              <a:gd name="adj2" fmla="val 50000"/>
+            </a:avLst>
+          </a:prstGeom>
+          <a:ln w="76200">
+            <a:solidFill>
+              <a:srgbClr val="7030A0"/>
+            </a:solidFill>
+          </a:ln>
+        </p:spPr>
+        <p:style>
+          <a:lnRef idx="1">
+            <a:schemeClr val="accent1"/>
+          </a:lnRef>
+          <a:fillRef idx="0">
+            <a:schemeClr val="accent1"/>
+          </a:fillRef>
+          <a:effectRef idx="0">
+            <a:schemeClr val="accent1"/>
+          </a:effectRef>
+          <a:fontRef idx="minor">
+            <a:schemeClr val="tx1"/>
+          </a:fontRef>
+        </p:style>
+        <p:txBody>
+          <a:bodyPr rtlCol="0" anchor="ctr"/>
+          <a:lstStyle/>
+          <a:p>
+            <a:pPr algn="ctr"/>
+            <a:endParaRPr lang="ru-RU"/>
+          </a:p>
+        </p:txBody>
+      </p:sp>
+      <p:sp>
+        <p:nvSpPr>
+          <p:cNvPr id="38" name="Левая фигурная скобка 37">
+            <a:extLst>
+              <a:ext uri="{FF2B5EF4-FFF2-40B4-BE49-F238E27FC236}">
+                <a16:creationId xmlns:a16="http://schemas.microsoft.com/office/drawing/2014/main" id="{4D056F7C-AA31-4773-A3E9-DCD3056BB963}"/>
+              </a:ext>
+            </a:extLst>
+          </p:cNvPr>
+          <p:cNvSpPr/>
+          <p:nvPr/>
+        </p:nvSpPr>
+        <p:spPr>
+          <a:xfrm>
+            <a:off x="2291270" y="3776376"/>
+            <a:ext cx="452131" cy="994969"/>
+          </a:xfrm>
+          <a:prstGeom prst="leftBrace">
+            <a:avLst>
+              <a:gd name="adj1" fmla="val 53287"/>
+              <a:gd name="adj2" fmla="val 50000"/>
+            </a:avLst>
+          </a:prstGeom>
+          <a:ln w="76200">
+            <a:solidFill>
+              <a:srgbClr val="7030A0"/>
+            </a:solidFill>
+          </a:ln>
+        </p:spPr>
+        <p:style>
+          <a:lnRef idx="1">
+            <a:schemeClr val="accent1"/>
+          </a:lnRef>
+          <a:fillRef idx="0">
+            <a:schemeClr val="accent1"/>
+          </a:fillRef>
+          <a:effectRef idx="0">
+            <a:schemeClr val="accent1"/>
+          </a:effectRef>
+          <a:fontRef idx="minor">
+            <a:schemeClr val="tx1"/>
+          </a:fontRef>
+        </p:style>
+        <p:txBody>
+          <a:bodyPr rtlCol="0" anchor="ctr"/>
+          <a:lstStyle/>
+          <a:p>
+            <a:pPr algn="ctr"/>
+            <a:endParaRPr lang="ru-RU"/>
+          </a:p>
+        </p:txBody>
+      </p:sp>
+      <p:sp>
+        <p:nvSpPr>
+          <p:cNvPr id="39" name="Левая фигурная скобка 38">
+            <a:extLst>
+              <a:ext uri="{FF2B5EF4-FFF2-40B4-BE49-F238E27FC236}">
+                <a16:creationId xmlns:a16="http://schemas.microsoft.com/office/drawing/2014/main" id="{AEEFB29B-355D-4BCE-A919-9634DA36AD79}"/>
+              </a:ext>
+            </a:extLst>
+          </p:cNvPr>
+          <p:cNvSpPr/>
+          <p:nvPr/>
+        </p:nvSpPr>
+        <p:spPr>
+          <a:xfrm>
+            <a:off x="-189078" y="52022"/>
+            <a:ext cx="762786" cy="4951543"/>
+          </a:xfrm>
+          <a:prstGeom prst="leftBrace">
+            <a:avLst>
+              <a:gd name="adj1" fmla="val 53287"/>
+              <a:gd name="adj2" fmla="val 50000"/>
+            </a:avLst>
+          </a:prstGeom>
+          <a:ln w="76200">
+            <a:solidFill>
+              <a:srgbClr val="002060"/>
+            </a:solidFill>
+          </a:ln>
+        </p:spPr>
+        <p:style>
+          <a:lnRef idx="1">
+            <a:schemeClr val="accent1"/>
+          </a:lnRef>
+          <a:fillRef idx="0">
+            <a:schemeClr val="accent1"/>
+          </a:fillRef>
+          <a:effectRef idx="0">
+            <a:schemeClr val="accent1"/>
+          </a:effectRef>
+          <a:fontRef idx="minor">
+            <a:schemeClr val="tx1"/>
+          </a:fontRef>
+        </p:style>
+        <p:txBody>
+          <a:bodyPr rtlCol="0" anchor="ctr"/>
+          <a:lstStyle/>
+          <a:p>
+            <a:pPr algn="ctr"/>
+            <a:endParaRPr lang="ru-RU"/>
+          </a:p>
+        </p:txBody>
+      </p:sp>
+      <p:sp>
+        <p:nvSpPr>
+          <p:cNvPr id="40" name="Левая фигурная скобка 39">
+            <a:extLst>
+              <a:ext uri="{FF2B5EF4-FFF2-40B4-BE49-F238E27FC236}">
+                <a16:creationId xmlns:a16="http://schemas.microsoft.com/office/drawing/2014/main" id="{163C5297-C4BF-4A10-8DDD-24DCD528E0B3}"/>
+              </a:ext>
+            </a:extLst>
+          </p:cNvPr>
+          <p:cNvSpPr/>
+          <p:nvPr/>
+        </p:nvSpPr>
+        <p:spPr>
+          <a:xfrm flipH="1">
+            <a:off x="11684187" y="52022"/>
+            <a:ext cx="598492" cy="4951543"/>
+          </a:xfrm>
+          <a:prstGeom prst="leftBrace">
+            <a:avLst>
+              <a:gd name="adj1" fmla="val 53287"/>
+              <a:gd name="adj2" fmla="val 50000"/>
+            </a:avLst>
+          </a:prstGeom>
+          <a:ln w="76200">
+            <a:solidFill>
+              <a:srgbClr val="002060"/>
+            </a:solidFill>
+          </a:ln>
+        </p:spPr>
+        <p:style>
+          <a:lnRef idx="1">
+            <a:schemeClr val="accent1"/>
+          </a:lnRef>
+          <a:fillRef idx="0">
+            <a:schemeClr val="accent1"/>
+          </a:fillRef>
+          <a:effectRef idx="0">
+            <a:schemeClr val="accent1"/>
+          </a:effectRef>
+          <a:fontRef idx="minor">
+            <a:schemeClr val="tx1"/>
+          </a:fontRef>
+        </p:style>
+        <p:txBody>
+          <a:bodyPr rtlCol="0" anchor="ctr"/>
+          <a:lstStyle/>
+          <a:p>
+            <a:pPr algn="ctr"/>
+            <a:endParaRPr lang="ru-RU"/>
+          </a:p>
+        </p:txBody>
+      </p:sp>
+      <p:sp>
+        <p:nvSpPr>
+          <p:cNvPr id="41" name="Заголовок 1">
+            <a:extLst>
+              <a:ext uri="{FF2B5EF4-FFF2-40B4-BE49-F238E27FC236}">
+                <a16:creationId xmlns:a16="http://schemas.microsoft.com/office/drawing/2014/main" id="{4D48434D-4331-4353-A22D-532A784EC30D}"/>
+              </a:ext>
+            </a:extLst>
+          </p:cNvPr>
+          <p:cNvSpPr txBox="1">
+            <a:spLocks/>
+          </p:cNvSpPr>
+          <p:nvPr/>
+        </p:nvSpPr>
+        <p:spPr>
+          <a:xfrm>
+            <a:off x="4289044" y="2886400"/>
+            <a:ext cx="2261469" cy="435157"/>
+          </a:xfrm>
+          <a:prstGeom prst="rect">
+            <a:avLst/>
+          </a:prstGeom>
+        </p:spPr>
+        <p:txBody>
+          <a:bodyPr vert="horz" lIns="91440" tIns="45720" rIns="91440" bIns="45720" rtlCol="0" anchor="b">
+            <a:normAutofit fontScale="32500" lnSpcReduction="20000"/>
+          </a:bodyPr>
+          <a:lstStyle>
+            <a:lvl1pPr algn="ctr" defTabSz="914400" rtl="0" eaLnBrk="1" latinLnBrk="0" hangingPunct="1">
+              <a:lnSpc>
+                <a:spcPct val="90000"/>
+              </a:lnSpc>
+              <a:spcBef>
+                <a:spcPct val="0"/>
+              </a:spcBef>
+              <a:buNone/>
+              <a:defRPr sz="6000" kern="1200">
+                <a:solidFill>
+                  <a:schemeClr val="tx1"/>
+                </a:solidFill>
+                <a:latin typeface="+mj-lt"/>
+                <a:ea typeface="+mj-ea"/>
+                <a:cs typeface="+mj-cs"/>
+              </a:defRPr>
+            </a:lvl1pPr>
+          </a:lstStyle>
+          <a:p>
+            <a:pPr algn="l"/>
+            <a:r>
+              <a:rPr lang="ru-RU" sz="3200" dirty="0">
+                <a:latin typeface="Segoe UI Black" panose="020B0A02040204020203" pitchFamily="34" charset="0"/>
+                <a:ea typeface="Segoe UI Black" panose="020B0A02040204020203" pitchFamily="34" charset="0"/>
+              </a:rPr>
+              <a:t>Записывается только лучший результат прохождения</a:t>
+            </a:r>
+          </a:p>
+        </p:txBody>
+      </p:sp>
+      <p:sp>
+        <p:nvSpPr>
+          <p:cNvPr id="42" name="Заголовок 1">
+            <a:extLst>
+              <a:ext uri="{FF2B5EF4-FFF2-40B4-BE49-F238E27FC236}">
+                <a16:creationId xmlns:a16="http://schemas.microsoft.com/office/drawing/2014/main" id="{4EDAAAE6-6811-4E97-82F6-C6A110E46AB0}"/>
+              </a:ext>
+            </a:extLst>
+          </p:cNvPr>
+          <p:cNvSpPr txBox="1">
+            <a:spLocks/>
+          </p:cNvSpPr>
+          <p:nvPr/>
+        </p:nvSpPr>
+        <p:spPr>
+          <a:xfrm>
+            <a:off x="4118450" y="2987863"/>
+            <a:ext cx="2261469" cy="435157"/>
+          </a:xfrm>
+          <a:prstGeom prst="rect">
+            <a:avLst/>
+          </a:prstGeom>
+        </p:spPr>
+        <p:txBody>
+          <a:bodyPr vert="horz" lIns="91440" tIns="45720" rIns="91440" bIns="45720" rtlCol="0" anchor="b">
+            <a:normAutofit fontScale="92500" lnSpcReduction="20000"/>
+          </a:bodyPr>
+          <a:lstStyle>
+            <a:lvl1pPr algn="ctr" defTabSz="914400" rtl="0" eaLnBrk="1" latinLnBrk="0" hangingPunct="1">
+              <a:lnSpc>
+                <a:spcPct val="90000"/>
+              </a:lnSpc>
+              <a:spcBef>
+                <a:spcPct val="0"/>
+              </a:spcBef>
+              <a:buNone/>
+              <a:defRPr sz="6000" kern="1200">
+                <a:solidFill>
+                  <a:schemeClr val="tx1"/>
+                </a:solidFill>
+                <a:latin typeface="+mj-lt"/>
+                <a:ea typeface="+mj-ea"/>
+                <a:cs typeface="+mj-cs"/>
+              </a:defRPr>
+            </a:lvl1pPr>
+          </a:lstStyle>
+          <a:p>
+            <a:pPr algn="l"/>
+            <a:r>
+              <a:rPr lang="ru-RU" sz="3200" dirty="0">
+                <a:latin typeface="Segoe UI Black" panose="020B0A02040204020203" pitchFamily="34" charset="0"/>
+                <a:ea typeface="Segoe UI Black" panose="020B0A02040204020203" pitchFamily="34" charset="0"/>
+              </a:rPr>
+              <a:t>*</a:t>
+            </a:r>
+          </a:p>
+        </p:txBody>
+      </p:sp>
+    </p:spTree>
+    <p:extLst>
+      <p:ext uri="{BB962C8B-B14F-4D97-AF65-F5344CB8AC3E}">
+        <p14:creationId xmlns:p14="http://schemas.microsoft.com/office/powerpoint/2010/main" val="241737070"/>
+      </p:ext>
+    </p:extLst>
+  </p:cSld>
+  <p:clrMapOvr>
+    <a:masterClrMapping/>
+  </p:clrMapOvr>
+  <mc:AlternateContent xmlns:mc="http://schemas.openxmlformats.org/markup-compatibility/2006" xmlns:p159="http://schemas.microsoft.com/office/powerpoint/2015/09/main">
+    <mc:Choice Requires="p159">
+      <p:transition xmlns:p14="http://schemas.microsoft.com/office/powerpoint/2010/main" spd="slow" p14:dur="2000">
+        <p159:morph option="byObject"/>
+      </p:transition>
+    </mc:Choice>
+    <mc:Fallback xmlns="">
+      <p:transition spd="slow">
+        <p:fade/>
+      </p:transition>
+    </mc:Fallback>
+  </mc:AlternateContent>
+</p:sld>
+</file>
+
+<file path=ppt/slides/slide14.xml><?xml version="1.0" encoding="utf-8"?>
+<p:sld xmlns:a="http://schemas.openxmlformats.org/drawingml/2006/main" xmlns:r="http://schemas.openxmlformats.org/officeDocument/2006/relationships" xmlns:p="http://schemas.openxmlformats.org/presentationml/2006/main">
+  <p:cSld>
+    <p:bg>
+      <p:bgPr>
+        <a:solidFill>
+          <a:srgbClr val="65A6D4"/>
+        </a:solidFill>
+        <a:effectLst/>
+      </p:bgPr>
+    </p:bg>
+    <p:spTree>
+      <p:nvGrpSpPr>
+        <p:cNvPr id="1" name=""/>
+        <p:cNvGrpSpPr/>
+        <p:nvPr/>
+      </p:nvGrpSpPr>
+      <p:grpSpPr>
+        <a:xfrm>
+          <a:off x="0" y="0"/>
+          <a:ext cx="0" cy="0"/>
+          <a:chOff x="0" y="0"/>
+          <a:chExt cx="0" cy="0"/>
+        </a:xfrm>
+      </p:grpSpPr>
+      <p:pic>
+        <p:nvPicPr>
+          <p:cNvPr id="14" name="Рисунок 13">
+            <a:extLst>
+              <a:ext uri="{FF2B5EF4-FFF2-40B4-BE49-F238E27FC236}">
+                <a16:creationId xmlns:a16="http://schemas.microsoft.com/office/drawing/2014/main" id="{1DB02CE2-09A8-492D-83BE-AAF2B120E528}"/>
+              </a:ext>
+            </a:extLst>
+          </p:cNvPr>
+          <p:cNvPicPr>
+            <a:picLocks noChangeAspect="1"/>
+          </p:cNvPicPr>
+          <p:nvPr/>
+        </p:nvPicPr>
+        <p:blipFill>
+          <a:blip r:embed="rId2">
+            <a:extLst>
+              <a:ext uri="{28A0092B-C50C-407E-A947-70E740481C1C}">
+                <a14:useLocalDpi xmlns:a14="http://schemas.microsoft.com/office/drawing/2010/main" val="0"/>
+              </a:ext>
+            </a:extLst>
+          </a:blip>
+          <a:stretch>
+            <a:fillRect/>
+          </a:stretch>
+        </p:blipFill>
+        <p:spPr>
+          <a:xfrm>
+            <a:off x="0" y="5103019"/>
+            <a:ext cx="1755710" cy="1755710"/>
+          </a:xfrm>
+          <a:prstGeom prst="rect">
+            <a:avLst/>
+          </a:prstGeom>
+        </p:spPr>
+      </p:pic>
+      <p:pic>
+        <p:nvPicPr>
+          <p:cNvPr id="15" name="Рисунок 14">
+            <a:extLst>
+              <a:ext uri="{FF2B5EF4-FFF2-40B4-BE49-F238E27FC236}">
+                <a16:creationId xmlns:a16="http://schemas.microsoft.com/office/drawing/2014/main" id="{09FEAC30-6A94-4854-B997-B5D9A5170FCD}"/>
+              </a:ext>
+            </a:extLst>
+          </p:cNvPr>
+          <p:cNvPicPr>
+            <a:picLocks noChangeAspect="1"/>
+          </p:cNvPicPr>
+          <p:nvPr/>
+        </p:nvPicPr>
+        <p:blipFill>
+          <a:blip r:embed="rId2">
+            <a:extLst>
+              <a:ext uri="{28A0092B-C50C-407E-A947-70E740481C1C}">
+                <a14:useLocalDpi xmlns:a14="http://schemas.microsoft.com/office/drawing/2010/main" val="0"/>
+              </a:ext>
+            </a:extLst>
+          </a:blip>
+          <a:stretch>
+            <a:fillRect/>
+          </a:stretch>
+        </p:blipFill>
+        <p:spPr>
+          <a:xfrm>
+            <a:off x="1755710" y="5103019"/>
+            <a:ext cx="1755710" cy="1755710"/>
+          </a:xfrm>
+          <a:prstGeom prst="rect">
+            <a:avLst/>
+          </a:prstGeom>
+        </p:spPr>
+      </p:pic>
+      <p:pic>
+        <p:nvPicPr>
+          <p:cNvPr id="16" name="Рисунок 15">
+            <a:extLst>
+              <a:ext uri="{FF2B5EF4-FFF2-40B4-BE49-F238E27FC236}">
+                <a16:creationId xmlns:a16="http://schemas.microsoft.com/office/drawing/2014/main" id="{1B39A361-B585-430A-AFDD-DF4B2CE67593}"/>
+              </a:ext>
+            </a:extLst>
+          </p:cNvPr>
+          <p:cNvPicPr>
+            <a:picLocks noChangeAspect="1"/>
+          </p:cNvPicPr>
+          <p:nvPr/>
+        </p:nvPicPr>
+        <p:blipFill>
+          <a:blip r:embed="rId2">
+            <a:extLst>
+              <a:ext uri="{28A0092B-C50C-407E-A947-70E740481C1C}">
+                <a14:useLocalDpi xmlns:a14="http://schemas.microsoft.com/office/drawing/2010/main" val="0"/>
+              </a:ext>
+            </a:extLst>
+          </a:blip>
+          <a:stretch>
+            <a:fillRect/>
+          </a:stretch>
+        </p:blipFill>
+        <p:spPr>
+          <a:xfrm>
+            <a:off x="3511420" y="5102291"/>
+            <a:ext cx="1755710" cy="1755710"/>
+          </a:xfrm>
+          <a:prstGeom prst="rect">
+            <a:avLst/>
+          </a:prstGeom>
+        </p:spPr>
+      </p:pic>
+      <p:pic>
+        <p:nvPicPr>
+          <p:cNvPr id="17" name="Рисунок 16">
+            <a:extLst>
+              <a:ext uri="{FF2B5EF4-FFF2-40B4-BE49-F238E27FC236}">
+                <a16:creationId xmlns:a16="http://schemas.microsoft.com/office/drawing/2014/main" id="{1C48ECA5-0B8D-4FF9-83BF-9E46C4A08C6A}"/>
+              </a:ext>
+            </a:extLst>
+          </p:cNvPr>
+          <p:cNvPicPr>
+            <a:picLocks noChangeAspect="1"/>
+          </p:cNvPicPr>
+          <p:nvPr/>
+        </p:nvPicPr>
+        <p:blipFill>
+          <a:blip r:embed="rId2">
+            <a:extLst>
+              <a:ext uri="{28A0092B-C50C-407E-A947-70E740481C1C}">
+                <a14:useLocalDpi xmlns:a14="http://schemas.microsoft.com/office/drawing/2010/main" val="0"/>
+              </a:ext>
+            </a:extLst>
+          </a:blip>
+          <a:stretch>
+            <a:fillRect/>
+          </a:stretch>
+        </p:blipFill>
+        <p:spPr>
+          <a:xfrm>
+            <a:off x="5267130" y="5102291"/>
+            <a:ext cx="1755710" cy="1755710"/>
+          </a:xfrm>
+          <a:prstGeom prst="rect">
+            <a:avLst/>
+          </a:prstGeom>
+        </p:spPr>
+      </p:pic>
+      <p:pic>
+        <p:nvPicPr>
+          <p:cNvPr id="18" name="Рисунок 17">
+            <a:extLst>
+              <a:ext uri="{FF2B5EF4-FFF2-40B4-BE49-F238E27FC236}">
+                <a16:creationId xmlns:a16="http://schemas.microsoft.com/office/drawing/2014/main" id="{B997F373-E79F-4E85-B09A-88236D2F3138}"/>
+              </a:ext>
+            </a:extLst>
+          </p:cNvPr>
+          <p:cNvPicPr>
+            <a:picLocks noChangeAspect="1"/>
+          </p:cNvPicPr>
+          <p:nvPr/>
+        </p:nvPicPr>
+        <p:blipFill>
+          <a:blip r:embed="rId2">
+            <a:extLst>
+              <a:ext uri="{28A0092B-C50C-407E-A947-70E740481C1C}">
+                <a14:useLocalDpi xmlns:a14="http://schemas.microsoft.com/office/drawing/2010/main" val="0"/>
+              </a:ext>
+            </a:extLst>
+          </a:blip>
+          <a:stretch>
+            <a:fillRect/>
+          </a:stretch>
+        </p:blipFill>
+        <p:spPr>
+          <a:xfrm>
+            <a:off x="7022840" y="5102291"/>
+            <a:ext cx="1755710" cy="1755710"/>
+          </a:xfrm>
+          <a:prstGeom prst="rect">
+            <a:avLst/>
+          </a:prstGeom>
+        </p:spPr>
+      </p:pic>
+      <p:pic>
+        <p:nvPicPr>
+          <p:cNvPr id="19" name="Рисунок 18">
+            <a:extLst>
+              <a:ext uri="{FF2B5EF4-FFF2-40B4-BE49-F238E27FC236}">
+                <a16:creationId xmlns:a16="http://schemas.microsoft.com/office/drawing/2014/main" id="{CA1B0285-234C-4DC3-A42D-560F71B00060}"/>
+              </a:ext>
+            </a:extLst>
+          </p:cNvPr>
+          <p:cNvPicPr>
+            <a:picLocks noChangeAspect="1"/>
+          </p:cNvPicPr>
+          <p:nvPr/>
+        </p:nvPicPr>
+        <p:blipFill>
+          <a:blip r:embed="rId2">
+            <a:extLst>
+              <a:ext uri="{28A0092B-C50C-407E-A947-70E740481C1C}">
+                <a14:useLocalDpi xmlns:a14="http://schemas.microsoft.com/office/drawing/2010/main" val="0"/>
+              </a:ext>
+            </a:extLst>
+          </a:blip>
+          <a:stretch>
+            <a:fillRect/>
+          </a:stretch>
+        </p:blipFill>
+        <p:spPr>
+          <a:xfrm>
+            <a:off x="8778550" y="5103019"/>
+            <a:ext cx="1755710" cy="1755710"/>
+          </a:xfrm>
+          <a:prstGeom prst="rect">
+            <a:avLst/>
+          </a:prstGeom>
+        </p:spPr>
+      </p:pic>
+      <p:pic>
+        <p:nvPicPr>
+          <p:cNvPr id="20" name="Рисунок 19">
+            <a:extLst>
+              <a:ext uri="{FF2B5EF4-FFF2-40B4-BE49-F238E27FC236}">
+                <a16:creationId xmlns:a16="http://schemas.microsoft.com/office/drawing/2014/main" id="{0A47A0D9-B6B2-4E36-B3C8-B64C0BC26A9F}"/>
+              </a:ext>
+            </a:extLst>
+          </p:cNvPr>
+          <p:cNvPicPr>
+            <a:picLocks noChangeAspect="1"/>
+          </p:cNvPicPr>
+          <p:nvPr/>
+        </p:nvPicPr>
+        <p:blipFill>
+          <a:blip r:embed="rId2">
+            <a:extLst>
+              <a:ext uri="{28A0092B-C50C-407E-A947-70E740481C1C}">
+                <a14:useLocalDpi xmlns:a14="http://schemas.microsoft.com/office/drawing/2010/main" val="0"/>
+              </a:ext>
+            </a:extLst>
+          </a:blip>
+          <a:stretch>
+            <a:fillRect/>
+          </a:stretch>
+        </p:blipFill>
+        <p:spPr>
+          <a:xfrm>
+            <a:off x="10534260" y="5102290"/>
+            <a:ext cx="1755710" cy="1755710"/>
+          </a:xfrm>
+          <a:prstGeom prst="rect">
+            <a:avLst/>
+          </a:prstGeom>
+        </p:spPr>
+      </p:pic>
+      <p:sp>
+        <p:nvSpPr>
+          <p:cNvPr id="32" name="Заголовок 1">
+            <a:extLst>
+              <a:ext uri="{FF2B5EF4-FFF2-40B4-BE49-F238E27FC236}">
+                <a16:creationId xmlns:a16="http://schemas.microsoft.com/office/drawing/2014/main" id="{1B9F5C3E-55BD-44E2-BC50-CCF2F7EBFC3C}"/>
+              </a:ext>
+            </a:extLst>
+          </p:cNvPr>
+          <p:cNvSpPr>
+            <a:spLocks noGrp="1"/>
+          </p:cNvSpPr>
+          <p:nvPr>
+            <p:ph type="ctrTitle"/>
+          </p:nvPr>
+        </p:nvSpPr>
+        <p:spPr>
+          <a:xfrm>
+            <a:off x="72788" y="81655"/>
+            <a:ext cx="5560599" cy="967709"/>
+          </a:xfrm>
+        </p:spPr>
+        <p:txBody>
+          <a:bodyPr>
+            <a:normAutofit fontScale="90000"/>
+          </a:bodyPr>
+          <a:lstStyle/>
+          <a:p>
+            <a:pPr algn="l"/>
+            <a:r>
+              <a:rPr lang="ru-RU" sz="3200" dirty="0">
+                <a:latin typeface="Segoe UI Black" panose="020B0A02040204020203" pitchFamily="34" charset="0"/>
+                <a:ea typeface="Segoe UI Black" panose="020B0A02040204020203" pitchFamily="34" charset="0"/>
+              </a:rPr>
+              <a:t>Возможности для улучшения</a:t>
+            </a:r>
+            <a:r>
+              <a:rPr lang="en-US" sz="3200" dirty="0">
+                <a:latin typeface="Segoe UI Black" panose="020B0A02040204020203" pitchFamily="34" charset="0"/>
+                <a:ea typeface="Segoe UI Black" panose="020B0A02040204020203" pitchFamily="34" charset="0"/>
+              </a:rPr>
+              <a:t>:</a:t>
+            </a:r>
+            <a:endParaRPr lang="ru-RU" sz="3200" dirty="0">
+              <a:latin typeface="Segoe UI Black" panose="020B0A02040204020203" pitchFamily="34" charset="0"/>
+              <a:ea typeface="Segoe UI Black" panose="020B0A02040204020203" pitchFamily="34" charset="0"/>
+            </a:endParaRPr>
+          </a:p>
+        </p:txBody>
+      </p:sp>
+      <p:sp>
+        <p:nvSpPr>
+          <p:cNvPr id="28" name="Заголовок 1">
+            <a:extLst>
+              <a:ext uri="{FF2B5EF4-FFF2-40B4-BE49-F238E27FC236}">
+                <a16:creationId xmlns:a16="http://schemas.microsoft.com/office/drawing/2014/main" id="{C85B0532-EA5B-4993-B35F-53390A8DE337}"/>
+              </a:ext>
+            </a:extLst>
+          </p:cNvPr>
+          <p:cNvSpPr txBox="1">
+            <a:spLocks/>
+          </p:cNvSpPr>
+          <p:nvPr/>
+        </p:nvSpPr>
+        <p:spPr>
+          <a:xfrm>
+            <a:off x="208573" y="1491373"/>
+            <a:ext cx="5424814" cy="1493931"/>
+          </a:xfrm>
+          <a:prstGeom prst="rect">
+            <a:avLst/>
+          </a:prstGeom>
+        </p:spPr>
+        <p:txBody>
+          <a:bodyPr vert="horz" lIns="91440" tIns="45720" rIns="91440" bIns="45720" rtlCol="0" anchor="b">
+            <a:normAutofit/>
+          </a:bodyPr>
+          <a:lstStyle>
+            <a:lvl1pPr algn="ctr" defTabSz="914400" rtl="0" eaLnBrk="1" latinLnBrk="0" hangingPunct="1">
+              <a:lnSpc>
+                <a:spcPct val="90000"/>
+              </a:lnSpc>
+              <a:spcBef>
+                <a:spcPct val="0"/>
+              </a:spcBef>
+              <a:buNone/>
+              <a:defRPr sz="6000" kern="1200">
+                <a:solidFill>
+                  <a:schemeClr val="tx1"/>
+                </a:solidFill>
+                <a:latin typeface="+mj-lt"/>
+                <a:ea typeface="+mj-ea"/>
+                <a:cs typeface="+mj-cs"/>
+              </a:defRPr>
+            </a:lvl1pPr>
+          </a:lstStyle>
+          <a:p>
+            <a:pPr algn="l"/>
+            <a:endParaRPr lang="ru-RU" sz="3200" dirty="0">
+              <a:latin typeface="Segoe UI Black" panose="020B0A02040204020203" pitchFamily="34" charset="0"/>
+              <a:ea typeface="Segoe UI Black" panose="020B0A02040204020203" pitchFamily="34" charset="0"/>
+            </a:endParaRPr>
+          </a:p>
+        </p:txBody>
+      </p:sp>
+      <p:sp>
+        <p:nvSpPr>
+          <p:cNvPr id="29" name="Заголовок 1">
+            <a:extLst>
+              <a:ext uri="{FF2B5EF4-FFF2-40B4-BE49-F238E27FC236}">
+                <a16:creationId xmlns:a16="http://schemas.microsoft.com/office/drawing/2014/main" id="{BEC9D8A7-A262-411D-B47D-667323F94AA7}"/>
+              </a:ext>
+            </a:extLst>
+          </p:cNvPr>
+          <p:cNvSpPr txBox="1">
+            <a:spLocks/>
+          </p:cNvSpPr>
+          <p:nvPr/>
+        </p:nvSpPr>
+        <p:spPr>
+          <a:xfrm>
+            <a:off x="167103" y="1380274"/>
+            <a:ext cx="5560598" cy="3530800"/>
+          </a:xfrm>
+          <a:prstGeom prst="rect">
+            <a:avLst/>
+          </a:prstGeom>
+        </p:spPr>
+        <p:txBody>
+          <a:bodyPr vert="horz" lIns="91440" tIns="45720" rIns="91440" bIns="45720" rtlCol="0" anchor="b">
+            <a:normAutofit/>
+          </a:bodyPr>
+          <a:lstStyle>
+            <a:lvl1pPr algn="ctr" defTabSz="914400" rtl="0" eaLnBrk="1" latinLnBrk="0" hangingPunct="1">
+              <a:lnSpc>
+                <a:spcPct val="90000"/>
+              </a:lnSpc>
+              <a:spcBef>
+                <a:spcPct val="0"/>
+              </a:spcBef>
+              <a:buNone/>
+              <a:defRPr sz="6000" kern="1200">
+                <a:solidFill>
+                  <a:schemeClr val="tx1"/>
+                </a:solidFill>
+                <a:latin typeface="+mj-lt"/>
+                <a:ea typeface="+mj-ea"/>
+                <a:cs typeface="+mj-cs"/>
+              </a:defRPr>
+            </a:lvl1pPr>
+          </a:lstStyle>
+          <a:p>
+            <a:pPr algn="l"/>
+            <a:endParaRPr lang="ru-RU" sz="3200" dirty="0">
+              <a:latin typeface="Segoe UI Black" panose="020B0A02040204020203" pitchFamily="34" charset="0"/>
+              <a:ea typeface="Segoe UI Black" panose="020B0A02040204020203" pitchFamily="34" charset="0"/>
+            </a:endParaRPr>
+          </a:p>
+        </p:txBody>
+      </p:sp>
+      <p:sp>
+        <p:nvSpPr>
+          <p:cNvPr id="30" name="Заголовок 1">
+            <a:extLst>
+              <a:ext uri="{FF2B5EF4-FFF2-40B4-BE49-F238E27FC236}">
+                <a16:creationId xmlns:a16="http://schemas.microsoft.com/office/drawing/2014/main" id="{4A409146-D44D-460E-A38C-EDCF48D0B643}"/>
+              </a:ext>
+            </a:extLst>
+          </p:cNvPr>
+          <p:cNvSpPr txBox="1">
+            <a:spLocks/>
+          </p:cNvSpPr>
+          <p:nvPr/>
+        </p:nvSpPr>
+        <p:spPr>
+          <a:xfrm>
+            <a:off x="5206960" y="1757762"/>
+            <a:ext cx="5138127" cy="1493931"/>
+          </a:xfrm>
+          <a:prstGeom prst="rect">
+            <a:avLst/>
+          </a:prstGeom>
+        </p:spPr>
+        <p:txBody>
+          <a:bodyPr vert="horz" lIns="91440" tIns="45720" rIns="91440" bIns="45720" rtlCol="0" anchor="b">
+            <a:normAutofit/>
+          </a:bodyPr>
+          <a:lstStyle>
+            <a:lvl1pPr algn="ctr" defTabSz="914400" rtl="0" eaLnBrk="1" latinLnBrk="0" hangingPunct="1">
+              <a:lnSpc>
+                <a:spcPct val="90000"/>
+              </a:lnSpc>
+              <a:spcBef>
+                <a:spcPct val="0"/>
+              </a:spcBef>
+              <a:buNone/>
+              <a:defRPr sz="6000" kern="1200">
+                <a:solidFill>
+                  <a:schemeClr val="tx1"/>
+                </a:solidFill>
+                <a:latin typeface="+mj-lt"/>
+                <a:ea typeface="+mj-ea"/>
+                <a:cs typeface="+mj-cs"/>
+              </a:defRPr>
+            </a:lvl1pPr>
+          </a:lstStyle>
+          <a:p>
+            <a:pPr algn="l"/>
+            <a:endParaRPr lang="ru-RU" sz="3200" dirty="0">
+              <a:latin typeface="Segoe UI Black" panose="020B0A02040204020203" pitchFamily="34" charset="0"/>
+              <a:ea typeface="Segoe UI Black" panose="020B0A02040204020203" pitchFamily="34" charset="0"/>
+            </a:endParaRPr>
+          </a:p>
+        </p:txBody>
+      </p:sp>
+      <p:sp>
+        <p:nvSpPr>
+          <p:cNvPr id="31" name="Заголовок 1">
+            <a:extLst>
+              <a:ext uri="{FF2B5EF4-FFF2-40B4-BE49-F238E27FC236}">
+                <a16:creationId xmlns:a16="http://schemas.microsoft.com/office/drawing/2014/main" id="{65B9A986-AC00-47A3-A10F-C3A35AD345DA}"/>
+              </a:ext>
+            </a:extLst>
+          </p:cNvPr>
+          <p:cNvSpPr txBox="1">
+            <a:spLocks/>
+          </p:cNvSpPr>
+          <p:nvPr/>
+        </p:nvSpPr>
+        <p:spPr>
+          <a:xfrm>
+            <a:off x="211423" y="2632417"/>
+            <a:ext cx="5138127" cy="2371148"/>
+          </a:xfrm>
+          <a:prstGeom prst="rect">
+            <a:avLst/>
+          </a:prstGeom>
+        </p:spPr>
+        <p:txBody>
+          <a:bodyPr vert="horz" lIns="91440" tIns="45720" rIns="91440" bIns="45720" rtlCol="0" anchor="b">
+            <a:normAutofit/>
+          </a:bodyPr>
+          <a:lstStyle>
+            <a:lvl1pPr algn="ctr" defTabSz="914400" rtl="0" eaLnBrk="1" latinLnBrk="0" hangingPunct="1">
+              <a:lnSpc>
+                <a:spcPct val="90000"/>
+              </a:lnSpc>
+              <a:spcBef>
+                <a:spcPct val="0"/>
+              </a:spcBef>
+              <a:buNone/>
+              <a:defRPr sz="6000" kern="1200">
+                <a:solidFill>
+                  <a:schemeClr val="tx1"/>
+                </a:solidFill>
+                <a:latin typeface="+mj-lt"/>
+                <a:ea typeface="+mj-ea"/>
+                <a:cs typeface="+mj-cs"/>
+              </a:defRPr>
+            </a:lvl1pPr>
+          </a:lstStyle>
+          <a:p>
+            <a:pPr algn="l"/>
+            <a:endParaRPr lang="ru-RU" sz="3200" dirty="0">
+              <a:latin typeface="Segoe UI Black" panose="020B0A02040204020203" pitchFamily="34" charset="0"/>
+              <a:ea typeface="Segoe UI Black" panose="020B0A02040204020203" pitchFamily="34" charset="0"/>
+            </a:endParaRPr>
+          </a:p>
+        </p:txBody>
+      </p:sp>
+      <p:pic>
+        <p:nvPicPr>
+          <p:cNvPr id="6" name="Рисунок 5">
+            <a:extLst>
+              <a:ext uri="{FF2B5EF4-FFF2-40B4-BE49-F238E27FC236}">
+                <a16:creationId xmlns:a16="http://schemas.microsoft.com/office/drawing/2014/main" id="{AC6F28AF-67BF-4A42-8C80-B8788B4589F4}"/>
+              </a:ext>
+            </a:extLst>
+          </p:cNvPr>
+          <p:cNvPicPr>
+            <a:picLocks noChangeAspect="1"/>
+          </p:cNvPicPr>
+          <p:nvPr/>
+        </p:nvPicPr>
+        <p:blipFill>
+          <a:blip r:embed="rId3">
+            <a:extLst>
+              <a:ext uri="{28A0092B-C50C-407E-A947-70E740481C1C}">
+                <a14:useLocalDpi xmlns:a14="http://schemas.microsoft.com/office/drawing/2010/main" val="0"/>
+              </a:ext>
+            </a:extLst>
+          </a:blip>
+          <a:stretch>
+            <a:fillRect/>
+          </a:stretch>
+        </p:blipFill>
+        <p:spPr>
+          <a:xfrm>
+            <a:off x="-8271749" y="2455918"/>
+            <a:ext cx="6159018" cy="2680086"/>
+          </a:xfrm>
+          <a:prstGeom prst="rect">
+            <a:avLst/>
+          </a:prstGeom>
+          <a:ln w="88900" cap="sq" cmpd="thickThin">
+            <a:solidFill>
+              <a:srgbClr val="000000"/>
+            </a:solidFill>
+            <a:prstDash val="solid"/>
+            <a:miter lim="800000"/>
+          </a:ln>
+          <a:effectLst>
+            <a:innerShdw blurRad="76200">
+              <a:srgbClr val="000000"/>
+            </a:innerShdw>
+          </a:effectLst>
+        </p:spPr>
+      </p:pic>
+      <p:pic>
+        <p:nvPicPr>
+          <p:cNvPr id="13" name="Рисунок 12">
+            <a:extLst>
+              <a:ext uri="{FF2B5EF4-FFF2-40B4-BE49-F238E27FC236}">
+                <a16:creationId xmlns:a16="http://schemas.microsoft.com/office/drawing/2014/main" id="{80AE5AFB-6BDA-4CF1-8092-2D7884DD8711}"/>
+              </a:ext>
+            </a:extLst>
+          </p:cNvPr>
+          <p:cNvPicPr>
+            <a:picLocks noChangeAspect="1"/>
+          </p:cNvPicPr>
+          <p:nvPr/>
+        </p:nvPicPr>
+        <p:blipFill>
+          <a:blip r:embed="rId4">
+            <a:extLst>
+              <a:ext uri="{28A0092B-C50C-407E-A947-70E740481C1C}">
+                <a14:useLocalDpi xmlns:a14="http://schemas.microsoft.com/office/drawing/2010/main" val="0"/>
+              </a:ext>
+            </a:extLst>
+          </a:blip>
+          <a:stretch>
+            <a:fillRect/>
+          </a:stretch>
+        </p:blipFill>
+        <p:spPr>
+          <a:xfrm>
+            <a:off x="14191188" y="2985304"/>
+            <a:ext cx="1141698" cy="1141698"/>
+          </a:xfrm>
+          <a:prstGeom prst="rect">
+            <a:avLst/>
+          </a:prstGeom>
+        </p:spPr>
+      </p:pic>
+      <p:pic>
+        <p:nvPicPr>
+          <p:cNvPr id="22" name="Рисунок 21">
+            <a:extLst>
+              <a:ext uri="{FF2B5EF4-FFF2-40B4-BE49-F238E27FC236}">
+                <a16:creationId xmlns:a16="http://schemas.microsoft.com/office/drawing/2014/main" id="{8F78360D-2CC0-4916-8EB9-342FD8A65D07}"/>
+              </a:ext>
+            </a:extLst>
+          </p:cNvPr>
+          <p:cNvPicPr>
+            <a:picLocks noChangeAspect="1"/>
+          </p:cNvPicPr>
+          <p:nvPr/>
+        </p:nvPicPr>
+        <p:blipFill>
+          <a:blip r:embed="rId5">
+            <a:extLst>
+              <a:ext uri="{28A0092B-C50C-407E-A947-70E740481C1C}">
+                <a14:useLocalDpi xmlns:a14="http://schemas.microsoft.com/office/drawing/2010/main" val="0"/>
+              </a:ext>
+            </a:extLst>
+          </a:blip>
+          <a:stretch>
+            <a:fillRect/>
+          </a:stretch>
+        </p:blipFill>
+        <p:spPr>
+          <a:xfrm rot="7501070">
+            <a:off x="9124768" y="-1313909"/>
+            <a:ext cx="1141698" cy="1141698"/>
+          </a:xfrm>
+          <a:prstGeom prst="rect">
+            <a:avLst/>
+          </a:prstGeom>
+        </p:spPr>
+      </p:pic>
+      <p:pic>
+        <p:nvPicPr>
+          <p:cNvPr id="23" name="Рисунок 22">
+            <a:extLst>
+              <a:ext uri="{FF2B5EF4-FFF2-40B4-BE49-F238E27FC236}">
+                <a16:creationId xmlns:a16="http://schemas.microsoft.com/office/drawing/2014/main" id="{7CBCC461-51D7-489E-BBC3-5FC65BAE7BB5}"/>
+              </a:ext>
+            </a:extLst>
+          </p:cNvPr>
+          <p:cNvPicPr>
+            <a:picLocks noChangeAspect="1"/>
+          </p:cNvPicPr>
+          <p:nvPr/>
+        </p:nvPicPr>
+        <p:blipFill>
+          <a:blip r:embed="rId6"/>
+          <a:stretch>
+            <a:fillRect/>
+          </a:stretch>
+        </p:blipFill>
+        <p:spPr>
+          <a:xfrm>
+            <a:off x="7592082" y="-1416895"/>
+            <a:ext cx="1182464" cy="1182464"/>
+          </a:xfrm>
+          <a:prstGeom prst="rect">
+            <a:avLst/>
+          </a:prstGeom>
+        </p:spPr>
+      </p:pic>
+      <p:pic>
+        <p:nvPicPr>
+          <p:cNvPr id="24" name="Рисунок 23">
+            <a:extLst>
+              <a:ext uri="{FF2B5EF4-FFF2-40B4-BE49-F238E27FC236}">
+                <a16:creationId xmlns:a16="http://schemas.microsoft.com/office/drawing/2014/main" id="{50D627AB-B388-4DBC-91FF-2476BCE326F8}"/>
+              </a:ext>
+            </a:extLst>
+          </p:cNvPr>
+          <p:cNvPicPr>
+            <a:picLocks noChangeAspect="1"/>
+          </p:cNvPicPr>
+          <p:nvPr/>
+        </p:nvPicPr>
+        <p:blipFill>
+          <a:blip r:embed="rId7"/>
+          <a:stretch>
+            <a:fillRect/>
+          </a:stretch>
+        </p:blipFill>
+        <p:spPr>
+          <a:xfrm rot="16959366">
+            <a:off x="-1735066" y="3126019"/>
+            <a:ext cx="1182464" cy="1182464"/>
+          </a:xfrm>
+          <a:prstGeom prst="rect">
+            <a:avLst/>
+          </a:prstGeom>
+        </p:spPr>
+      </p:pic>
+      <p:pic>
+        <p:nvPicPr>
+          <p:cNvPr id="4" name="Рисунок 3">
+            <a:extLst>
+              <a:ext uri="{FF2B5EF4-FFF2-40B4-BE49-F238E27FC236}">
+                <a16:creationId xmlns:a16="http://schemas.microsoft.com/office/drawing/2014/main" id="{251229DC-81EF-495B-B07D-29D664EF51CD}"/>
+              </a:ext>
+            </a:extLst>
+          </p:cNvPr>
+          <p:cNvPicPr>
+            <a:picLocks noChangeAspect="1"/>
+          </p:cNvPicPr>
+          <p:nvPr/>
+        </p:nvPicPr>
+        <p:blipFill>
+          <a:blip r:embed="rId8">
+            <a:extLst>
+              <a:ext uri="{28A0092B-C50C-407E-A947-70E740481C1C}">
+                <a14:useLocalDpi xmlns:a14="http://schemas.microsoft.com/office/drawing/2010/main" val="0"/>
+              </a:ext>
+            </a:extLst>
+          </a:blip>
+          <a:stretch>
+            <a:fillRect/>
+          </a:stretch>
+        </p:blipFill>
+        <p:spPr>
+          <a:xfrm>
+            <a:off x="-4616521" y="1894596"/>
+            <a:ext cx="4258269" cy="2905530"/>
+          </a:xfrm>
+          <a:prstGeom prst="rect">
+            <a:avLst/>
+          </a:prstGeom>
+          <a:solidFill>
+            <a:srgbClr val="FFFFFF">
+              <a:shade val="85000"/>
+            </a:srgbClr>
+          </a:solidFill>
+          <a:ln w="88900" cap="sq">
+            <a:solidFill>
+              <a:srgbClr val="FFFFFF"/>
+            </a:solidFill>
+            <a:miter lim="800000"/>
+          </a:ln>
+          <a:effectLst>
+            <a:outerShdw blurRad="55000" dist="18000" dir="5400000" algn="tl" rotWithShape="0">
+              <a:srgbClr val="000000">
+                <a:alpha val="40000"/>
+              </a:srgbClr>
+            </a:outerShdw>
+          </a:effectLst>
+          <a:scene3d>
+            <a:camera prst="orthographicFront"/>
+            <a:lightRig rig="twoPt" dir="t">
+              <a:rot lat="0" lon="0" rev="7200000"/>
+            </a:lightRig>
+          </a:scene3d>
+          <a:sp3d>
+            <a:bevelT w="25400" h="19050"/>
+            <a:contourClr>
+              <a:srgbClr val="FFFFFF"/>
+            </a:contourClr>
+          </a:sp3d>
+        </p:spPr>
+      </p:pic>
+      <p:pic>
+        <p:nvPicPr>
+          <p:cNvPr id="10" name="Рисунок 9">
+            <a:extLst>
+              <a:ext uri="{FF2B5EF4-FFF2-40B4-BE49-F238E27FC236}">
+                <a16:creationId xmlns:a16="http://schemas.microsoft.com/office/drawing/2014/main" id="{A1AB91AE-85F7-4427-B460-844149367D1D}"/>
+              </a:ext>
+            </a:extLst>
+          </p:cNvPr>
+          <p:cNvPicPr>
+            <a:picLocks noChangeAspect="1"/>
+          </p:cNvPicPr>
+          <p:nvPr/>
+        </p:nvPicPr>
+        <p:blipFill>
+          <a:blip r:embed="rId9">
+            <a:extLst>
+              <a:ext uri="{28A0092B-C50C-407E-A947-70E740481C1C}">
+                <a14:useLocalDpi xmlns:a14="http://schemas.microsoft.com/office/drawing/2010/main" val="0"/>
+              </a:ext>
+            </a:extLst>
+          </a:blip>
+          <a:stretch>
+            <a:fillRect/>
+          </a:stretch>
+        </p:blipFill>
+        <p:spPr>
+          <a:xfrm>
+            <a:off x="13507689" y="1557387"/>
+            <a:ext cx="4467849" cy="1648055"/>
+          </a:xfrm>
+          <a:prstGeom prst="roundRect">
+            <a:avLst>
+              <a:gd name="adj" fmla="val 9732"/>
+            </a:avLst>
+          </a:prstGeom>
+          <a:ln>
+            <a:noFill/>
+          </a:ln>
+          <a:effectLst>
+            <a:outerShdw blurRad="76200" dist="38100" dir="7800000" algn="tl" rotWithShape="0">
+              <a:srgbClr val="000000">
+                <a:alpha val="40000"/>
+              </a:srgbClr>
+            </a:outerShdw>
+          </a:effectLst>
+          <a:scene3d>
+            <a:camera prst="orthographicFront"/>
+            <a:lightRig rig="contrasting" dir="t">
+              <a:rot lat="0" lon="0" rev="4200000"/>
+            </a:lightRig>
+          </a:scene3d>
+          <a:sp3d prstMaterial="plastic">
+            <a:bevelT w="381000" h="114300" prst="relaxedInset"/>
+            <a:contourClr>
+              <a:srgbClr val="969696"/>
+            </a:contourClr>
+          </a:sp3d>
+        </p:spPr>
+      </p:pic>
+      <p:sp>
+        <p:nvSpPr>
+          <p:cNvPr id="33" name="Заголовок 1">
+            <a:extLst>
+              <a:ext uri="{FF2B5EF4-FFF2-40B4-BE49-F238E27FC236}">
+                <a16:creationId xmlns:a16="http://schemas.microsoft.com/office/drawing/2014/main" id="{FBD068CA-69C5-4065-B19D-2F51F78B44CF}"/>
+              </a:ext>
+            </a:extLst>
+          </p:cNvPr>
+          <p:cNvSpPr txBox="1">
+            <a:spLocks/>
+          </p:cNvSpPr>
+          <p:nvPr/>
+        </p:nvSpPr>
+        <p:spPr>
+          <a:xfrm>
+            <a:off x="4817460" y="1365450"/>
+            <a:ext cx="3884985" cy="592153"/>
+          </a:xfrm>
+          <a:prstGeom prst="rect">
+            <a:avLst/>
+          </a:prstGeom>
+        </p:spPr>
+        <p:txBody>
+          <a:bodyPr vert="horz" lIns="91440" tIns="45720" rIns="91440" bIns="45720" rtlCol="0" anchor="b">
+            <a:normAutofit fontScale="97500"/>
+          </a:bodyPr>
+          <a:lstStyle>
+            <a:lvl1pPr algn="ctr" defTabSz="914400" rtl="0" eaLnBrk="1" latinLnBrk="0" hangingPunct="1">
+              <a:lnSpc>
+                <a:spcPct val="90000"/>
+              </a:lnSpc>
+              <a:spcBef>
+                <a:spcPct val="0"/>
+              </a:spcBef>
+              <a:buNone/>
+              <a:defRPr sz="6000" kern="1200">
+                <a:solidFill>
+                  <a:schemeClr val="tx1"/>
+                </a:solidFill>
+                <a:latin typeface="+mj-lt"/>
+                <a:ea typeface="+mj-ea"/>
+                <a:cs typeface="+mj-cs"/>
+              </a:defRPr>
+            </a:lvl1pPr>
+          </a:lstStyle>
+          <a:p>
+            <a:pPr algn="l"/>
+            <a:endParaRPr lang="ru-RU" sz="3200" dirty="0">
+              <a:latin typeface="Segoe UI Black" panose="020B0A02040204020203" pitchFamily="34" charset="0"/>
+              <a:ea typeface="Segoe UI Black" panose="020B0A02040204020203" pitchFamily="34" charset="0"/>
+            </a:endParaRPr>
+          </a:p>
+        </p:txBody>
+      </p:sp>
+      <p:pic>
+        <p:nvPicPr>
+          <p:cNvPr id="12" name="Рисунок 11">
+            <a:extLst>
+              <a:ext uri="{FF2B5EF4-FFF2-40B4-BE49-F238E27FC236}">
+                <a16:creationId xmlns:a16="http://schemas.microsoft.com/office/drawing/2014/main" id="{30EC43B8-DE24-4C05-83ED-522E2C17BB56}"/>
+              </a:ext>
+            </a:extLst>
+          </p:cNvPr>
+          <p:cNvPicPr>
+            <a:picLocks noChangeAspect="1"/>
+          </p:cNvPicPr>
+          <p:nvPr/>
+        </p:nvPicPr>
+        <p:blipFill>
+          <a:blip r:embed="rId10">
+            <a:extLst>
+              <a:ext uri="{28A0092B-C50C-407E-A947-70E740481C1C}">
+                <a14:useLocalDpi xmlns:a14="http://schemas.microsoft.com/office/drawing/2010/main" val="0"/>
+              </a:ext>
+            </a:extLst>
+          </a:blip>
+          <a:stretch>
+            <a:fillRect/>
+          </a:stretch>
+        </p:blipFill>
+        <p:spPr>
+          <a:xfrm>
+            <a:off x="13329015" y="3717251"/>
+            <a:ext cx="4334480" cy="1171739"/>
+          </a:xfrm>
+          <a:prstGeom prst="rect">
+            <a:avLst/>
+          </a:prstGeom>
+        </p:spPr>
+      </p:pic>
+      <p:sp>
+        <p:nvSpPr>
+          <p:cNvPr id="36" name="Заголовок 1">
+            <a:extLst>
+              <a:ext uri="{FF2B5EF4-FFF2-40B4-BE49-F238E27FC236}">
+                <a16:creationId xmlns:a16="http://schemas.microsoft.com/office/drawing/2014/main" id="{FDCC15B0-667C-46BB-842D-41A493703025}"/>
+              </a:ext>
+            </a:extLst>
+          </p:cNvPr>
+          <p:cNvSpPr txBox="1">
+            <a:spLocks/>
+          </p:cNvSpPr>
+          <p:nvPr/>
+        </p:nvSpPr>
+        <p:spPr>
+          <a:xfrm>
+            <a:off x="-2799274" y="5243829"/>
+            <a:ext cx="1898069" cy="592153"/>
+          </a:xfrm>
+          <a:prstGeom prst="rect">
+            <a:avLst/>
+          </a:prstGeom>
+        </p:spPr>
+        <p:txBody>
+          <a:bodyPr vert="horz" lIns="91440" tIns="45720" rIns="91440" bIns="45720" rtlCol="0" anchor="b">
+            <a:normAutofit fontScale="67500" lnSpcReduction="20000"/>
+          </a:bodyPr>
+          <a:lstStyle>
+            <a:lvl1pPr algn="ctr" defTabSz="914400" rtl="0" eaLnBrk="1" latinLnBrk="0" hangingPunct="1">
+              <a:lnSpc>
+                <a:spcPct val="90000"/>
+              </a:lnSpc>
+              <a:spcBef>
+                <a:spcPct val="0"/>
+              </a:spcBef>
+              <a:buNone/>
+              <a:defRPr sz="6000" kern="1200">
+                <a:solidFill>
+                  <a:schemeClr val="tx1"/>
+                </a:solidFill>
+                <a:latin typeface="+mj-lt"/>
+                <a:ea typeface="+mj-ea"/>
+                <a:cs typeface="+mj-cs"/>
+              </a:defRPr>
+            </a:lvl1pPr>
+          </a:lstStyle>
+          <a:p>
+            <a:pPr algn="l"/>
+            <a:r>
+              <a:rPr lang="ru-RU" sz="3200" dirty="0">
+                <a:latin typeface="Segoe UI Black" panose="020B0A02040204020203" pitchFamily="34" charset="0"/>
+                <a:ea typeface="Segoe UI Black" panose="020B0A02040204020203" pitchFamily="34" charset="0"/>
+              </a:rPr>
+              <a:t>Базовые параметры</a:t>
+            </a:r>
+            <a:r>
+              <a:rPr lang="en-US" sz="3200" dirty="0">
+                <a:latin typeface="Segoe UI Black" panose="020B0A02040204020203" pitchFamily="34" charset="0"/>
+                <a:ea typeface="Segoe UI Black" panose="020B0A02040204020203" pitchFamily="34" charset="0"/>
+              </a:rPr>
+              <a:t>:</a:t>
+            </a:r>
+            <a:endParaRPr lang="ru-RU" sz="3200" dirty="0">
+              <a:latin typeface="Segoe UI Black" panose="020B0A02040204020203" pitchFamily="34" charset="0"/>
+              <a:ea typeface="Segoe UI Black" panose="020B0A02040204020203" pitchFamily="34" charset="0"/>
+            </a:endParaRPr>
+          </a:p>
+        </p:txBody>
+      </p:sp>
+      <p:sp>
+        <p:nvSpPr>
+          <p:cNvPr id="2" name="Левая фигурная скобка 1">
+            <a:extLst>
+              <a:ext uri="{FF2B5EF4-FFF2-40B4-BE49-F238E27FC236}">
+                <a16:creationId xmlns:a16="http://schemas.microsoft.com/office/drawing/2014/main" id="{96A26750-B233-4F98-AFEB-DF2FFA0FDB00}"/>
+              </a:ext>
+            </a:extLst>
+          </p:cNvPr>
+          <p:cNvSpPr/>
+          <p:nvPr/>
+        </p:nvSpPr>
+        <p:spPr>
+          <a:xfrm>
+            <a:off x="-1382950" y="257275"/>
+            <a:ext cx="762786" cy="2756704"/>
+          </a:xfrm>
+          <a:prstGeom prst="leftBrace">
+            <a:avLst>
+              <a:gd name="adj1" fmla="val 53287"/>
+              <a:gd name="adj2" fmla="val 50000"/>
+            </a:avLst>
+          </a:prstGeom>
+          <a:ln w="76200">
+            <a:solidFill>
+              <a:srgbClr val="7030A0"/>
+            </a:solidFill>
+          </a:ln>
+        </p:spPr>
+        <p:style>
+          <a:lnRef idx="1">
+            <a:schemeClr val="accent1"/>
+          </a:lnRef>
+          <a:fillRef idx="0">
+            <a:schemeClr val="accent1"/>
+          </a:fillRef>
+          <a:effectRef idx="0">
+            <a:schemeClr val="accent1"/>
+          </a:effectRef>
+          <a:fontRef idx="minor">
+            <a:schemeClr val="tx1"/>
+          </a:fontRef>
+        </p:style>
+        <p:txBody>
+          <a:bodyPr rtlCol="0" anchor="ctr"/>
+          <a:lstStyle/>
+          <a:p>
+            <a:pPr algn="ctr"/>
+            <a:endParaRPr lang="ru-RU"/>
+          </a:p>
+        </p:txBody>
+      </p:sp>
+      <p:sp>
+        <p:nvSpPr>
+          <p:cNvPr id="25" name="Левая фигурная скобка 24">
+            <a:extLst>
+              <a:ext uri="{FF2B5EF4-FFF2-40B4-BE49-F238E27FC236}">
+                <a16:creationId xmlns:a16="http://schemas.microsoft.com/office/drawing/2014/main" id="{715177C0-3304-4512-904C-9CE0BFD4265E}"/>
+              </a:ext>
+            </a:extLst>
+          </p:cNvPr>
+          <p:cNvSpPr/>
+          <p:nvPr/>
+        </p:nvSpPr>
+        <p:spPr>
+          <a:xfrm flipH="1">
+            <a:off x="14083484" y="283174"/>
+            <a:ext cx="509562" cy="2756704"/>
+          </a:xfrm>
+          <a:prstGeom prst="leftBrace">
+            <a:avLst>
+              <a:gd name="adj1" fmla="val 53287"/>
+              <a:gd name="adj2" fmla="val 50000"/>
+            </a:avLst>
+          </a:prstGeom>
+          <a:ln w="76200">
+            <a:solidFill>
+              <a:srgbClr val="7030A0"/>
+            </a:solidFill>
+          </a:ln>
+        </p:spPr>
+        <p:style>
+          <a:lnRef idx="1">
+            <a:schemeClr val="accent1"/>
+          </a:lnRef>
+          <a:fillRef idx="0">
+            <a:schemeClr val="accent1"/>
+          </a:fillRef>
+          <a:effectRef idx="0">
+            <a:schemeClr val="accent1"/>
+          </a:effectRef>
+          <a:fontRef idx="minor">
+            <a:schemeClr val="tx1"/>
+          </a:fontRef>
+        </p:style>
+        <p:txBody>
+          <a:bodyPr rtlCol="0" anchor="ctr"/>
+          <a:lstStyle/>
+          <a:p>
+            <a:pPr algn="ctr"/>
+            <a:endParaRPr lang="ru-RU"/>
+          </a:p>
+        </p:txBody>
+      </p:sp>
+      <p:sp>
+        <p:nvSpPr>
+          <p:cNvPr id="34" name="Левая фигурная скобка 33">
+            <a:extLst>
+              <a:ext uri="{FF2B5EF4-FFF2-40B4-BE49-F238E27FC236}">
+                <a16:creationId xmlns:a16="http://schemas.microsoft.com/office/drawing/2014/main" id="{5EE2DC62-E699-4FB9-B539-43B68C4C0EC5}"/>
+              </a:ext>
+            </a:extLst>
+          </p:cNvPr>
+          <p:cNvSpPr/>
+          <p:nvPr/>
+        </p:nvSpPr>
+        <p:spPr>
+          <a:xfrm flipH="1">
+            <a:off x="12857419" y="195936"/>
+            <a:ext cx="509562" cy="4872961"/>
+          </a:xfrm>
+          <a:prstGeom prst="leftBrace">
+            <a:avLst>
+              <a:gd name="adj1" fmla="val 53287"/>
+              <a:gd name="adj2" fmla="val 50000"/>
+            </a:avLst>
+          </a:prstGeom>
+          <a:ln w="76200">
+            <a:solidFill>
+              <a:srgbClr val="7030A0"/>
+            </a:solidFill>
+          </a:ln>
+        </p:spPr>
+        <p:style>
+          <a:lnRef idx="1">
+            <a:schemeClr val="accent1"/>
+          </a:lnRef>
+          <a:fillRef idx="0">
+            <a:schemeClr val="accent1"/>
+          </a:fillRef>
+          <a:effectRef idx="0">
+            <a:schemeClr val="accent1"/>
+          </a:effectRef>
+          <a:fontRef idx="minor">
+            <a:schemeClr val="tx1"/>
+          </a:fontRef>
+        </p:style>
+        <p:txBody>
+          <a:bodyPr rtlCol="0" anchor="ctr"/>
+          <a:lstStyle/>
+          <a:p>
+            <a:pPr algn="ctr"/>
+            <a:endParaRPr lang="ru-RU"/>
+          </a:p>
+        </p:txBody>
+      </p:sp>
+      <p:sp>
+        <p:nvSpPr>
+          <p:cNvPr id="35" name="Левая фигурная скобка 34">
+            <a:extLst>
+              <a:ext uri="{FF2B5EF4-FFF2-40B4-BE49-F238E27FC236}">
+                <a16:creationId xmlns:a16="http://schemas.microsoft.com/office/drawing/2014/main" id="{736D4CF2-8BCE-40A3-B5A1-CC4007A2F520}"/>
+              </a:ext>
+            </a:extLst>
+          </p:cNvPr>
+          <p:cNvSpPr/>
+          <p:nvPr/>
+        </p:nvSpPr>
+        <p:spPr>
+          <a:xfrm>
+            <a:off x="-1429232" y="16029"/>
+            <a:ext cx="664354" cy="4872961"/>
+          </a:xfrm>
+          <a:prstGeom prst="leftBrace">
+            <a:avLst>
+              <a:gd name="adj1" fmla="val 53287"/>
+              <a:gd name="adj2" fmla="val 50000"/>
+            </a:avLst>
+          </a:prstGeom>
+          <a:ln w="76200">
+            <a:solidFill>
+              <a:srgbClr val="7030A0"/>
+            </a:solidFill>
+          </a:ln>
+        </p:spPr>
+        <p:style>
+          <a:lnRef idx="1">
+            <a:schemeClr val="accent1"/>
+          </a:lnRef>
+          <a:fillRef idx="0">
+            <a:schemeClr val="accent1"/>
+          </a:fillRef>
+          <a:effectRef idx="0">
+            <a:schemeClr val="accent1"/>
+          </a:effectRef>
+          <a:fontRef idx="minor">
+            <a:schemeClr val="tx1"/>
+          </a:fontRef>
+        </p:style>
+        <p:txBody>
+          <a:bodyPr rtlCol="0" anchor="ctr"/>
+          <a:lstStyle/>
+          <a:p>
+            <a:pPr algn="ctr"/>
+            <a:endParaRPr lang="ru-RU"/>
+          </a:p>
+        </p:txBody>
+      </p:sp>
+      <p:sp>
+        <p:nvSpPr>
+          <p:cNvPr id="37" name="Левая фигурная скобка 36">
+            <a:extLst>
+              <a:ext uri="{FF2B5EF4-FFF2-40B4-BE49-F238E27FC236}">
+                <a16:creationId xmlns:a16="http://schemas.microsoft.com/office/drawing/2014/main" id="{25A951DC-D28D-4862-B2DA-A3745553DB5E}"/>
+              </a:ext>
+            </a:extLst>
+          </p:cNvPr>
+          <p:cNvSpPr/>
+          <p:nvPr/>
+        </p:nvSpPr>
+        <p:spPr>
+          <a:xfrm flipH="1">
+            <a:off x="12918059" y="3717251"/>
+            <a:ext cx="509562" cy="994969"/>
+          </a:xfrm>
+          <a:prstGeom prst="leftBrace">
+            <a:avLst>
+              <a:gd name="adj1" fmla="val 53287"/>
+              <a:gd name="adj2" fmla="val 50000"/>
+            </a:avLst>
+          </a:prstGeom>
+          <a:ln w="76200">
+            <a:solidFill>
+              <a:srgbClr val="7030A0"/>
+            </a:solidFill>
+          </a:ln>
+        </p:spPr>
+        <p:style>
+          <a:lnRef idx="1">
+            <a:schemeClr val="accent1"/>
+          </a:lnRef>
+          <a:fillRef idx="0">
+            <a:schemeClr val="accent1"/>
+          </a:fillRef>
+          <a:effectRef idx="0">
+            <a:schemeClr val="accent1"/>
+          </a:effectRef>
+          <a:fontRef idx="minor">
+            <a:schemeClr val="tx1"/>
+          </a:fontRef>
+        </p:style>
+        <p:txBody>
+          <a:bodyPr rtlCol="0" anchor="ctr"/>
+          <a:lstStyle/>
+          <a:p>
+            <a:pPr algn="ctr"/>
+            <a:endParaRPr lang="ru-RU"/>
+          </a:p>
+        </p:txBody>
+      </p:sp>
+      <p:sp>
+        <p:nvSpPr>
+          <p:cNvPr id="38" name="Левая фигурная скобка 37">
+            <a:extLst>
+              <a:ext uri="{FF2B5EF4-FFF2-40B4-BE49-F238E27FC236}">
+                <a16:creationId xmlns:a16="http://schemas.microsoft.com/office/drawing/2014/main" id="{4D056F7C-AA31-4773-A3E9-DCD3056BB963}"/>
+              </a:ext>
+            </a:extLst>
+          </p:cNvPr>
+          <p:cNvSpPr/>
+          <p:nvPr/>
+        </p:nvSpPr>
+        <p:spPr>
+          <a:xfrm>
+            <a:off x="-1164377" y="3754923"/>
+            <a:ext cx="452131" cy="994969"/>
+          </a:xfrm>
+          <a:prstGeom prst="leftBrace">
+            <a:avLst>
+              <a:gd name="adj1" fmla="val 53287"/>
+              <a:gd name="adj2" fmla="val 50000"/>
+            </a:avLst>
+          </a:prstGeom>
+          <a:ln w="76200">
+            <a:solidFill>
+              <a:srgbClr val="7030A0"/>
+            </a:solidFill>
+          </a:ln>
+        </p:spPr>
+        <p:style>
+          <a:lnRef idx="1">
+            <a:schemeClr val="accent1"/>
+          </a:lnRef>
+          <a:fillRef idx="0">
+            <a:schemeClr val="accent1"/>
+          </a:fillRef>
+          <a:effectRef idx="0">
+            <a:schemeClr val="accent1"/>
+          </a:effectRef>
+          <a:fontRef idx="minor">
+            <a:schemeClr val="tx1"/>
+          </a:fontRef>
+        </p:style>
+        <p:txBody>
+          <a:bodyPr rtlCol="0" anchor="ctr"/>
+          <a:lstStyle/>
+          <a:p>
+            <a:pPr algn="ctr"/>
+            <a:endParaRPr lang="ru-RU"/>
+          </a:p>
+        </p:txBody>
+      </p:sp>
+      <p:sp>
+        <p:nvSpPr>
+          <p:cNvPr id="39" name="Левая фигурная скобка 38">
+            <a:extLst>
+              <a:ext uri="{FF2B5EF4-FFF2-40B4-BE49-F238E27FC236}">
+                <a16:creationId xmlns:a16="http://schemas.microsoft.com/office/drawing/2014/main" id="{AEEFB29B-355D-4BCE-A919-9634DA36AD79}"/>
+              </a:ext>
+            </a:extLst>
+          </p:cNvPr>
+          <p:cNvSpPr/>
+          <p:nvPr/>
+        </p:nvSpPr>
+        <p:spPr>
+          <a:xfrm>
+            <a:off x="-1443590" y="28955"/>
+            <a:ext cx="762786" cy="4951543"/>
+          </a:xfrm>
+          <a:prstGeom prst="leftBrace">
+            <a:avLst>
+              <a:gd name="adj1" fmla="val 53287"/>
+              <a:gd name="adj2" fmla="val 50000"/>
+            </a:avLst>
+          </a:prstGeom>
+          <a:ln w="76200">
+            <a:solidFill>
+              <a:srgbClr val="002060"/>
+            </a:solidFill>
+          </a:ln>
+        </p:spPr>
+        <p:style>
+          <a:lnRef idx="1">
+            <a:schemeClr val="accent1"/>
+          </a:lnRef>
+          <a:fillRef idx="0">
+            <a:schemeClr val="accent1"/>
+          </a:fillRef>
+          <a:effectRef idx="0">
+            <a:schemeClr val="accent1"/>
+          </a:effectRef>
+          <a:fontRef idx="minor">
+            <a:schemeClr val="tx1"/>
+          </a:fontRef>
+        </p:style>
+        <p:txBody>
+          <a:bodyPr rtlCol="0" anchor="ctr"/>
+          <a:lstStyle/>
+          <a:p>
+            <a:pPr algn="ctr"/>
+            <a:endParaRPr lang="ru-RU"/>
+          </a:p>
+        </p:txBody>
+      </p:sp>
+      <p:sp>
+        <p:nvSpPr>
+          <p:cNvPr id="40" name="Левая фигурная скобка 39">
+            <a:extLst>
+              <a:ext uri="{FF2B5EF4-FFF2-40B4-BE49-F238E27FC236}">
+                <a16:creationId xmlns:a16="http://schemas.microsoft.com/office/drawing/2014/main" id="{163C5297-C4BF-4A10-8DDD-24DCD528E0B3}"/>
+              </a:ext>
+            </a:extLst>
+          </p:cNvPr>
+          <p:cNvSpPr/>
+          <p:nvPr/>
+        </p:nvSpPr>
+        <p:spPr>
+          <a:xfrm flipH="1">
+            <a:off x="12918059" y="-40469"/>
+            <a:ext cx="598492" cy="4951543"/>
+          </a:xfrm>
+          <a:prstGeom prst="leftBrace">
+            <a:avLst>
+              <a:gd name="adj1" fmla="val 53287"/>
+              <a:gd name="adj2" fmla="val 50000"/>
+            </a:avLst>
+          </a:prstGeom>
+          <a:ln w="76200">
+            <a:solidFill>
+              <a:srgbClr val="002060"/>
+            </a:solidFill>
+          </a:ln>
+        </p:spPr>
+        <p:style>
+          <a:lnRef idx="1">
+            <a:schemeClr val="accent1"/>
+          </a:lnRef>
+          <a:fillRef idx="0">
+            <a:schemeClr val="accent1"/>
+          </a:fillRef>
+          <a:effectRef idx="0">
+            <a:schemeClr val="accent1"/>
+          </a:effectRef>
+          <a:fontRef idx="minor">
+            <a:schemeClr val="tx1"/>
+          </a:fontRef>
+        </p:style>
+        <p:txBody>
+          <a:bodyPr rtlCol="0" anchor="ctr"/>
+          <a:lstStyle/>
+          <a:p>
+            <a:pPr algn="ctr"/>
+            <a:endParaRPr lang="ru-RU"/>
+          </a:p>
+        </p:txBody>
+      </p:sp>
+      <p:sp>
+        <p:nvSpPr>
+          <p:cNvPr id="41" name="Заголовок 1">
+            <a:extLst>
+              <a:ext uri="{FF2B5EF4-FFF2-40B4-BE49-F238E27FC236}">
+                <a16:creationId xmlns:a16="http://schemas.microsoft.com/office/drawing/2014/main" id="{13A3AF5F-C402-4016-9600-89FBD95129C2}"/>
+              </a:ext>
+            </a:extLst>
+          </p:cNvPr>
+          <p:cNvSpPr txBox="1">
+            <a:spLocks/>
+          </p:cNvSpPr>
+          <p:nvPr/>
+        </p:nvSpPr>
+        <p:spPr>
+          <a:xfrm>
+            <a:off x="72788" y="1048023"/>
+            <a:ext cx="11883419" cy="1937645"/>
+          </a:xfrm>
+          <a:prstGeom prst="rect">
+            <a:avLst/>
+          </a:prstGeom>
+        </p:spPr>
+        <p:txBody>
+          <a:bodyPr vert="horz" lIns="91440" tIns="45720" rIns="91440" bIns="45720" rtlCol="0" anchor="b">
+            <a:normAutofit fontScale="97500"/>
+          </a:bodyPr>
+          <a:lstStyle>
+            <a:lvl1pPr algn="ctr" defTabSz="914400" rtl="0" eaLnBrk="1" latinLnBrk="0" hangingPunct="1">
+              <a:lnSpc>
+                <a:spcPct val="90000"/>
+              </a:lnSpc>
+              <a:spcBef>
+                <a:spcPct val="0"/>
+              </a:spcBef>
+              <a:buNone/>
+              <a:defRPr sz="6000" kern="1200">
+                <a:solidFill>
+                  <a:schemeClr val="tx1"/>
+                </a:solidFill>
+                <a:latin typeface="+mj-lt"/>
+                <a:ea typeface="+mj-ea"/>
+                <a:cs typeface="+mj-cs"/>
+              </a:defRPr>
+            </a:lvl1pPr>
+          </a:lstStyle>
+          <a:p>
+            <a:pPr marL="457200" indent="-457200" algn="l">
+              <a:buFontTx/>
+              <a:buChar char="-"/>
+            </a:pPr>
+            <a:r>
+              <a:rPr lang="ru-RU" sz="3200" dirty="0">
+                <a:latin typeface="Segoe UI Black" panose="020B0A02040204020203" pitchFamily="34" charset="0"/>
+                <a:ea typeface="Segoe UI Black" panose="020B0A02040204020203" pitchFamily="34" charset="0"/>
+              </a:rPr>
+              <a:t>Добавление большего кол-во уровней и противников и бонусов.</a:t>
+            </a:r>
+          </a:p>
+          <a:p>
+            <a:pPr marL="457200" indent="-457200" algn="l">
+              <a:buFontTx/>
+              <a:buChar char="-"/>
+            </a:pPr>
+            <a:r>
+              <a:rPr lang="ru-RU" sz="3200" dirty="0">
+                <a:latin typeface="Segoe UI Black" panose="020B0A02040204020203" pitchFamily="34" charset="0"/>
+                <a:ea typeface="Segoe UI Black" panose="020B0A02040204020203" pitchFamily="34" charset="0"/>
+              </a:rPr>
+              <a:t>Создание простого редактора уровней</a:t>
+            </a:r>
+          </a:p>
+          <a:p>
+            <a:pPr algn="l"/>
+            <a:endParaRPr lang="ru-RU" sz="3200" dirty="0">
+              <a:latin typeface="Segoe UI Black" panose="020B0A02040204020203" pitchFamily="34" charset="0"/>
+              <a:ea typeface="Segoe UI Black" panose="020B0A02040204020203" pitchFamily="34" charset="0"/>
+            </a:endParaRPr>
+          </a:p>
+        </p:txBody>
+      </p:sp>
+    </p:spTree>
+    <p:extLst>
+      <p:ext uri="{BB962C8B-B14F-4D97-AF65-F5344CB8AC3E}">
+        <p14:creationId xmlns:p14="http://schemas.microsoft.com/office/powerpoint/2010/main" val="101291452"/>
+      </p:ext>
+    </p:extLst>
+  </p:cSld>
+  <p:clrMapOvr>
+    <a:masterClrMapping/>
+  </p:clrMapOvr>
+  <mc:AlternateContent xmlns:mc="http://schemas.openxmlformats.org/markup-compatibility/2006" xmlns:p159="http://schemas.microsoft.com/office/powerpoint/2015/09/main">
+    <mc:Choice Requires="p159">
+      <p:transition xmlns:p14="http://schemas.microsoft.com/office/powerpoint/2010/main" spd="slow" p14:dur="2000">
+        <p159:morph option="byObject"/>
+      </p:transition>
+    </mc:Choice>
+    <mc:Fallback xmlns="">
+      <p:transition spd="slow">
+        <p:fade/>
+      </p:transition>
+    </mc:Fallback>
+  </mc:AlternateContent>
+</p:sld>
+</file>
+
+<file path=ppt/slides/slide15.xml><?xml version="1.0" encoding="utf-8"?>
+<p:sld xmlns:a="http://schemas.openxmlformats.org/drawingml/2006/main" xmlns:r="http://schemas.openxmlformats.org/officeDocument/2006/relationships" xmlns:p="http://schemas.openxmlformats.org/presentationml/2006/main">
+  <p:cSld>
+    <p:bg>
+      <p:bgPr>
+        <a:solidFill>
+          <a:srgbClr val="65A6D4"/>
+        </a:solidFill>
+        <a:effectLst/>
+      </p:bgPr>
+    </p:bg>
+    <p:spTree>
+      <p:nvGrpSpPr>
+        <p:cNvPr id="1" name=""/>
+        <p:cNvGrpSpPr/>
+        <p:nvPr/>
+      </p:nvGrpSpPr>
+      <p:grpSpPr>
+        <a:xfrm>
+          <a:off x="0" y="0"/>
+          <a:ext cx="0" cy="0"/>
+          <a:chOff x="0" y="0"/>
+          <a:chExt cx="0" cy="0"/>
+        </a:xfrm>
+      </p:grpSpPr>
+      <p:pic>
+        <p:nvPicPr>
+          <p:cNvPr id="14" name="Рисунок 13">
+            <a:extLst>
+              <a:ext uri="{FF2B5EF4-FFF2-40B4-BE49-F238E27FC236}">
+                <a16:creationId xmlns:a16="http://schemas.microsoft.com/office/drawing/2014/main" id="{1DB02CE2-09A8-492D-83BE-AAF2B120E528}"/>
+              </a:ext>
+            </a:extLst>
+          </p:cNvPr>
+          <p:cNvPicPr>
+            <a:picLocks noChangeAspect="1"/>
+          </p:cNvPicPr>
+          <p:nvPr/>
+        </p:nvPicPr>
+        <p:blipFill>
+          <a:blip r:embed="rId2">
+            <a:extLst>
+              <a:ext uri="{28A0092B-C50C-407E-A947-70E740481C1C}">
+                <a14:useLocalDpi xmlns:a14="http://schemas.microsoft.com/office/drawing/2010/main" val="0"/>
+              </a:ext>
+            </a:extLst>
+          </a:blip>
+          <a:stretch>
+            <a:fillRect/>
+          </a:stretch>
+        </p:blipFill>
+        <p:spPr>
+          <a:xfrm>
+            <a:off x="0" y="5103019"/>
+            <a:ext cx="1755710" cy="1755710"/>
+          </a:xfrm>
+          <a:prstGeom prst="rect">
+            <a:avLst/>
+          </a:prstGeom>
+        </p:spPr>
+      </p:pic>
+      <p:pic>
+        <p:nvPicPr>
+          <p:cNvPr id="15" name="Рисунок 14">
+            <a:extLst>
+              <a:ext uri="{FF2B5EF4-FFF2-40B4-BE49-F238E27FC236}">
+                <a16:creationId xmlns:a16="http://schemas.microsoft.com/office/drawing/2014/main" id="{09FEAC30-6A94-4854-B997-B5D9A5170FCD}"/>
+              </a:ext>
+            </a:extLst>
+          </p:cNvPr>
+          <p:cNvPicPr>
+            <a:picLocks noChangeAspect="1"/>
+          </p:cNvPicPr>
+          <p:nvPr/>
+        </p:nvPicPr>
+        <p:blipFill>
+          <a:blip r:embed="rId2">
+            <a:extLst>
+              <a:ext uri="{28A0092B-C50C-407E-A947-70E740481C1C}">
+                <a14:useLocalDpi xmlns:a14="http://schemas.microsoft.com/office/drawing/2010/main" val="0"/>
+              </a:ext>
+            </a:extLst>
+          </a:blip>
+          <a:stretch>
+            <a:fillRect/>
+          </a:stretch>
+        </p:blipFill>
+        <p:spPr>
+          <a:xfrm>
+            <a:off x="1755710" y="5103019"/>
+            <a:ext cx="1755710" cy="1755710"/>
+          </a:xfrm>
+          <a:prstGeom prst="rect">
+            <a:avLst/>
+          </a:prstGeom>
+        </p:spPr>
+      </p:pic>
+      <p:pic>
+        <p:nvPicPr>
+          <p:cNvPr id="16" name="Рисунок 15">
+            <a:extLst>
+              <a:ext uri="{FF2B5EF4-FFF2-40B4-BE49-F238E27FC236}">
+                <a16:creationId xmlns:a16="http://schemas.microsoft.com/office/drawing/2014/main" id="{1B39A361-B585-430A-AFDD-DF4B2CE67593}"/>
+              </a:ext>
+            </a:extLst>
+          </p:cNvPr>
+          <p:cNvPicPr>
+            <a:picLocks noChangeAspect="1"/>
+          </p:cNvPicPr>
+          <p:nvPr/>
+        </p:nvPicPr>
+        <p:blipFill>
+          <a:blip r:embed="rId2">
+            <a:extLst>
+              <a:ext uri="{28A0092B-C50C-407E-A947-70E740481C1C}">
+                <a14:useLocalDpi xmlns:a14="http://schemas.microsoft.com/office/drawing/2010/main" val="0"/>
+              </a:ext>
+            </a:extLst>
+          </a:blip>
+          <a:stretch>
+            <a:fillRect/>
+          </a:stretch>
+        </p:blipFill>
+        <p:spPr>
+          <a:xfrm>
+            <a:off x="3511420" y="5102291"/>
+            <a:ext cx="1755710" cy="1755710"/>
+          </a:xfrm>
+          <a:prstGeom prst="rect">
+            <a:avLst/>
+          </a:prstGeom>
+        </p:spPr>
+      </p:pic>
+      <p:pic>
+        <p:nvPicPr>
+          <p:cNvPr id="17" name="Рисунок 16">
+            <a:extLst>
+              <a:ext uri="{FF2B5EF4-FFF2-40B4-BE49-F238E27FC236}">
+                <a16:creationId xmlns:a16="http://schemas.microsoft.com/office/drawing/2014/main" id="{1C48ECA5-0B8D-4FF9-83BF-9E46C4A08C6A}"/>
+              </a:ext>
+            </a:extLst>
+          </p:cNvPr>
+          <p:cNvPicPr>
+            <a:picLocks noChangeAspect="1"/>
+          </p:cNvPicPr>
+          <p:nvPr/>
+        </p:nvPicPr>
+        <p:blipFill>
+          <a:blip r:embed="rId2">
+            <a:extLst>
+              <a:ext uri="{28A0092B-C50C-407E-A947-70E740481C1C}">
+                <a14:useLocalDpi xmlns:a14="http://schemas.microsoft.com/office/drawing/2010/main" val="0"/>
+              </a:ext>
+            </a:extLst>
+          </a:blip>
+          <a:stretch>
+            <a:fillRect/>
+          </a:stretch>
+        </p:blipFill>
+        <p:spPr>
+          <a:xfrm>
+            <a:off x="5267130" y="5102291"/>
+            <a:ext cx="1755710" cy="1755710"/>
+          </a:xfrm>
+          <a:prstGeom prst="rect">
+            <a:avLst/>
+          </a:prstGeom>
+        </p:spPr>
+      </p:pic>
+      <p:pic>
+        <p:nvPicPr>
+          <p:cNvPr id="18" name="Рисунок 17">
+            <a:extLst>
+              <a:ext uri="{FF2B5EF4-FFF2-40B4-BE49-F238E27FC236}">
+                <a16:creationId xmlns:a16="http://schemas.microsoft.com/office/drawing/2014/main" id="{B997F373-E79F-4E85-B09A-88236D2F3138}"/>
+              </a:ext>
+            </a:extLst>
+          </p:cNvPr>
+          <p:cNvPicPr>
+            <a:picLocks noChangeAspect="1"/>
+          </p:cNvPicPr>
+          <p:nvPr/>
+        </p:nvPicPr>
+        <p:blipFill>
+          <a:blip r:embed="rId2">
+            <a:extLst>
+              <a:ext uri="{28A0092B-C50C-407E-A947-70E740481C1C}">
+                <a14:useLocalDpi xmlns:a14="http://schemas.microsoft.com/office/drawing/2010/main" val="0"/>
+              </a:ext>
+            </a:extLst>
+          </a:blip>
+          <a:stretch>
+            <a:fillRect/>
+          </a:stretch>
+        </p:blipFill>
+        <p:spPr>
+          <a:xfrm>
+            <a:off x="7022840" y="5102291"/>
+            <a:ext cx="1755710" cy="1755710"/>
+          </a:xfrm>
+          <a:prstGeom prst="rect">
+            <a:avLst/>
+          </a:prstGeom>
+        </p:spPr>
+      </p:pic>
+      <p:pic>
+        <p:nvPicPr>
+          <p:cNvPr id="19" name="Рисунок 18">
+            <a:extLst>
+              <a:ext uri="{FF2B5EF4-FFF2-40B4-BE49-F238E27FC236}">
+                <a16:creationId xmlns:a16="http://schemas.microsoft.com/office/drawing/2014/main" id="{CA1B0285-234C-4DC3-A42D-560F71B00060}"/>
+              </a:ext>
+            </a:extLst>
+          </p:cNvPr>
+          <p:cNvPicPr>
+            <a:picLocks noChangeAspect="1"/>
+          </p:cNvPicPr>
+          <p:nvPr/>
+        </p:nvPicPr>
+        <p:blipFill>
+          <a:blip r:embed="rId2">
+            <a:extLst>
+              <a:ext uri="{28A0092B-C50C-407E-A947-70E740481C1C}">
+                <a14:useLocalDpi xmlns:a14="http://schemas.microsoft.com/office/drawing/2010/main" val="0"/>
+              </a:ext>
+            </a:extLst>
+          </a:blip>
+          <a:stretch>
+            <a:fillRect/>
+          </a:stretch>
+        </p:blipFill>
+        <p:spPr>
+          <a:xfrm>
+            <a:off x="8778550" y="5103019"/>
+            <a:ext cx="1755710" cy="1755710"/>
+          </a:xfrm>
+          <a:prstGeom prst="rect">
+            <a:avLst/>
+          </a:prstGeom>
+        </p:spPr>
+      </p:pic>
+      <p:pic>
+        <p:nvPicPr>
+          <p:cNvPr id="20" name="Рисунок 19">
+            <a:extLst>
+              <a:ext uri="{FF2B5EF4-FFF2-40B4-BE49-F238E27FC236}">
+                <a16:creationId xmlns:a16="http://schemas.microsoft.com/office/drawing/2014/main" id="{0A47A0D9-B6B2-4E36-B3C8-B64C0BC26A9F}"/>
+              </a:ext>
+            </a:extLst>
+          </p:cNvPr>
+          <p:cNvPicPr>
+            <a:picLocks noChangeAspect="1"/>
+          </p:cNvPicPr>
+          <p:nvPr/>
+        </p:nvPicPr>
+        <p:blipFill>
+          <a:blip r:embed="rId2">
+            <a:extLst>
+              <a:ext uri="{28A0092B-C50C-407E-A947-70E740481C1C}">
+                <a14:useLocalDpi xmlns:a14="http://schemas.microsoft.com/office/drawing/2010/main" val="0"/>
+              </a:ext>
+            </a:extLst>
+          </a:blip>
+          <a:stretch>
+            <a:fillRect/>
+          </a:stretch>
+        </p:blipFill>
+        <p:spPr>
+          <a:xfrm>
+            <a:off x="10534260" y="5102290"/>
+            <a:ext cx="1755710" cy="1755710"/>
+          </a:xfrm>
+          <a:prstGeom prst="rect">
+            <a:avLst/>
+          </a:prstGeom>
+        </p:spPr>
+      </p:pic>
+      <p:sp>
+        <p:nvSpPr>
+          <p:cNvPr id="32" name="Заголовок 1">
+            <a:extLst>
+              <a:ext uri="{FF2B5EF4-FFF2-40B4-BE49-F238E27FC236}">
+                <a16:creationId xmlns:a16="http://schemas.microsoft.com/office/drawing/2014/main" id="{1B9F5C3E-55BD-44E2-BC50-CCF2F7EBFC3C}"/>
+              </a:ext>
+            </a:extLst>
+          </p:cNvPr>
+          <p:cNvSpPr>
+            <a:spLocks noGrp="1"/>
+          </p:cNvSpPr>
+          <p:nvPr>
+            <p:ph type="ctrTitle"/>
+          </p:nvPr>
+        </p:nvSpPr>
+        <p:spPr>
+          <a:xfrm>
+            <a:off x="3088110" y="1038814"/>
+            <a:ext cx="5560598" cy="967709"/>
+          </a:xfrm>
+        </p:spPr>
+        <p:txBody>
+          <a:bodyPr>
+            <a:normAutofit/>
+          </a:bodyPr>
+          <a:lstStyle/>
+          <a:p>
+            <a:pPr algn="l"/>
+            <a:r>
+              <a:rPr lang="ru-RU" sz="3200">
+                <a:latin typeface="Segoe UI Black" panose="020B0A02040204020203" pitchFamily="34" charset="0"/>
+                <a:ea typeface="Segoe UI Black" panose="020B0A02040204020203" pitchFamily="34" charset="0"/>
+              </a:rPr>
+              <a:t>СПАСИБО ЗА ВНИМАНИЕ</a:t>
+            </a:r>
+            <a:endParaRPr lang="ru-RU" sz="3200" dirty="0">
+              <a:latin typeface="Segoe UI Black" panose="020B0A02040204020203" pitchFamily="34" charset="0"/>
+              <a:ea typeface="Segoe UI Black" panose="020B0A02040204020203" pitchFamily="34" charset="0"/>
+            </a:endParaRPr>
+          </a:p>
+        </p:txBody>
+      </p:sp>
+      <p:sp>
+        <p:nvSpPr>
+          <p:cNvPr id="28" name="Заголовок 1">
+            <a:extLst>
+              <a:ext uri="{FF2B5EF4-FFF2-40B4-BE49-F238E27FC236}">
+                <a16:creationId xmlns:a16="http://schemas.microsoft.com/office/drawing/2014/main" id="{C85B0532-EA5B-4993-B35F-53390A8DE337}"/>
+              </a:ext>
+            </a:extLst>
+          </p:cNvPr>
+          <p:cNvSpPr txBox="1">
+            <a:spLocks/>
+          </p:cNvSpPr>
+          <p:nvPr/>
+        </p:nvSpPr>
+        <p:spPr>
+          <a:xfrm>
+            <a:off x="6267960" y="3255961"/>
+            <a:ext cx="5424814" cy="1493931"/>
+          </a:xfrm>
+          <a:prstGeom prst="rect">
+            <a:avLst/>
+          </a:prstGeom>
+        </p:spPr>
+        <p:txBody>
+          <a:bodyPr vert="horz" lIns="91440" tIns="45720" rIns="91440" bIns="45720" rtlCol="0" anchor="b">
+            <a:normAutofit/>
+          </a:bodyPr>
+          <a:lstStyle>
+            <a:lvl1pPr algn="ctr" defTabSz="914400" rtl="0" eaLnBrk="1" latinLnBrk="0" hangingPunct="1">
+              <a:lnSpc>
+                <a:spcPct val="90000"/>
+              </a:lnSpc>
+              <a:spcBef>
+                <a:spcPct val="0"/>
+              </a:spcBef>
+              <a:buNone/>
+              <a:defRPr sz="6000" kern="1200">
+                <a:solidFill>
+                  <a:schemeClr val="tx1"/>
+                </a:solidFill>
+                <a:latin typeface="+mj-lt"/>
+                <a:ea typeface="+mj-ea"/>
+                <a:cs typeface="+mj-cs"/>
+              </a:defRPr>
+            </a:lvl1pPr>
+          </a:lstStyle>
+          <a:p>
+            <a:pPr algn="l"/>
+            <a:endParaRPr lang="ru-RU" sz="3200" dirty="0">
+              <a:latin typeface="Segoe UI Black" panose="020B0A02040204020203" pitchFamily="34" charset="0"/>
+              <a:ea typeface="Segoe UI Black" panose="020B0A02040204020203" pitchFamily="34" charset="0"/>
+            </a:endParaRPr>
+          </a:p>
+        </p:txBody>
+      </p:sp>
+      <p:sp>
+        <p:nvSpPr>
+          <p:cNvPr id="30" name="Заголовок 1">
+            <a:extLst>
+              <a:ext uri="{FF2B5EF4-FFF2-40B4-BE49-F238E27FC236}">
+                <a16:creationId xmlns:a16="http://schemas.microsoft.com/office/drawing/2014/main" id="{4A409146-D44D-460E-A38C-EDCF48D0B643}"/>
+              </a:ext>
+            </a:extLst>
+          </p:cNvPr>
+          <p:cNvSpPr txBox="1">
+            <a:spLocks/>
+          </p:cNvSpPr>
+          <p:nvPr/>
+        </p:nvSpPr>
+        <p:spPr>
+          <a:xfrm>
+            <a:off x="5206960" y="1757762"/>
+            <a:ext cx="5138127" cy="1493931"/>
+          </a:xfrm>
+          <a:prstGeom prst="rect">
+            <a:avLst/>
+          </a:prstGeom>
+        </p:spPr>
+        <p:txBody>
+          <a:bodyPr vert="horz" lIns="91440" tIns="45720" rIns="91440" bIns="45720" rtlCol="0" anchor="b">
+            <a:normAutofit/>
+          </a:bodyPr>
+          <a:lstStyle>
+            <a:lvl1pPr algn="ctr" defTabSz="914400" rtl="0" eaLnBrk="1" latinLnBrk="0" hangingPunct="1">
+              <a:lnSpc>
+                <a:spcPct val="90000"/>
+              </a:lnSpc>
+              <a:spcBef>
+                <a:spcPct val="0"/>
+              </a:spcBef>
+              <a:buNone/>
+              <a:defRPr sz="6000" kern="1200">
+                <a:solidFill>
+                  <a:schemeClr val="tx1"/>
+                </a:solidFill>
+                <a:latin typeface="+mj-lt"/>
+                <a:ea typeface="+mj-ea"/>
+                <a:cs typeface="+mj-cs"/>
+              </a:defRPr>
+            </a:lvl1pPr>
+          </a:lstStyle>
+          <a:p>
+            <a:pPr algn="l"/>
+            <a:endParaRPr lang="ru-RU" sz="3200" dirty="0">
+              <a:latin typeface="Segoe UI Black" panose="020B0A02040204020203" pitchFamily="34" charset="0"/>
+              <a:ea typeface="Segoe UI Black" panose="020B0A02040204020203" pitchFamily="34" charset="0"/>
+            </a:endParaRPr>
+          </a:p>
+        </p:txBody>
+      </p:sp>
+      <p:sp>
+        <p:nvSpPr>
+          <p:cNvPr id="31" name="Заголовок 1">
+            <a:extLst>
+              <a:ext uri="{FF2B5EF4-FFF2-40B4-BE49-F238E27FC236}">
+                <a16:creationId xmlns:a16="http://schemas.microsoft.com/office/drawing/2014/main" id="{65B9A986-AC00-47A3-A10F-C3A35AD345DA}"/>
+              </a:ext>
+            </a:extLst>
+          </p:cNvPr>
+          <p:cNvSpPr txBox="1">
+            <a:spLocks/>
+          </p:cNvSpPr>
+          <p:nvPr/>
+        </p:nvSpPr>
+        <p:spPr>
+          <a:xfrm>
+            <a:off x="195258" y="2712944"/>
+            <a:ext cx="5138127" cy="2371148"/>
+          </a:xfrm>
+          <a:prstGeom prst="rect">
+            <a:avLst/>
+          </a:prstGeom>
+        </p:spPr>
+        <p:txBody>
+          <a:bodyPr vert="horz" lIns="91440" tIns="45720" rIns="91440" bIns="45720" rtlCol="0" anchor="b">
+            <a:normAutofit/>
+          </a:bodyPr>
+          <a:lstStyle>
+            <a:lvl1pPr algn="ctr" defTabSz="914400" rtl="0" eaLnBrk="1" latinLnBrk="0" hangingPunct="1">
+              <a:lnSpc>
+                <a:spcPct val="90000"/>
+              </a:lnSpc>
+              <a:spcBef>
+                <a:spcPct val="0"/>
+              </a:spcBef>
+              <a:buNone/>
+              <a:defRPr sz="6000" kern="1200">
+                <a:solidFill>
+                  <a:schemeClr val="tx1"/>
+                </a:solidFill>
+                <a:latin typeface="+mj-lt"/>
+                <a:ea typeface="+mj-ea"/>
+                <a:cs typeface="+mj-cs"/>
+              </a:defRPr>
+            </a:lvl1pPr>
+          </a:lstStyle>
+          <a:p>
+            <a:pPr algn="l"/>
+            <a:endParaRPr lang="ru-RU" sz="3200" dirty="0">
+              <a:latin typeface="Segoe UI Black" panose="020B0A02040204020203" pitchFamily="34" charset="0"/>
+              <a:ea typeface="Segoe UI Black" panose="020B0A02040204020203" pitchFamily="34" charset="0"/>
+            </a:endParaRPr>
+          </a:p>
+        </p:txBody>
+      </p:sp>
+      <p:pic>
+        <p:nvPicPr>
+          <p:cNvPr id="6" name="Рисунок 5">
+            <a:extLst>
+              <a:ext uri="{FF2B5EF4-FFF2-40B4-BE49-F238E27FC236}">
+                <a16:creationId xmlns:a16="http://schemas.microsoft.com/office/drawing/2014/main" id="{AC6F28AF-67BF-4A42-8C80-B8788B4589F4}"/>
+              </a:ext>
+            </a:extLst>
+          </p:cNvPr>
+          <p:cNvPicPr>
+            <a:picLocks noChangeAspect="1"/>
+          </p:cNvPicPr>
+          <p:nvPr/>
+        </p:nvPicPr>
+        <p:blipFill>
+          <a:blip r:embed="rId3">
+            <a:extLst>
+              <a:ext uri="{28A0092B-C50C-407E-A947-70E740481C1C}">
+                <a14:useLocalDpi xmlns:a14="http://schemas.microsoft.com/office/drawing/2010/main" val="0"/>
+              </a:ext>
+            </a:extLst>
+          </a:blip>
+          <a:stretch>
+            <a:fillRect/>
+          </a:stretch>
+        </p:blipFill>
+        <p:spPr>
+          <a:xfrm>
+            <a:off x="-8271749" y="2455918"/>
+            <a:ext cx="6159018" cy="2680086"/>
+          </a:xfrm>
+          <a:prstGeom prst="rect">
+            <a:avLst/>
+          </a:prstGeom>
+          <a:ln w="88900" cap="sq" cmpd="thickThin">
+            <a:solidFill>
+              <a:srgbClr val="000000"/>
+            </a:solidFill>
+            <a:prstDash val="solid"/>
+            <a:miter lim="800000"/>
+          </a:ln>
+          <a:effectLst>
+            <a:innerShdw blurRad="76200">
+              <a:srgbClr val="000000"/>
+            </a:innerShdw>
+          </a:effectLst>
+        </p:spPr>
+      </p:pic>
+      <p:pic>
+        <p:nvPicPr>
+          <p:cNvPr id="13" name="Рисунок 12">
+            <a:extLst>
+              <a:ext uri="{FF2B5EF4-FFF2-40B4-BE49-F238E27FC236}">
+                <a16:creationId xmlns:a16="http://schemas.microsoft.com/office/drawing/2014/main" id="{80AE5AFB-6BDA-4CF1-8092-2D7884DD8711}"/>
+              </a:ext>
+            </a:extLst>
+          </p:cNvPr>
+          <p:cNvPicPr>
+            <a:picLocks noChangeAspect="1"/>
+          </p:cNvPicPr>
+          <p:nvPr/>
+        </p:nvPicPr>
+        <p:blipFill>
+          <a:blip r:embed="rId4">
+            <a:extLst>
+              <a:ext uri="{28A0092B-C50C-407E-A947-70E740481C1C}">
+                <a14:useLocalDpi xmlns:a14="http://schemas.microsoft.com/office/drawing/2010/main" val="0"/>
+              </a:ext>
+            </a:extLst>
+          </a:blip>
+          <a:stretch>
+            <a:fillRect/>
+          </a:stretch>
+        </p:blipFill>
+        <p:spPr>
+          <a:xfrm>
+            <a:off x="14191188" y="2985304"/>
+            <a:ext cx="1141698" cy="1141698"/>
+          </a:xfrm>
+          <a:prstGeom prst="rect">
+            <a:avLst/>
+          </a:prstGeom>
+        </p:spPr>
+      </p:pic>
+      <p:pic>
+        <p:nvPicPr>
+          <p:cNvPr id="22" name="Рисунок 21">
+            <a:extLst>
+              <a:ext uri="{FF2B5EF4-FFF2-40B4-BE49-F238E27FC236}">
+                <a16:creationId xmlns:a16="http://schemas.microsoft.com/office/drawing/2014/main" id="{8F78360D-2CC0-4916-8EB9-342FD8A65D07}"/>
+              </a:ext>
+            </a:extLst>
+          </p:cNvPr>
+          <p:cNvPicPr>
+            <a:picLocks noChangeAspect="1"/>
+          </p:cNvPicPr>
+          <p:nvPr/>
+        </p:nvPicPr>
+        <p:blipFill>
+          <a:blip r:embed="rId5">
+            <a:extLst>
+              <a:ext uri="{28A0092B-C50C-407E-A947-70E740481C1C}">
+                <a14:useLocalDpi xmlns:a14="http://schemas.microsoft.com/office/drawing/2010/main" val="0"/>
+              </a:ext>
+            </a:extLst>
+          </a:blip>
+          <a:stretch>
+            <a:fillRect/>
+          </a:stretch>
+        </p:blipFill>
+        <p:spPr>
+          <a:xfrm rot="7501070">
+            <a:off x="9124768" y="-1313909"/>
+            <a:ext cx="1141698" cy="1141698"/>
+          </a:xfrm>
+          <a:prstGeom prst="rect">
+            <a:avLst/>
+          </a:prstGeom>
+        </p:spPr>
+      </p:pic>
+      <p:pic>
+        <p:nvPicPr>
+          <p:cNvPr id="23" name="Рисунок 22">
+            <a:extLst>
+              <a:ext uri="{FF2B5EF4-FFF2-40B4-BE49-F238E27FC236}">
+                <a16:creationId xmlns:a16="http://schemas.microsoft.com/office/drawing/2014/main" id="{7CBCC461-51D7-489E-BBC3-5FC65BAE7BB5}"/>
+              </a:ext>
+            </a:extLst>
+          </p:cNvPr>
+          <p:cNvPicPr>
+            <a:picLocks noChangeAspect="1"/>
+          </p:cNvPicPr>
+          <p:nvPr/>
+        </p:nvPicPr>
+        <p:blipFill>
+          <a:blip r:embed="rId6"/>
+          <a:stretch>
+            <a:fillRect/>
+          </a:stretch>
+        </p:blipFill>
+        <p:spPr>
+          <a:xfrm>
+            <a:off x="7592082" y="-1416895"/>
+            <a:ext cx="1182464" cy="1182464"/>
+          </a:xfrm>
+          <a:prstGeom prst="rect">
+            <a:avLst/>
+          </a:prstGeom>
+        </p:spPr>
+      </p:pic>
+      <p:pic>
+        <p:nvPicPr>
+          <p:cNvPr id="24" name="Рисунок 23">
+            <a:extLst>
+              <a:ext uri="{FF2B5EF4-FFF2-40B4-BE49-F238E27FC236}">
+                <a16:creationId xmlns:a16="http://schemas.microsoft.com/office/drawing/2014/main" id="{50D627AB-B388-4DBC-91FF-2476BCE326F8}"/>
+              </a:ext>
+            </a:extLst>
+          </p:cNvPr>
+          <p:cNvPicPr>
+            <a:picLocks noChangeAspect="1"/>
+          </p:cNvPicPr>
+          <p:nvPr/>
+        </p:nvPicPr>
+        <p:blipFill>
+          <a:blip r:embed="rId7"/>
+          <a:stretch>
+            <a:fillRect/>
+          </a:stretch>
+        </p:blipFill>
+        <p:spPr>
+          <a:xfrm rot="16959366">
+            <a:off x="-1735066" y="3126019"/>
+            <a:ext cx="1182464" cy="1182464"/>
+          </a:xfrm>
+          <a:prstGeom prst="rect">
+            <a:avLst/>
+          </a:prstGeom>
+        </p:spPr>
+      </p:pic>
+      <p:pic>
+        <p:nvPicPr>
+          <p:cNvPr id="4" name="Рисунок 3">
+            <a:extLst>
+              <a:ext uri="{FF2B5EF4-FFF2-40B4-BE49-F238E27FC236}">
+                <a16:creationId xmlns:a16="http://schemas.microsoft.com/office/drawing/2014/main" id="{251229DC-81EF-495B-B07D-29D664EF51CD}"/>
+              </a:ext>
+            </a:extLst>
+          </p:cNvPr>
+          <p:cNvPicPr>
+            <a:picLocks noChangeAspect="1"/>
+          </p:cNvPicPr>
+          <p:nvPr/>
+        </p:nvPicPr>
+        <p:blipFill>
+          <a:blip r:embed="rId8">
+            <a:extLst>
+              <a:ext uri="{28A0092B-C50C-407E-A947-70E740481C1C}">
+                <a14:useLocalDpi xmlns:a14="http://schemas.microsoft.com/office/drawing/2010/main" val="0"/>
+              </a:ext>
+            </a:extLst>
+          </a:blip>
+          <a:stretch>
+            <a:fillRect/>
+          </a:stretch>
+        </p:blipFill>
+        <p:spPr>
+          <a:xfrm>
+            <a:off x="-4616521" y="1894596"/>
+            <a:ext cx="4258269" cy="2905530"/>
+          </a:xfrm>
+          <a:prstGeom prst="rect">
+            <a:avLst/>
+          </a:prstGeom>
+          <a:solidFill>
+            <a:srgbClr val="FFFFFF">
+              <a:shade val="85000"/>
+            </a:srgbClr>
+          </a:solidFill>
+          <a:ln w="88900" cap="sq">
+            <a:solidFill>
+              <a:srgbClr val="FFFFFF"/>
+            </a:solidFill>
+            <a:miter lim="800000"/>
+          </a:ln>
+          <a:effectLst>
+            <a:outerShdw blurRad="55000" dist="18000" dir="5400000" algn="tl" rotWithShape="0">
+              <a:srgbClr val="000000">
+                <a:alpha val="40000"/>
+              </a:srgbClr>
+            </a:outerShdw>
+          </a:effectLst>
+          <a:scene3d>
+            <a:camera prst="orthographicFront"/>
+            <a:lightRig rig="twoPt" dir="t">
+              <a:rot lat="0" lon="0" rev="7200000"/>
+            </a:lightRig>
+          </a:scene3d>
+          <a:sp3d>
+            <a:bevelT w="25400" h="19050"/>
+            <a:contourClr>
+              <a:srgbClr val="FFFFFF"/>
+            </a:contourClr>
+          </a:sp3d>
+        </p:spPr>
+      </p:pic>
+      <p:pic>
+        <p:nvPicPr>
+          <p:cNvPr id="10" name="Рисунок 9">
+            <a:extLst>
+              <a:ext uri="{FF2B5EF4-FFF2-40B4-BE49-F238E27FC236}">
+                <a16:creationId xmlns:a16="http://schemas.microsoft.com/office/drawing/2014/main" id="{A1AB91AE-85F7-4427-B460-844149367D1D}"/>
+              </a:ext>
+            </a:extLst>
+          </p:cNvPr>
+          <p:cNvPicPr>
+            <a:picLocks noChangeAspect="1"/>
+          </p:cNvPicPr>
+          <p:nvPr/>
+        </p:nvPicPr>
+        <p:blipFill>
+          <a:blip r:embed="rId9">
+            <a:extLst>
+              <a:ext uri="{28A0092B-C50C-407E-A947-70E740481C1C}">
+                <a14:useLocalDpi xmlns:a14="http://schemas.microsoft.com/office/drawing/2010/main" val="0"/>
+              </a:ext>
+            </a:extLst>
+          </a:blip>
+          <a:stretch>
+            <a:fillRect/>
+          </a:stretch>
+        </p:blipFill>
+        <p:spPr>
+          <a:xfrm>
+            <a:off x="13507689" y="1557387"/>
+            <a:ext cx="4467849" cy="1648055"/>
+          </a:xfrm>
+          <a:prstGeom prst="roundRect">
+            <a:avLst>
+              <a:gd name="adj" fmla="val 9732"/>
+            </a:avLst>
+          </a:prstGeom>
+          <a:ln>
+            <a:noFill/>
+          </a:ln>
+          <a:effectLst>
+            <a:outerShdw blurRad="76200" dist="38100" dir="7800000" algn="tl" rotWithShape="0">
+              <a:srgbClr val="000000">
+                <a:alpha val="40000"/>
+              </a:srgbClr>
+            </a:outerShdw>
+          </a:effectLst>
+          <a:scene3d>
+            <a:camera prst="orthographicFront"/>
+            <a:lightRig rig="contrasting" dir="t">
+              <a:rot lat="0" lon="0" rev="4200000"/>
+            </a:lightRig>
+          </a:scene3d>
+          <a:sp3d prstMaterial="plastic">
+            <a:bevelT w="381000" h="114300" prst="relaxedInset"/>
+            <a:contourClr>
+              <a:srgbClr val="969696"/>
+            </a:contourClr>
+          </a:sp3d>
+        </p:spPr>
+      </p:pic>
+      <p:sp>
+        <p:nvSpPr>
+          <p:cNvPr id="33" name="Заголовок 1">
+            <a:extLst>
+              <a:ext uri="{FF2B5EF4-FFF2-40B4-BE49-F238E27FC236}">
+                <a16:creationId xmlns:a16="http://schemas.microsoft.com/office/drawing/2014/main" id="{FBD068CA-69C5-4065-B19D-2F51F78B44CF}"/>
+              </a:ext>
+            </a:extLst>
+          </p:cNvPr>
+          <p:cNvSpPr txBox="1">
+            <a:spLocks/>
+          </p:cNvSpPr>
+          <p:nvPr/>
+        </p:nvSpPr>
+        <p:spPr>
+          <a:xfrm>
+            <a:off x="4817460" y="1365450"/>
+            <a:ext cx="3884985" cy="592153"/>
+          </a:xfrm>
+          <a:prstGeom prst="rect">
+            <a:avLst/>
+          </a:prstGeom>
+        </p:spPr>
+        <p:txBody>
+          <a:bodyPr vert="horz" lIns="91440" tIns="45720" rIns="91440" bIns="45720" rtlCol="0" anchor="b">
+            <a:normAutofit fontScale="97500"/>
+          </a:bodyPr>
+          <a:lstStyle>
+            <a:lvl1pPr algn="ctr" defTabSz="914400" rtl="0" eaLnBrk="1" latinLnBrk="0" hangingPunct="1">
+              <a:lnSpc>
+                <a:spcPct val="90000"/>
+              </a:lnSpc>
+              <a:spcBef>
+                <a:spcPct val="0"/>
+              </a:spcBef>
+              <a:buNone/>
+              <a:defRPr sz="6000" kern="1200">
+                <a:solidFill>
+                  <a:schemeClr val="tx1"/>
+                </a:solidFill>
+                <a:latin typeface="+mj-lt"/>
+                <a:ea typeface="+mj-ea"/>
+                <a:cs typeface="+mj-cs"/>
+              </a:defRPr>
+            </a:lvl1pPr>
+          </a:lstStyle>
+          <a:p>
+            <a:pPr algn="l"/>
+            <a:endParaRPr lang="ru-RU" sz="3200" dirty="0">
+              <a:latin typeface="Segoe UI Black" panose="020B0A02040204020203" pitchFamily="34" charset="0"/>
+              <a:ea typeface="Segoe UI Black" panose="020B0A02040204020203" pitchFamily="34" charset="0"/>
+            </a:endParaRPr>
+          </a:p>
+        </p:txBody>
+      </p:sp>
+      <p:pic>
+        <p:nvPicPr>
+          <p:cNvPr id="12" name="Рисунок 11">
+            <a:extLst>
+              <a:ext uri="{FF2B5EF4-FFF2-40B4-BE49-F238E27FC236}">
+                <a16:creationId xmlns:a16="http://schemas.microsoft.com/office/drawing/2014/main" id="{30EC43B8-DE24-4C05-83ED-522E2C17BB56}"/>
+              </a:ext>
+            </a:extLst>
+          </p:cNvPr>
+          <p:cNvPicPr>
+            <a:picLocks noChangeAspect="1"/>
+          </p:cNvPicPr>
+          <p:nvPr/>
+        </p:nvPicPr>
+        <p:blipFill>
+          <a:blip r:embed="rId10">
+            <a:extLst>
+              <a:ext uri="{28A0092B-C50C-407E-A947-70E740481C1C}">
+                <a14:useLocalDpi xmlns:a14="http://schemas.microsoft.com/office/drawing/2010/main" val="0"/>
+              </a:ext>
+            </a:extLst>
+          </a:blip>
+          <a:stretch>
+            <a:fillRect/>
+          </a:stretch>
+        </p:blipFill>
+        <p:spPr>
+          <a:xfrm>
+            <a:off x="13329015" y="3717251"/>
+            <a:ext cx="4334480" cy="1171739"/>
+          </a:xfrm>
+          <a:prstGeom prst="rect">
+            <a:avLst/>
+          </a:prstGeom>
+        </p:spPr>
+      </p:pic>
+      <p:sp>
+        <p:nvSpPr>
+          <p:cNvPr id="36" name="Заголовок 1">
+            <a:extLst>
+              <a:ext uri="{FF2B5EF4-FFF2-40B4-BE49-F238E27FC236}">
+                <a16:creationId xmlns:a16="http://schemas.microsoft.com/office/drawing/2014/main" id="{FDCC15B0-667C-46BB-842D-41A493703025}"/>
+              </a:ext>
+            </a:extLst>
+          </p:cNvPr>
+          <p:cNvSpPr txBox="1">
+            <a:spLocks/>
+          </p:cNvSpPr>
+          <p:nvPr/>
+        </p:nvSpPr>
+        <p:spPr>
+          <a:xfrm>
+            <a:off x="-2799274" y="5243829"/>
+            <a:ext cx="1898069" cy="592153"/>
+          </a:xfrm>
+          <a:prstGeom prst="rect">
+            <a:avLst/>
+          </a:prstGeom>
+        </p:spPr>
+        <p:txBody>
+          <a:bodyPr vert="horz" lIns="91440" tIns="45720" rIns="91440" bIns="45720" rtlCol="0" anchor="b">
+            <a:normAutofit fontScale="67500" lnSpcReduction="20000"/>
+          </a:bodyPr>
+          <a:lstStyle>
+            <a:lvl1pPr algn="ctr" defTabSz="914400" rtl="0" eaLnBrk="1" latinLnBrk="0" hangingPunct="1">
+              <a:lnSpc>
+                <a:spcPct val="90000"/>
+              </a:lnSpc>
+              <a:spcBef>
+                <a:spcPct val="0"/>
+              </a:spcBef>
+              <a:buNone/>
+              <a:defRPr sz="6000" kern="1200">
+                <a:solidFill>
+                  <a:schemeClr val="tx1"/>
+                </a:solidFill>
+                <a:latin typeface="+mj-lt"/>
+                <a:ea typeface="+mj-ea"/>
+                <a:cs typeface="+mj-cs"/>
+              </a:defRPr>
+            </a:lvl1pPr>
+          </a:lstStyle>
+          <a:p>
+            <a:pPr algn="l"/>
+            <a:r>
+              <a:rPr lang="ru-RU" sz="3200" dirty="0">
+                <a:latin typeface="Segoe UI Black" panose="020B0A02040204020203" pitchFamily="34" charset="0"/>
+                <a:ea typeface="Segoe UI Black" panose="020B0A02040204020203" pitchFamily="34" charset="0"/>
+              </a:rPr>
+              <a:t>Базовые параметры</a:t>
+            </a:r>
+            <a:r>
+              <a:rPr lang="en-US" sz="3200" dirty="0">
+                <a:latin typeface="Segoe UI Black" panose="020B0A02040204020203" pitchFamily="34" charset="0"/>
+                <a:ea typeface="Segoe UI Black" panose="020B0A02040204020203" pitchFamily="34" charset="0"/>
+              </a:rPr>
+              <a:t>:</a:t>
+            </a:r>
+            <a:endParaRPr lang="ru-RU" sz="3200" dirty="0">
+              <a:latin typeface="Segoe UI Black" panose="020B0A02040204020203" pitchFamily="34" charset="0"/>
+              <a:ea typeface="Segoe UI Black" panose="020B0A02040204020203" pitchFamily="34" charset="0"/>
+            </a:endParaRPr>
+          </a:p>
+        </p:txBody>
+      </p:sp>
+      <p:sp>
+        <p:nvSpPr>
+          <p:cNvPr id="2" name="Левая фигурная скобка 1">
+            <a:extLst>
+              <a:ext uri="{FF2B5EF4-FFF2-40B4-BE49-F238E27FC236}">
+                <a16:creationId xmlns:a16="http://schemas.microsoft.com/office/drawing/2014/main" id="{96A26750-B233-4F98-AFEB-DF2FFA0FDB00}"/>
+              </a:ext>
+            </a:extLst>
+          </p:cNvPr>
+          <p:cNvSpPr/>
+          <p:nvPr/>
+        </p:nvSpPr>
+        <p:spPr>
+          <a:xfrm>
+            <a:off x="-1382950" y="257275"/>
+            <a:ext cx="762786" cy="2756704"/>
+          </a:xfrm>
+          <a:prstGeom prst="leftBrace">
+            <a:avLst>
+              <a:gd name="adj1" fmla="val 53287"/>
+              <a:gd name="adj2" fmla="val 50000"/>
+            </a:avLst>
+          </a:prstGeom>
+          <a:ln w="76200">
+            <a:solidFill>
+              <a:srgbClr val="7030A0"/>
+            </a:solidFill>
+          </a:ln>
+        </p:spPr>
+        <p:style>
+          <a:lnRef idx="1">
+            <a:schemeClr val="accent1"/>
+          </a:lnRef>
+          <a:fillRef idx="0">
+            <a:schemeClr val="accent1"/>
+          </a:fillRef>
+          <a:effectRef idx="0">
+            <a:schemeClr val="accent1"/>
+          </a:effectRef>
+          <a:fontRef idx="minor">
+            <a:schemeClr val="tx1"/>
+          </a:fontRef>
+        </p:style>
+        <p:txBody>
+          <a:bodyPr rtlCol="0" anchor="ctr"/>
+          <a:lstStyle/>
+          <a:p>
+            <a:pPr algn="ctr"/>
+            <a:endParaRPr lang="ru-RU"/>
+          </a:p>
+        </p:txBody>
+      </p:sp>
+      <p:sp>
+        <p:nvSpPr>
+          <p:cNvPr id="25" name="Левая фигурная скобка 24">
+            <a:extLst>
+              <a:ext uri="{FF2B5EF4-FFF2-40B4-BE49-F238E27FC236}">
+                <a16:creationId xmlns:a16="http://schemas.microsoft.com/office/drawing/2014/main" id="{715177C0-3304-4512-904C-9CE0BFD4265E}"/>
+              </a:ext>
+            </a:extLst>
+          </p:cNvPr>
+          <p:cNvSpPr/>
+          <p:nvPr/>
+        </p:nvSpPr>
+        <p:spPr>
+          <a:xfrm flipH="1">
+            <a:off x="14083484" y="283174"/>
+            <a:ext cx="509562" cy="2756704"/>
+          </a:xfrm>
+          <a:prstGeom prst="leftBrace">
+            <a:avLst>
+              <a:gd name="adj1" fmla="val 53287"/>
+              <a:gd name="adj2" fmla="val 50000"/>
+            </a:avLst>
+          </a:prstGeom>
+          <a:ln w="76200">
+            <a:solidFill>
+              <a:srgbClr val="7030A0"/>
+            </a:solidFill>
+          </a:ln>
+        </p:spPr>
+        <p:style>
+          <a:lnRef idx="1">
+            <a:schemeClr val="accent1"/>
+          </a:lnRef>
+          <a:fillRef idx="0">
+            <a:schemeClr val="accent1"/>
+          </a:fillRef>
+          <a:effectRef idx="0">
+            <a:schemeClr val="accent1"/>
+          </a:effectRef>
+          <a:fontRef idx="minor">
+            <a:schemeClr val="tx1"/>
+          </a:fontRef>
+        </p:style>
+        <p:txBody>
+          <a:bodyPr rtlCol="0" anchor="ctr"/>
+          <a:lstStyle/>
+          <a:p>
+            <a:pPr algn="ctr"/>
+            <a:endParaRPr lang="ru-RU"/>
+          </a:p>
+        </p:txBody>
+      </p:sp>
+      <p:sp>
+        <p:nvSpPr>
+          <p:cNvPr id="34" name="Левая фигурная скобка 33">
+            <a:extLst>
+              <a:ext uri="{FF2B5EF4-FFF2-40B4-BE49-F238E27FC236}">
+                <a16:creationId xmlns:a16="http://schemas.microsoft.com/office/drawing/2014/main" id="{5EE2DC62-E699-4FB9-B539-43B68C4C0EC5}"/>
+              </a:ext>
+            </a:extLst>
+          </p:cNvPr>
+          <p:cNvSpPr/>
+          <p:nvPr/>
+        </p:nvSpPr>
+        <p:spPr>
+          <a:xfrm flipH="1">
+            <a:off x="12857419" y="195936"/>
+            <a:ext cx="509562" cy="4872961"/>
+          </a:xfrm>
+          <a:prstGeom prst="leftBrace">
+            <a:avLst>
+              <a:gd name="adj1" fmla="val 53287"/>
+              <a:gd name="adj2" fmla="val 50000"/>
+            </a:avLst>
+          </a:prstGeom>
+          <a:ln w="76200">
+            <a:solidFill>
+              <a:srgbClr val="7030A0"/>
+            </a:solidFill>
+          </a:ln>
+        </p:spPr>
+        <p:style>
+          <a:lnRef idx="1">
+            <a:schemeClr val="accent1"/>
+          </a:lnRef>
+          <a:fillRef idx="0">
+            <a:schemeClr val="accent1"/>
+          </a:fillRef>
+          <a:effectRef idx="0">
+            <a:schemeClr val="accent1"/>
+          </a:effectRef>
+          <a:fontRef idx="minor">
+            <a:schemeClr val="tx1"/>
+          </a:fontRef>
+        </p:style>
+        <p:txBody>
+          <a:bodyPr rtlCol="0" anchor="ctr"/>
+          <a:lstStyle/>
+          <a:p>
+            <a:pPr algn="ctr"/>
+            <a:endParaRPr lang="ru-RU"/>
+          </a:p>
+        </p:txBody>
+      </p:sp>
+      <p:sp>
+        <p:nvSpPr>
+          <p:cNvPr id="35" name="Левая фигурная скобка 34">
+            <a:extLst>
+              <a:ext uri="{FF2B5EF4-FFF2-40B4-BE49-F238E27FC236}">
+                <a16:creationId xmlns:a16="http://schemas.microsoft.com/office/drawing/2014/main" id="{736D4CF2-8BCE-40A3-B5A1-CC4007A2F520}"/>
+              </a:ext>
+            </a:extLst>
+          </p:cNvPr>
+          <p:cNvSpPr/>
+          <p:nvPr/>
+        </p:nvSpPr>
+        <p:spPr>
+          <a:xfrm>
+            <a:off x="-1429232" y="16029"/>
+            <a:ext cx="664354" cy="4872961"/>
+          </a:xfrm>
+          <a:prstGeom prst="leftBrace">
+            <a:avLst>
+              <a:gd name="adj1" fmla="val 53287"/>
+              <a:gd name="adj2" fmla="val 50000"/>
+            </a:avLst>
+          </a:prstGeom>
+          <a:ln w="76200">
+            <a:solidFill>
+              <a:srgbClr val="7030A0"/>
+            </a:solidFill>
+          </a:ln>
+        </p:spPr>
+        <p:style>
+          <a:lnRef idx="1">
+            <a:schemeClr val="accent1"/>
+          </a:lnRef>
+          <a:fillRef idx="0">
+            <a:schemeClr val="accent1"/>
+          </a:fillRef>
+          <a:effectRef idx="0">
+            <a:schemeClr val="accent1"/>
+          </a:effectRef>
+          <a:fontRef idx="minor">
+            <a:schemeClr val="tx1"/>
+          </a:fontRef>
+        </p:style>
+        <p:txBody>
+          <a:bodyPr rtlCol="0" anchor="ctr"/>
+          <a:lstStyle/>
+          <a:p>
+            <a:pPr algn="ctr"/>
+            <a:endParaRPr lang="ru-RU"/>
+          </a:p>
+        </p:txBody>
+      </p:sp>
+      <p:sp>
+        <p:nvSpPr>
+          <p:cNvPr id="37" name="Левая фигурная скобка 36">
+            <a:extLst>
+              <a:ext uri="{FF2B5EF4-FFF2-40B4-BE49-F238E27FC236}">
+                <a16:creationId xmlns:a16="http://schemas.microsoft.com/office/drawing/2014/main" id="{25A951DC-D28D-4862-B2DA-A3745553DB5E}"/>
+              </a:ext>
+            </a:extLst>
+          </p:cNvPr>
+          <p:cNvSpPr/>
+          <p:nvPr/>
+        </p:nvSpPr>
+        <p:spPr>
+          <a:xfrm flipH="1">
+            <a:off x="12918059" y="3717251"/>
+            <a:ext cx="509562" cy="994969"/>
+          </a:xfrm>
+          <a:prstGeom prst="leftBrace">
+            <a:avLst>
+              <a:gd name="adj1" fmla="val 53287"/>
+              <a:gd name="adj2" fmla="val 50000"/>
+            </a:avLst>
+          </a:prstGeom>
+          <a:ln w="76200">
+            <a:solidFill>
+              <a:srgbClr val="7030A0"/>
+            </a:solidFill>
+          </a:ln>
+        </p:spPr>
+        <p:style>
+          <a:lnRef idx="1">
+            <a:schemeClr val="accent1"/>
+          </a:lnRef>
+          <a:fillRef idx="0">
+            <a:schemeClr val="accent1"/>
+          </a:fillRef>
+          <a:effectRef idx="0">
+            <a:schemeClr val="accent1"/>
+          </a:effectRef>
+          <a:fontRef idx="minor">
+            <a:schemeClr val="tx1"/>
+          </a:fontRef>
+        </p:style>
+        <p:txBody>
+          <a:bodyPr rtlCol="0" anchor="ctr"/>
+          <a:lstStyle/>
+          <a:p>
+            <a:pPr algn="ctr"/>
+            <a:endParaRPr lang="ru-RU"/>
+          </a:p>
+        </p:txBody>
+      </p:sp>
+      <p:sp>
+        <p:nvSpPr>
+          <p:cNvPr id="38" name="Левая фигурная скобка 37">
+            <a:extLst>
+              <a:ext uri="{FF2B5EF4-FFF2-40B4-BE49-F238E27FC236}">
+                <a16:creationId xmlns:a16="http://schemas.microsoft.com/office/drawing/2014/main" id="{4D056F7C-AA31-4773-A3E9-DCD3056BB963}"/>
+              </a:ext>
+            </a:extLst>
+          </p:cNvPr>
+          <p:cNvSpPr/>
+          <p:nvPr/>
+        </p:nvSpPr>
+        <p:spPr>
+          <a:xfrm>
+            <a:off x="-1164377" y="3754923"/>
+            <a:ext cx="452131" cy="994969"/>
+          </a:xfrm>
+          <a:prstGeom prst="leftBrace">
+            <a:avLst>
+              <a:gd name="adj1" fmla="val 53287"/>
+              <a:gd name="adj2" fmla="val 50000"/>
+            </a:avLst>
+          </a:prstGeom>
+          <a:ln w="76200">
+            <a:solidFill>
+              <a:srgbClr val="7030A0"/>
+            </a:solidFill>
+          </a:ln>
+        </p:spPr>
+        <p:style>
+          <a:lnRef idx="1">
+            <a:schemeClr val="accent1"/>
+          </a:lnRef>
+          <a:fillRef idx="0">
+            <a:schemeClr val="accent1"/>
+          </a:fillRef>
+          <a:effectRef idx="0">
+            <a:schemeClr val="accent1"/>
+          </a:effectRef>
+          <a:fontRef idx="minor">
+            <a:schemeClr val="tx1"/>
+          </a:fontRef>
+        </p:style>
+        <p:txBody>
+          <a:bodyPr rtlCol="0" anchor="ctr"/>
+          <a:lstStyle/>
+          <a:p>
+            <a:pPr algn="ctr"/>
+            <a:endParaRPr lang="ru-RU"/>
+          </a:p>
+        </p:txBody>
+      </p:sp>
+      <p:sp>
+        <p:nvSpPr>
+          <p:cNvPr id="39" name="Левая фигурная скобка 38">
+            <a:extLst>
+              <a:ext uri="{FF2B5EF4-FFF2-40B4-BE49-F238E27FC236}">
+                <a16:creationId xmlns:a16="http://schemas.microsoft.com/office/drawing/2014/main" id="{AEEFB29B-355D-4BCE-A919-9634DA36AD79}"/>
+              </a:ext>
+            </a:extLst>
+          </p:cNvPr>
+          <p:cNvSpPr/>
+          <p:nvPr/>
+        </p:nvSpPr>
+        <p:spPr>
+          <a:xfrm>
+            <a:off x="-1443590" y="28955"/>
+            <a:ext cx="762786" cy="4951543"/>
+          </a:xfrm>
+          <a:prstGeom prst="leftBrace">
+            <a:avLst>
+              <a:gd name="adj1" fmla="val 53287"/>
+              <a:gd name="adj2" fmla="val 50000"/>
+            </a:avLst>
+          </a:prstGeom>
+          <a:ln w="76200">
+            <a:solidFill>
+              <a:srgbClr val="002060"/>
+            </a:solidFill>
+          </a:ln>
+        </p:spPr>
+        <p:style>
+          <a:lnRef idx="1">
+            <a:schemeClr val="accent1"/>
+          </a:lnRef>
+          <a:fillRef idx="0">
+            <a:schemeClr val="accent1"/>
+          </a:fillRef>
+          <a:effectRef idx="0">
+            <a:schemeClr val="accent1"/>
+          </a:effectRef>
+          <a:fontRef idx="minor">
+            <a:schemeClr val="tx1"/>
+          </a:fontRef>
+        </p:style>
+        <p:txBody>
+          <a:bodyPr rtlCol="0" anchor="ctr"/>
+          <a:lstStyle/>
+          <a:p>
+            <a:pPr algn="ctr"/>
+            <a:endParaRPr lang="ru-RU"/>
+          </a:p>
+        </p:txBody>
+      </p:sp>
+      <p:sp>
+        <p:nvSpPr>
+          <p:cNvPr id="40" name="Левая фигурная скобка 39">
+            <a:extLst>
+              <a:ext uri="{FF2B5EF4-FFF2-40B4-BE49-F238E27FC236}">
+                <a16:creationId xmlns:a16="http://schemas.microsoft.com/office/drawing/2014/main" id="{163C5297-C4BF-4A10-8DDD-24DCD528E0B3}"/>
+              </a:ext>
+            </a:extLst>
+          </p:cNvPr>
+          <p:cNvSpPr/>
+          <p:nvPr/>
+        </p:nvSpPr>
+        <p:spPr>
+          <a:xfrm flipH="1">
+            <a:off x="12918059" y="-40469"/>
+            <a:ext cx="598492" cy="4951543"/>
+          </a:xfrm>
+          <a:prstGeom prst="leftBrace">
+            <a:avLst>
+              <a:gd name="adj1" fmla="val 53287"/>
+              <a:gd name="adj2" fmla="val 50000"/>
+            </a:avLst>
+          </a:prstGeom>
+          <a:ln w="76200">
+            <a:solidFill>
+              <a:srgbClr val="002060"/>
+            </a:solidFill>
+          </a:ln>
+        </p:spPr>
+        <p:style>
+          <a:lnRef idx="1">
+            <a:schemeClr val="accent1"/>
+          </a:lnRef>
+          <a:fillRef idx="0">
+            <a:schemeClr val="accent1"/>
+          </a:fillRef>
+          <a:effectRef idx="0">
+            <a:schemeClr val="accent1"/>
+          </a:effectRef>
+          <a:fontRef idx="minor">
+            <a:schemeClr val="tx1"/>
+          </a:fontRef>
+        </p:style>
+        <p:txBody>
+          <a:bodyPr rtlCol="0" anchor="ctr"/>
+          <a:lstStyle/>
+          <a:p>
+            <a:pPr algn="ctr"/>
+            <a:endParaRPr lang="ru-RU"/>
+          </a:p>
+        </p:txBody>
+      </p:sp>
+      <p:pic>
+        <p:nvPicPr>
+          <p:cNvPr id="42" name="Рисунок 41">
+            <a:hlinkClick r:id="rId11" action="ppaction://hlinkfile"/>
+            <a:extLst>
+              <a:ext uri="{FF2B5EF4-FFF2-40B4-BE49-F238E27FC236}">
+                <a16:creationId xmlns:a16="http://schemas.microsoft.com/office/drawing/2014/main" id="{2F3F6A70-B34A-4928-8AFE-F1978E70AB2E}"/>
+              </a:ext>
+            </a:extLst>
+          </p:cNvPr>
+          <p:cNvPicPr>
+            <a:picLocks noChangeAspect="1"/>
+          </p:cNvPicPr>
+          <p:nvPr/>
+        </p:nvPicPr>
+        <p:blipFill>
+          <a:blip r:embed="rId4">
+            <a:extLst>
+              <a:ext uri="{28A0092B-C50C-407E-A947-70E740481C1C}">
+                <a14:useLocalDpi xmlns:a14="http://schemas.microsoft.com/office/drawing/2010/main" val="0"/>
+              </a:ext>
+            </a:extLst>
+          </a:blip>
+          <a:stretch>
+            <a:fillRect/>
+          </a:stretch>
+        </p:blipFill>
+        <p:spPr>
+          <a:xfrm>
+            <a:off x="10890608" y="3962587"/>
+            <a:ext cx="948487" cy="948487"/>
+          </a:xfrm>
+          <a:prstGeom prst="rect">
+            <a:avLst/>
+          </a:prstGeom>
+        </p:spPr>
+      </p:pic>
+      <p:pic>
+        <p:nvPicPr>
+          <p:cNvPr id="5" name="Рисунок 4">
+            <a:extLst>
+              <a:ext uri="{FF2B5EF4-FFF2-40B4-BE49-F238E27FC236}">
+                <a16:creationId xmlns:a16="http://schemas.microsoft.com/office/drawing/2014/main" id="{5C2051CA-1AA8-49A5-A004-78A14EEDD5CD}"/>
+              </a:ext>
+            </a:extLst>
+          </p:cNvPr>
+          <p:cNvPicPr>
+            <a:picLocks noChangeAspect="1"/>
+          </p:cNvPicPr>
+          <p:nvPr/>
+        </p:nvPicPr>
+        <p:blipFill>
+          <a:blip r:embed="rId12">
+            <a:extLst>
+              <a:ext uri="{28A0092B-C50C-407E-A947-70E740481C1C}">
+                <a14:useLocalDpi xmlns:a14="http://schemas.microsoft.com/office/drawing/2010/main" val="0"/>
+              </a:ext>
+            </a:extLst>
+          </a:blip>
+          <a:stretch>
+            <a:fillRect/>
+          </a:stretch>
+        </p:blipFill>
+        <p:spPr>
+          <a:xfrm>
+            <a:off x="333751" y="3876835"/>
+            <a:ext cx="1007933" cy="1240534"/>
+          </a:xfrm>
+          <a:prstGeom prst="rect">
+            <a:avLst/>
+          </a:prstGeom>
+        </p:spPr>
+      </p:pic>
+      <p:pic>
+        <p:nvPicPr>
+          <p:cNvPr id="7" name="Рисунок 6">
+            <a:extLst>
+              <a:ext uri="{FF2B5EF4-FFF2-40B4-BE49-F238E27FC236}">
+                <a16:creationId xmlns:a16="http://schemas.microsoft.com/office/drawing/2014/main" id="{224CF6A2-E567-495E-A634-696250FA75EC}"/>
+              </a:ext>
+            </a:extLst>
+          </p:cNvPr>
+          <p:cNvPicPr>
+            <a:picLocks noChangeAspect="1"/>
+          </p:cNvPicPr>
+          <p:nvPr/>
+        </p:nvPicPr>
+        <p:blipFill>
+          <a:blip r:embed="rId13"/>
+          <a:stretch>
+            <a:fillRect/>
+          </a:stretch>
+        </p:blipFill>
+        <p:spPr>
+          <a:xfrm>
+            <a:off x="1438375" y="3909573"/>
+            <a:ext cx="1193269" cy="1189552"/>
+          </a:xfrm>
+          <a:prstGeom prst="rect">
+            <a:avLst/>
+          </a:prstGeom>
+        </p:spPr>
+      </p:pic>
+      <p:pic>
+        <p:nvPicPr>
+          <p:cNvPr id="9" name="Рисунок 8">
+            <a:extLst>
+              <a:ext uri="{FF2B5EF4-FFF2-40B4-BE49-F238E27FC236}">
+                <a16:creationId xmlns:a16="http://schemas.microsoft.com/office/drawing/2014/main" id="{F0B29D67-9A8D-4B3F-B546-946AD45728E1}"/>
+              </a:ext>
+            </a:extLst>
+          </p:cNvPr>
+          <p:cNvPicPr>
+            <a:picLocks noChangeAspect="1"/>
+          </p:cNvPicPr>
+          <p:nvPr/>
+        </p:nvPicPr>
+        <p:blipFill>
+          <a:blip r:embed="rId14">
+            <a:extLst>
+              <a:ext uri="{28A0092B-C50C-407E-A947-70E740481C1C}">
+                <a14:useLocalDpi xmlns:a14="http://schemas.microsoft.com/office/drawing/2010/main" val="0"/>
+              </a:ext>
+            </a:extLst>
+          </a:blip>
+          <a:stretch>
+            <a:fillRect/>
+          </a:stretch>
+        </p:blipFill>
+        <p:spPr>
+          <a:xfrm>
+            <a:off x="2794222" y="3897355"/>
+            <a:ext cx="964948" cy="1211975"/>
+          </a:xfrm>
+          <a:prstGeom prst="rect">
+            <a:avLst/>
+          </a:prstGeom>
+        </p:spPr>
+      </p:pic>
+      <p:pic>
+        <p:nvPicPr>
+          <p:cNvPr id="21" name="Рисунок 20">
+            <a:extLst>
+              <a:ext uri="{FF2B5EF4-FFF2-40B4-BE49-F238E27FC236}">
+                <a16:creationId xmlns:a16="http://schemas.microsoft.com/office/drawing/2014/main" id="{06E35AB7-24D5-497E-9DE6-63FD98001930}"/>
+              </a:ext>
+            </a:extLst>
+          </p:cNvPr>
+          <p:cNvPicPr>
+            <a:picLocks noChangeAspect="1"/>
+          </p:cNvPicPr>
+          <p:nvPr/>
+        </p:nvPicPr>
+        <p:blipFill>
+          <a:blip r:embed="rId15">
+            <a:extLst>
+              <a:ext uri="{28A0092B-C50C-407E-A947-70E740481C1C}">
+                <a14:useLocalDpi xmlns:a14="http://schemas.microsoft.com/office/drawing/2010/main" val="0"/>
+              </a:ext>
+            </a:extLst>
+          </a:blip>
+          <a:stretch>
+            <a:fillRect/>
+          </a:stretch>
+        </p:blipFill>
+        <p:spPr>
+          <a:xfrm>
+            <a:off x="3804035" y="3891157"/>
+            <a:ext cx="1040878" cy="1144608"/>
+          </a:xfrm>
+          <a:prstGeom prst="rect">
+            <a:avLst/>
+          </a:prstGeom>
+        </p:spPr>
+      </p:pic>
+      <p:pic>
+        <p:nvPicPr>
+          <p:cNvPr id="27" name="Рисунок 26">
+            <a:extLst>
+              <a:ext uri="{FF2B5EF4-FFF2-40B4-BE49-F238E27FC236}">
+                <a16:creationId xmlns:a16="http://schemas.microsoft.com/office/drawing/2014/main" id="{C4BF0D19-EB57-4EC8-ABCC-BF4713199D0D}"/>
+              </a:ext>
+            </a:extLst>
+          </p:cNvPr>
+          <p:cNvPicPr>
+            <a:picLocks noChangeAspect="1"/>
+          </p:cNvPicPr>
+          <p:nvPr/>
+        </p:nvPicPr>
+        <p:blipFill>
+          <a:blip r:embed="rId16">
+            <a:extLst>
+              <a:ext uri="{28A0092B-C50C-407E-A947-70E740481C1C}">
+                <a14:useLocalDpi xmlns:a14="http://schemas.microsoft.com/office/drawing/2010/main" val="0"/>
+              </a:ext>
+            </a:extLst>
+          </a:blip>
+          <a:stretch>
+            <a:fillRect/>
+          </a:stretch>
+        </p:blipFill>
+        <p:spPr>
+          <a:xfrm>
+            <a:off x="4728185" y="2597067"/>
+            <a:ext cx="1112654" cy="1180629"/>
+          </a:xfrm>
+          <a:prstGeom prst="rect">
+            <a:avLst/>
+          </a:prstGeom>
+        </p:spPr>
+      </p:pic>
+      <p:pic>
+        <p:nvPicPr>
+          <p:cNvPr id="45" name="Рисунок 44">
+            <a:extLst>
+              <a:ext uri="{FF2B5EF4-FFF2-40B4-BE49-F238E27FC236}">
+                <a16:creationId xmlns:a16="http://schemas.microsoft.com/office/drawing/2014/main" id="{A32B19F2-6F88-4213-A488-B53E2AAD254C}"/>
+              </a:ext>
+            </a:extLst>
+          </p:cNvPr>
+          <p:cNvPicPr>
+            <a:picLocks noChangeAspect="1"/>
+          </p:cNvPicPr>
+          <p:nvPr/>
+        </p:nvPicPr>
+        <p:blipFill>
+          <a:blip r:embed="rId17">
+            <a:extLst>
+              <a:ext uri="{28A0092B-C50C-407E-A947-70E740481C1C}">
+                <a14:useLocalDpi xmlns:a14="http://schemas.microsoft.com/office/drawing/2010/main" val="0"/>
+              </a:ext>
+            </a:extLst>
+          </a:blip>
+          <a:stretch>
+            <a:fillRect/>
+          </a:stretch>
+        </p:blipFill>
+        <p:spPr>
+          <a:xfrm>
+            <a:off x="6957448" y="3903085"/>
+            <a:ext cx="1146465" cy="1150286"/>
+          </a:xfrm>
+          <a:prstGeom prst="rect">
+            <a:avLst/>
+          </a:prstGeom>
+        </p:spPr>
+      </p:pic>
+      <p:pic>
+        <p:nvPicPr>
+          <p:cNvPr id="47" name="Рисунок 46">
+            <a:extLst>
+              <a:ext uri="{FF2B5EF4-FFF2-40B4-BE49-F238E27FC236}">
+                <a16:creationId xmlns:a16="http://schemas.microsoft.com/office/drawing/2014/main" id="{C921565B-F864-4468-BD34-2D5B94540A3C}"/>
+              </a:ext>
+            </a:extLst>
+          </p:cNvPr>
+          <p:cNvPicPr>
+            <a:picLocks noChangeAspect="1"/>
+          </p:cNvPicPr>
+          <p:nvPr/>
+        </p:nvPicPr>
+        <p:blipFill>
+          <a:blip r:embed="rId18">
+            <a:extLst>
+              <a:ext uri="{28A0092B-C50C-407E-A947-70E740481C1C}">
+                <a14:useLocalDpi xmlns:a14="http://schemas.microsoft.com/office/drawing/2010/main" val="0"/>
+              </a:ext>
+            </a:extLst>
+          </a:blip>
+          <a:stretch>
+            <a:fillRect/>
+          </a:stretch>
+        </p:blipFill>
+        <p:spPr>
+          <a:xfrm>
+            <a:off x="8053150" y="3832419"/>
+            <a:ext cx="1251673" cy="1251673"/>
+          </a:xfrm>
+          <a:prstGeom prst="rect">
+            <a:avLst/>
+          </a:prstGeom>
+        </p:spPr>
+      </p:pic>
+      <p:sp>
+        <p:nvSpPr>
+          <p:cNvPr id="48" name="TextBox 47">
+            <a:extLst>
+              <a:ext uri="{FF2B5EF4-FFF2-40B4-BE49-F238E27FC236}">
+                <a16:creationId xmlns:a16="http://schemas.microsoft.com/office/drawing/2014/main" id="{858842B9-BBA8-41A2-BCC0-7757EBC73A80}"/>
+              </a:ext>
+            </a:extLst>
+          </p:cNvPr>
+          <p:cNvSpPr txBox="1"/>
+          <p:nvPr/>
+        </p:nvSpPr>
+        <p:spPr>
+          <a:xfrm>
+            <a:off x="10856755" y="3356595"/>
+            <a:ext cx="1019033" cy="646331"/>
+          </a:xfrm>
+          <a:prstGeom prst="rect">
+            <a:avLst/>
+          </a:prstGeom>
+          <a:noFill/>
+        </p:spPr>
+        <p:txBody>
+          <a:bodyPr wrap="square" rtlCol="0">
+            <a:spAutoFit/>
+          </a:bodyPr>
+          <a:lstStyle/>
+          <a:p>
+            <a:r>
+              <a:rPr lang="ru-RU" dirty="0"/>
+              <a:t>Перейти к коду</a:t>
+            </a:r>
+          </a:p>
+        </p:txBody>
+      </p:sp>
+    </p:spTree>
+    <p:extLst>
+      <p:ext uri="{BB962C8B-B14F-4D97-AF65-F5344CB8AC3E}">
+        <p14:creationId xmlns:p14="http://schemas.microsoft.com/office/powerpoint/2010/main" val="1170489935"/>
+      </p:ext>
+    </p:extLst>
+  </p:cSld>
+  <p:clrMapOvr>
+    <a:masterClrMapping/>
+  </p:clrMapOvr>
+  <mc:AlternateContent xmlns:mc="http://schemas.openxmlformats.org/markup-compatibility/2006" xmlns:p159="http://schemas.microsoft.com/office/powerpoint/2015/09/main">
+    <mc:Choice Requires="p159">
+      <p:transition xmlns:p14="http://schemas.microsoft.com/office/powerpoint/2010/main" spd="slow" p14:dur="2000">
+        <p159:morph option="byObject"/>
+      </p:transition>
+    </mc:Choice>
+    <mc:Fallback xmlns="">
       <p:transition spd="slow">
         <p:fade/>
       </p:transition>
@@ -6485,13 +14001,13 @@
   <p:clrMapOvr>
     <a:masterClrMapping/>
   </p:clrMapOvr>
-  <mc:AlternateContent xmlns:mc="http://schemas.openxmlformats.org/markup-compatibility/2006">
-    <mc:Choice xmlns:p159="http://schemas.microsoft.com/office/powerpoint/2015/09/main" Requires="p159">
+  <mc:AlternateContent xmlns:mc="http://schemas.openxmlformats.org/markup-compatibility/2006" xmlns:p159="http://schemas.microsoft.com/office/powerpoint/2015/09/main">
+    <mc:Choice Requires="p159">
       <p:transition xmlns:p14="http://schemas.microsoft.com/office/powerpoint/2010/main" spd="slow" p14:dur="2000">
         <p159:morph option="byObject"/>
       </p:transition>
     </mc:Choice>
-    <mc:Fallback>
+    <mc:Fallback xmlns="">
       <p:transition spd="slow">
         <p:fade/>
       </p:transition>
@@ -7410,13 +14926,13 @@
   <p:clrMapOvr>
     <a:masterClrMapping/>
   </p:clrMapOvr>
-  <mc:AlternateContent xmlns:mc="http://schemas.openxmlformats.org/markup-compatibility/2006">
-    <mc:Choice xmlns:p159="http://schemas.microsoft.com/office/powerpoint/2015/09/main" Requires="p159">
+  <mc:AlternateContent xmlns:mc="http://schemas.openxmlformats.org/markup-compatibility/2006" xmlns:p159="http://schemas.microsoft.com/office/powerpoint/2015/09/main">
+    <mc:Choice Requires="p159">
       <p:transition xmlns:p14="http://schemas.microsoft.com/office/powerpoint/2010/main" spd="slow" p14:dur="2000">
         <p159:morph option="byObject"/>
       </p:transition>
     </mc:Choice>
-    <mc:Fallback>
+    <mc:Fallback xmlns="">
       <p:transition spd="slow">
         <p:fade/>
       </p:transition>
@@ -8452,13 +15968,13 @@
   <p:clrMapOvr>
     <a:masterClrMapping/>
   </p:clrMapOvr>
-  <mc:AlternateContent xmlns:mc="http://schemas.openxmlformats.org/markup-compatibility/2006">
-    <mc:Choice xmlns:p159="http://schemas.microsoft.com/office/powerpoint/2015/09/main" Requires="p159">
+  <mc:AlternateContent xmlns:mc="http://schemas.openxmlformats.org/markup-compatibility/2006" xmlns:p159="http://schemas.microsoft.com/office/powerpoint/2015/09/main">
+    <mc:Choice Requires="p159">
       <p:transition xmlns:p14="http://schemas.microsoft.com/office/powerpoint/2010/main" spd="slow" p14:dur="2000">
         <p159:morph option="byObject"/>
       </p:transition>
     </mc:Choice>
-    <mc:Fallback>
+    <mc:Fallback xmlns="">
       <p:transition spd="slow">
         <p:fade/>
       </p:transition>
@@ -9577,13 +17093,13 @@
   <p:clrMapOvr>
     <a:masterClrMapping/>
   </p:clrMapOvr>
-  <mc:AlternateContent xmlns:mc="http://schemas.openxmlformats.org/markup-compatibility/2006">
-    <mc:Choice xmlns:p159="http://schemas.microsoft.com/office/powerpoint/2015/09/main" Requires="p159">
+  <mc:AlternateContent xmlns:mc="http://schemas.openxmlformats.org/markup-compatibility/2006" xmlns:p159="http://schemas.microsoft.com/office/powerpoint/2015/09/main">
+    <mc:Choice Requires="p159">
       <p:transition xmlns:p14="http://schemas.microsoft.com/office/powerpoint/2010/main" spd="slow" p14:dur="2000">
         <p159:morph option="byObject"/>
       </p:transition>
     </mc:Choice>
-    <mc:Fallback>
+    <mc:Fallback xmlns="">
       <p:transition spd="slow">
         <p:fade/>
       </p:transition>
@@ -10195,13 +17711,13 @@
   <p:clrMapOvr>
     <a:masterClrMapping/>
   </p:clrMapOvr>
-  <mc:AlternateContent xmlns:mc="http://schemas.openxmlformats.org/markup-compatibility/2006">
-    <mc:Choice xmlns:p159="http://schemas.microsoft.com/office/powerpoint/2015/09/main" Requires="p159">
+  <mc:AlternateContent xmlns:mc="http://schemas.openxmlformats.org/markup-compatibility/2006" xmlns:p159="http://schemas.microsoft.com/office/powerpoint/2015/09/main">
+    <mc:Choice Requires="p159">
       <p:transition xmlns:p14="http://schemas.microsoft.com/office/powerpoint/2010/main" spd="slow" p14:dur="2000">
         <p159:morph option="byObject"/>
       </p:transition>
     </mc:Choice>
-    <mc:Fallback>
+    <mc:Fallback xmlns="">
       <p:transition spd="slow">
         <p:fade/>
       </p:transition>
@@ -11345,13 +18861,13 @@
   <p:clrMapOvr>
     <a:masterClrMapping/>
   </p:clrMapOvr>
-  <mc:AlternateContent xmlns:mc="http://schemas.openxmlformats.org/markup-compatibility/2006">
-    <mc:Choice xmlns:p159="http://schemas.microsoft.com/office/powerpoint/2015/09/main" Requires="p159">
+  <mc:AlternateContent xmlns:mc="http://schemas.openxmlformats.org/markup-compatibility/2006" xmlns:p159="http://schemas.microsoft.com/office/powerpoint/2015/09/main">
+    <mc:Choice Requires="p159">
       <p:transition xmlns:p14="http://schemas.microsoft.com/office/powerpoint/2010/main" spd="slow" p14:dur="2000">
         <p159:morph option="byObject"/>
       </p:transition>
     </mc:Choice>
-    <mc:Fallback>
+    <mc:Fallback xmlns="">
       <p:transition spd="slow">
         <p:fade/>
       </p:transition>
@@ -12495,13 +20011,13 @@
   <p:clrMapOvr>
     <a:masterClrMapping/>
   </p:clrMapOvr>
-  <mc:AlternateContent xmlns:mc="http://schemas.openxmlformats.org/markup-compatibility/2006">
-    <mc:Choice xmlns:p159="http://schemas.microsoft.com/office/powerpoint/2015/09/main" Requires="p159">
+  <mc:AlternateContent xmlns:mc="http://schemas.openxmlformats.org/markup-compatibility/2006" xmlns:p159="http://schemas.microsoft.com/office/powerpoint/2015/09/main">
+    <mc:Choice Requires="p159">
       <p:transition xmlns:p14="http://schemas.microsoft.com/office/powerpoint/2010/main" spd="slow" p14:dur="2000">
         <p159:morph option="byObject"/>
       </p:transition>
     </mc:Choice>
-    <mc:Fallback>
+    <mc:Fallback xmlns="">
       <p:transition spd="slow">
         <p:fade/>
       </p:transition>
@@ -13964,8 +21480,8 @@
         </p:nvSpPr>
         <p:spPr>
           <a:xfrm>
-            <a:off x="6129359" y="3139149"/>
-            <a:ext cx="757725" cy="447384"/>
+            <a:off x="9152577" y="1370190"/>
+            <a:ext cx="868388" cy="547272"/>
           </a:xfrm>
           <a:prstGeom prst="rect">
             <a:avLst/>
@@ -14318,6 +21834,425 @@
           </a:p>
         </p:txBody>
       </p:sp>
+      <p:sp>
+        <p:nvSpPr>
+          <p:cNvPr id="56" name="Прямоугольник 55">
+            <a:extLst>
+              <a:ext uri="{FF2B5EF4-FFF2-40B4-BE49-F238E27FC236}">
+                <a16:creationId xmlns:a16="http://schemas.microsoft.com/office/drawing/2014/main" id="{E87A07CC-2446-4275-8D3E-70B307E1F1D4}"/>
+              </a:ext>
+            </a:extLst>
+          </p:cNvPr>
+          <p:cNvSpPr/>
+          <p:nvPr/>
+        </p:nvSpPr>
+        <p:spPr>
+          <a:xfrm>
+            <a:off x="11332772" y="-581368"/>
+            <a:ext cx="272460" cy="70970"/>
+          </a:xfrm>
+          <a:prstGeom prst="rect">
+            <a:avLst/>
+          </a:prstGeom>
+          <a:blipFill>
+            <a:blip r:embed="rId3"/>
+            <a:tile tx="0" ty="0" sx="100000" sy="100000" flip="none" algn="tl"/>
+          </a:blipFill>
+        </p:spPr>
+        <p:style>
+          <a:lnRef idx="2">
+            <a:schemeClr val="accent6">
+              <a:shade val="50000"/>
+            </a:schemeClr>
+          </a:lnRef>
+          <a:fillRef idx="1">
+            <a:schemeClr val="accent6"/>
+          </a:fillRef>
+          <a:effectRef idx="0">
+            <a:schemeClr val="accent6"/>
+          </a:effectRef>
+          <a:fontRef idx="minor">
+            <a:schemeClr val="lt1"/>
+          </a:fontRef>
+        </p:style>
+        <p:txBody>
+          <a:bodyPr rtlCol="0" anchor="ctr"/>
+          <a:lstStyle/>
+          <a:p>
+            <a:pPr algn="ctr"/>
+            <a:endParaRPr lang="ru-RU" dirty="0"/>
+          </a:p>
+        </p:txBody>
+      </p:sp>
+      <p:pic>
+        <p:nvPicPr>
+          <p:cNvPr id="1036" name="Picture 12" descr="Qwerty клавиатура png | PNGEgg">
+            <a:extLst>
+              <a:ext uri="{FF2B5EF4-FFF2-40B4-BE49-F238E27FC236}">
+                <a16:creationId xmlns:a16="http://schemas.microsoft.com/office/drawing/2014/main" id="{00A8FB16-FA1F-4C28-A341-EB5B378A281A}"/>
+              </a:ext>
+            </a:extLst>
+          </p:cNvPr>
+          <p:cNvPicPr>
+            <a:picLocks noChangeAspect="1" noChangeArrowheads="1"/>
+          </p:cNvPicPr>
+          <p:nvPr/>
+        </p:nvPicPr>
+        <p:blipFill>
+          <a:blip r:embed="rId4">
+            <a:extLst>
+              <a:ext uri="{28A0092B-C50C-407E-A947-70E740481C1C}">
+                <a14:useLocalDpi xmlns:a14="http://schemas.microsoft.com/office/drawing/2010/main" val="0"/>
+              </a:ext>
+            </a:extLst>
+          </a:blip>
+          <a:srcRect/>
+          <a:stretch>
+            <a:fillRect/>
+          </a:stretch>
+        </p:blipFill>
+        <p:spPr bwMode="auto">
+          <a:xfrm>
+            <a:off x="7461868" y="816117"/>
+            <a:ext cx="4054774" cy="1596276"/>
+          </a:xfrm>
+          <a:prstGeom prst="rect">
+            <a:avLst/>
+          </a:prstGeom>
+          <a:noFill/>
+          <a:extLst>
+            <a:ext uri="{909E8E84-426E-40DD-AFC4-6F175D3DCCD1}">
+              <a14:hiddenFill xmlns:a14="http://schemas.microsoft.com/office/drawing/2010/main">
+                <a:solidFill>
+                  <a:srgbClr val="FFFFFF"/>
+                </a:solidFill>
+              </a14:hiddenFill>
+            </a:ext>
+          </a:extLst>
+        </p:spPr>
+      </p:pic>
+      <p:sp>
+        <p:nvSpPr>
+          <p:cNvPr id="4" name="Стрелка: вправо 3">
+            <a:extLst>
+              <a:ext uri="{FF2B5EF4-FFF2-40B4-BE49-F238E27FC236}">
+                <a16:creationId xmlns:a16="http://schemas.microsoft.com/office/drawing/2014/main" id="{B4DD7A52-3026-44C8-962B-9BE172C9ACD0}"/>
+              </a:ext>
+            </a:extLst>
+          </p:cNvPr>
+          <p:cNvSpPr/>
+          <p:nvPr/>
+        </p:nvSpPr>
+        <p:spPr>
+          <a:xfrm rot="5216904">
+            <a:off x="8419260" y="778121"/>
+            <a:ext cx="801346" cy="466318"/>
+          </a:xfrm>
+          <a:prstGeom prst="rightArrow">
+            <a:avLst/>
+          </a:prstGeom>
+        </p:spPr>
+        <p:style>
+          <a:lnRef idx="2">
+            <a:schemeClr val="accent1">
+              <a:shade val="50000"/>
+            </a:schemeClr>
+          </a:lnRef>
+          <a:fillRef idx="1">
+            <a:schemeClr val="accent1"/>
+          </a:fillRef>
+          <a:effectRef idx="0">
+            <a:schemeClr val="accent1"/>
+          </a:effectRef>
+          <a:fontRef idx="minor">
+            <a:schemeClr val="lt1"/>
+          </a:fontRef>
+        </p:style>
+        <p:txBody>
+          <a:bodyPr rtlCol="0" anchor="ctr"/>
+          <a:lstStyle/>
+          <a:p>
+            <a:pPr algn="ctr"/>
+            <a:endParaRPr lang="ru-RU"/>
+          </a:p>
+        </p:txBody>
+      </p:sp>
+      <p:sp>
+        <p:nvSpPr>
+          <p:cNvPr id="57" name="Стрелка: вправо 56">
+            <a:extLst>
+              <a:ext uri="{FF2B5EF4-FFF2-40B4-BE49-F238E27FC236}">
+                <a16:creationId xmlns:a16="http://schemas.microsoft.com/office/drawing/2014/main" id="{5317EA0F-2F3E-4473-9E85-D9AAF8B5F8AA}"/>
+              </a:ext>
+            </a:extLst>
+          </p:cNvPr>
+          <p:cNvSpPr/>
+          <p:nvPr/>
+        </p:nvSpPr>
+        <p:spPr>
+          <a:xfrm rot="18248206">
+            <a:off x="6995620" y="1032342"/>
+            <a:ext cx="801346" cy="466318"/>
+          </a:xfrm>
+          <a:prstGeom prst="rightArrow">
+            <a:avLst/>
+          </a:prstGeom>
+        </p:spPr>
+        <p:style>
+          <a:lnRef idx="2">
+            <a:schemeClr val="accent1">
+              <a:shade val="50000"/>
+            </a:schemeClr>
+          </a:lnRef>
+          <a:fillRef idx="1">
+            <a:schemeClr val="accent1"/>
+          </a:fillRef>
+          <a:effectRef idx="0">
+            <a:schemeClr val="accent1"/>
+          </a:effectRef>
+          <a:fontRef idx="minor">
+            <a:schemeClr val="lt1"/>
+          </a:fontRef>
+        </p:style>
+        <p:txBody>
+          <a:bodyPr rtlCol="0" anchor="ctr"/>
+          <a:lstStyle/>
+          <a:p>
+            <a:pPr algn="ctr"/>
+            <a:endParaRPr lang="ru-RU"/>
+          </a:p>
+        </p:txBody>
+      </p:sp>
+      <p:sp>
+        <p:nvSpPr>
+          <p:cNvPr id="58" name="Стрелка: вправо 57">
+            <a:extLst>
+              <a:ext uri="{FF2B5EF4-FFF2-40B4-BE49-F238E27FC236}">
+                <a16:creationId xmlns:a16="http://schemas.microsoft.com/office/drawing/2014/main" id="{D7462E5F-793F-48DD-B59B-4E8EB16CEFA1}"/>
+              </a:ext>
+            </a:extLst>
+          </p:cNvPr>
+          <p:cNvSpPr/>
+          <p:nvPr/>
+        </p:nvSpPr>
+        <p:spPr>
+          <a:xfrm rot="14478375">
+            <a:off x="11214846" y="2470086"/>
+            <a:ext cx="801346" cy="466318"/>
+          </a:xfrm>
+          <a:prstGeom prst="rightArrow">
+            <a:avLst/>
+          </a:prstGeom>
+        </p:spPr>
+        <p:style>
+          <a:lnRef idx="2">
+            <a:schemeClr val="accent1">
+              <a:shade val="50000"/>
+            </a:schemeClr>
+          </a:lnRef>
+          <a:fillRef idx="1">
+            <a:schemeClr val="accent1"/>
+          </a:fillRef>
+          <a:effectRef idx="0">
+            <a:schemeClr val="accent1"/>
+          </a:effectRef>
+          <a:fontRef idx="minor">
+            <a:schemeClr val="lt1"/>
+          </a:fontRef>
+        </p:style>
+        <p:txBody>
+          <a:bodyPr rtlCol="0" anchor="ctr"/>
+          <a:lstStyle/>
+          <a:p>
+            <a:pPr algn="ctr"/>
+            <a:endParaRPr lang="ru-RU"/>
+          </a:p>
+        </p:txBody>
+      </p:sp>
+      <p:sp>
+        <p:nvSpPr>
+          <p:cNvPr id="59" name="Стрелка: вправо 58">
+            <a:extLst>
+              <a:ext uri="{FF2B5EF4-FFF2-40B4-BE49-F238E27FC236}">
+                <a16:creationId xmlns:a16="http://schemas.microsoft.com/office/drawing/2014/main" id="{13FA5119-9CC7-4950-835D-FF9AC76EA037}"/>
+              </a:ext>
+            </a:extLst>
+          </p:cNvPr>
+          <p:cNvSpPr/>
+          <p:nvPr/>
+        </p:nvSpPr>
+        <p:spPr>
+          <a:xfrm rot="18248206">
+            <a:off x="10183285" y="2480039"/>
+            <a:ext cx="801346" cy="466318"/>
+          </a:xfrm>
+          <a:prstGeom prst="rightArrow">
+            <a:avLst/>
+          </a:prstGeom>
+        </p:spPr>
+        <p:style>
+          <a:lnRef idx="2">
+            <a:schemeClr val="accent1">
+              <a:shade val="50000"/>
+            </a:schemeClr>
+          </a:lnRef>
+          <a:fillRef idx="1">
+            <a:schemeClr val="accent1"/>
+          </a:fillRef>
+          <a:effectRef idx="0">
+            <a:schemeClr val="accent1"/>
+          </a:effectRef>
+          <a:fontRef idx="minor">
+            <a:schemeClr val="lt1"/>
+          </a:fontRef>
+        </p:style>
+        <p:txBody>
+          <a:bodyPr rtlCol="0" anchor="ctr"/>
+          <a:lstStyle/>
+          <a:p>
+            <a:pPr algn="ctr"/>
+            <a:endParaRPr lang="ru-RU"/>
+          </a:p>
+        </p:txBody>
+      </p:sp>
+      <p:sp>
+        <p:nvSpPr>
+          <p:cNvPr id="60" name="Стрелка: вправо 59">
+            <a:extLst>
+              <a:ext uri="{FF2B5EF4-FFF2-40B4-BE49-F238E27FC236}">
+                <a16:creationId xmlns:a16="http://schemas.microsoft.com/office/drawing/2014/main" id="{7DFA1AFA-1BAA-4AB7-AC32-42E002FA1F27}"/>
+              </a:ext>
+            </a:extLst>
+          </p:cNvPr>
+          <p:cNvSpPr/>
+          <p:nvPr/>
+        </p:nvSpPr>
+        <p:spPr>
+          <a:xfrm rot="16515480">
+            <a:off x="10686591" y="2470086"/>
+            <a:ext cx="801346" cy="466318"/>
+          </a:xfrm>
+          <a:prstGeom prst="rightArrow">
+            <a:avLst/>
+          </a:prstGeom>
+        </p:spPr>
+        <p:style>
+          <a:lnRef idx="2">
+            <a:schemeClr val="accent1">
+              <a:shade val="50000"/>
+            </a:schemeClr>
+          </a:lnRef>
+          <a:fillRef idx="1">
+            <a:schemeClr val="accent1"/>
+          </a:fillRef>
+          <a:effectRef idx="0">
+            <a:schemeClr val="accent1"/>
+          </a:effectRef>
+          <a:fontRef idx="minor">
+            <a:schemeClr val="lt1"/>
+          </a:fontRef>
+        </p:style>
+        <p:txBody>
+          <a:bodyPr rtlCol="0" anchor="ctr"/>
+          <a:lstStyle/>
+          <a:p>
+            <a:pPr algn="ctr"/>
+            <a:endParaRPr lang="ru-RU"/>
+          </a:p>
+        </p:txBody>
+      </p:sp>
+      <p:sp>
+        <p:nvSpPr>
+          <p:cNvPr id="62" name="Стрелка: вправо 61">
+            <a:extLst>
+              <a:ext uri="{FF2B5EF4-FFF2-40B4-BE49-F238E27FC236}">
+                <a16:creationId xmlns:a16="http://schemas.microsoft.com/office/drawing/2014/main" id="{98D42712-6D8E-4A4A-BC30-C36333011D34}"/>
+              </a:ext>
+            </a:extLst>
+          </p:cNvPr>
+          <p:cNvSpPr/>
+          <p:nvPr/>
+        </p:nvSpPr>
+        <p:spPr>
+          <a:xfrm rot="8161140">
+            <a:off x="11023676" y="1636648"/>
+            <a:ext cx="801346" cy="466318"/>
+          </a:xfrm>
+          <a:prstGeom prst="rightArrow">
+            <a:avLst/>
+          </a:prstGeom>
+        </p:spPr>
+        <p:style>
+          <a:lnRef idx="2">
+            <a:schemeClr val="accent1">
+              <a:shade val="50000"/>
+            </a:schemeClr>
+          </a:lnRef>
+          <a:fillRef idx="1">
+            <a:schemeClr val="accent1"/>
+          </a:fillRef>
+          <a:effectRef idx="0">
+            <a:schemeClr val="accent1"/>
+          </a:effectRef>
+          <a:fontRef idx="minor">
+            <a:schemeClr val="lt1"/>
+          </a:fontRef>
+        </p:style>
+        <p:txBody>
+          <a:bodyPr rtlCol="0" anchor="ctr"/>
+          <a:lstStyle/>
+          <a:p>
+            <a:pPr algn="ctr"/>
+            <a:endParaRPr lang="ru-RU"/>
+          </a:p>
+        </p:txBody>
+      </p:sp>
+      <p:sp>
+        <p:nvSpPr>
+          <p:cNvPr id="63" name="Стрелка: вправо 62">
+            <a:extLst>
+              <a:ext uri="{FF2B5EF4-FFF2-40B4-BE49-F238E27FC236}">
+                <a16:creationId xmlns:a16="http://schemas.microsoft.com/office/drawing/2014/main" id="{8ADD7D9A-EDF0-41B5-BED0-FBD1DBD6EC0B}"/>
+              </a:ext>
+            </a:extLst>
+          </p:cNvPr>
+          <p:cNvSpPr/>
+          <p:nvPr/>
+        </p:nvSpPr>
+        <p:spPr>
+          <a:xfrm rot="18674414">
+            <a:off x="8604367" y="2351958"/>
+            <a:ext cx="801346" cy="466318"/>
+          </a:xfrm>
+          <a:prstGeom prst="rightArrow">
+            <a:avLst/>
+          </a:prstGeom>
+        </p:spPr>
+        <p:style>
+          <a:lnRef idx="2">
+            <a:schemeClr val="accent1">
+              <a:shade val="50000"/>
+            </a:schemeClr>
+          </a:lnRef>
+          <a:fillRef idx="1">
+            <a:schemeClr val="accent1"/>
+          </a:fillRef>
+          <a:effectRef idx="0">
+            <a:schemeClr val="accent1"/>
+          </a:effectRef>
+          <a:fontRef idx="minor">
+            <a:schemeClr val="lt1"/>
+          </a:fontRef>
+        </p:style>
+        <p:txBody>
+          <a:bodyPr rtlCol="0" anchor="ctr"/>
+          <a:lstStyle/>
+          <a:p>
+            <a:pPr algn="ctr"/>
+            <a:endParaRPr lang="ru-RU"/>
+          </a:p>
+        </p:txBody>
+      </p:sp>
     </p:spTree>
     <p:extLst>
       <p:ext uri="{BB962C8B-B14F-4D97-AF65-F5344CB8AC3E}">
@@ -14328,13 +22263,13 @@
   <p:clrMapOvr>
     <a:masterClrMapping/>
   </p:clrMapOvr>
-  <mc:AlternateContent xmlns:mc="http://schemas.openxmlformats.org/markup-compatibility/2006">
-    <mc:Choice xmlns:p159="http://schemas.microsoft.com/office/powerpoint/2015/09/main" Requires="p159">
+  <mc:AlternateContent xmlns:mc="http://schemas.openxmlformats.org/markup-compatibility/2006" xmlns:p159="http://schemas.microsoft.com/office/powerpoint/2015/09/main">
+    <mc:Choice Requires="p159">
       <p:transition xmlns:p14="http://schemas.microsoft.com/office/powerpoint/2010/main" spd="slow" p14:dur="2000">
         <p159:morph option="byObject"/>
       </p:transition>
     </mc:Choice>
-    <mc:Fallback>
+    <mc:Fallback xmlns="">
       <p:transition spd="slow">
         <p:fade/>
       </p:transition>
